--- a/Animal Assistance AV System.pptx
+++ b/Animal Assistance AV System.pptx
@@ -14,7 +14,7 @@
     <p:sldId id="259" r:id="rId5"/>
     <p:sldId id="260" r:id="rId6"/>
   </p:sldIdLst>
-  <p:sldSz cx="9144000" cy="5143500" type="screen16x9"/>
+  <p:sldSz cx="5143500" cy="9144000" type="screen16x9"/>
   <p:notesSz cx="9144000" cy="5143500"/>
   <p:embeddedFontLst>
     <p:embeddedFont>
@@ -110,12 +110,12 @@
   <p:extLst>
     <p:ext uri="{EFAFB233-063F-42B5-8137-9DF3F51BA10A}">
       <p15:sldGuideLst xmlns:p15="http://schemas.microsoft.com/office/powerpoint/2012/main">
-        <p15:guide id="1" orient="horz" pos="2160">
+        <p15:guide id="1" orient="horz" pos="3840" userDrawn="1">
           <p15:clr>
             <a:srgbClr val="A4A3A4"/>
           </p15:clr>
         </p15:guide>
-        <p15:guide id="2" pos="2880">
+        <p15:guide id="2" pos="1620" userDrawn="1">
           <p15:clr>
             <a:srgbClr val="A4A3A4"/>
           </p15:clr>
@@ -226,8 +226,8 @@
         </p:nvSpPr>
         <p:spPr>
           <a:xfrm>
-            <a:off x="685800" y="1143000"/>
-            <a:ext cx="5486400" cy="3086100"/>
+            <a:off x="2560638" y="1143000"/>
+            <a:ext cx="1736725" cy="3086100"/>
           </a:xfrm>
           <a:prstGeom prst="rect">
             <a:avLst/>
@@ -508,7 +508,7 @@
           <p:cNvPr id="2" name="Group 1">
             <a:extLst>
               <a:ext uri="{E2C19D05-1A75-4129-9024-C07FB895B241}">
-                <a16:creationId xmlns:a16="http://schemas.microsoft.com/office/drawing/2010/main" xmlns:vt="http://schemas.openxmlformats.org/officeDocument/2006/docPropsVTypes" xmlns:ns1="http://schemas.openxmlformats.org/officeDocument/2006/extended-properties" xmlns:cs="http://schemas.microsoft.com/office/drawing/2012/chartStyle" xmlns:c="http://schemas.openxmlformats.org/drawingml/2006/chart" xmlns="" id="{AF347BE3-F49A-4BD5-867F-24F7BCF79908}"/>
+                <a16:creationId xmlns="" xmlns:c="http://schemas.openxmlformats.org/drawingml/2006/chart" xmlns:cs="http://schemas.microsoft.com/office/drawing/2012/chartStyle" xmlns:ns1="http://schemas.openxmlformats.org/officeDocument/2006/extended-properties" xmlns:vt="http://schemas.openxmlformats.org/officeDocument/2006/docPropsVTypes" xmlns:a16="http://schemas.microsoft.com/office/drawing/2010/main" id="{AF347BE3-F49A-4BD5-867F-24F7BCF79908}"/>
               </a:ext>
             </a:extLst>
           </p:cNvPr>
@@ -519,8 +519,8 @@
         </p:nvGrpSpPr>
         <p:grpSpPr>
           <a:xfrm>
-            <a:off x="1933575" y="1743075"/>
-            <a:ext cx="1047750" cy="1047750"/>
+            <a:off x="1087636" y="3098800"/>
+            <a:ext cx="589359" cy="1862667"/>
             <a:chOff x="1933575" y="1743075"/>
             <a:chExt cx="1047750" cy="1047750"/>
           </a:xfrm>
@@ -530,7 +530,7 @@
             <p:cNvPr id="3" name="Rectangle 2">
               <a:extLst>
                 <a:ext uri="{7E8D6F56-8ACD-4DCA-8E87-E59FF4623981}">
-                  <a16:creationId xmlns:a16="http://schemas.microsoft.com/office/drawing/2010/main" xmlns:vt="http://schemas.openxmlformats.org/officeDocument/2006/docPropsVTypes" xmlns:ns1="http://schemas.openxmlformats.org/officeDocument/2006/extended-properties" xmlns:cs="http://schemas.microsoft.com/office/drawing/2012/chartStyle" xmlns:c="http://schemas.openxmlformats.org/drawingml/2006/chart" xmlns="" id="{0DA75F5D-B59B-4B6E-8318-C0092C2AF597}"/>
+                  <a16:creationId xmlns="" xmlns:c="http://schemas.openxmlformats.org/drawingml/2006/chart" xmlns:cs="http://schemas.microsoft.com/office/drawing/2012/chartStyle" xmlns:ns1="http://schemas.openxmlformats.org/officeDocument/2006/extended-properties" xmlns:vt="http://schemas.openxmlformats.org/officeDocument/2006/docPropsVTypes" xmlns:a16="http://schemas.microsoft.com/office/drawing/2010/main" id="{0DA75F5D-B59B-4B6E-8318-C0092C2AF597}"/>
                 </a:ext>
               </a:extLst>
             </p:cNvPr>
@@ -578,7 +578,7 @@
             <a:lstStyle/>
             <a:p>
               <a:pPr algn="ctr"/>
-              <a:endParaRPr lang="en-US" dirty="0"/>
+              <a:endParaRPr lang="en-US" sz="1013" dirty="0"/>
             </a:p>
           </p:txBody>
         </p:sp>
@@ -587,7 +587,7 @@
             <p:cNvPr id="4" name="Rectangle 3">
               <a:extLst>
                 <a:ext uri="{252CD820-3E5F-4348-B031-1C3DCC2404A2}">
-                  <a16:creationId xmlns:a16="http://schemas.microsoft.com/office/drawing/2010/main" xmlns:vt="http://schemas.openxmlformats.org/officeDocument/2006/docPropsVTypes" xmlns:ns1="http://schemas.openxmlformats.org/officeDocument/2006/extended-properties" xmlns:cs="http://schemas.microsoft.com/office/drawing/2012/chartStyle" xmlns:c="http://schemas.openxmlformats.org/drawingml/2006/chart" xmlns="" id="{3B591F23-366A-4773-B80E-903FEA62F397}"/>
+                  <a16:creationId xmlns="" xmlns:c="http://schemas.openxmlformats.org/drawingml/2006/chart" xmlns:cs="http://schemas.microsoft.com/office/drawing/2012/chartStyle" xmlns:ns1="http://schemas.openxmlformats.org/officeDocument/2006/extended-properties" xmlns:vt="http://schemas.openxmlformats.org/officeDocument/2006/docPropsVTypes" xmlns:a16="http://schemas.microsoft.com/office/drawing/2010/main" id="{3B591F23-366A-4773-B80E-903FEA62F397}"/>
                 </a:ext>
               </a:extLst>
             </p:cNvPr>
@@ -635,7 +635,7 @@
             <a:lstStyle/>
             <a:p>
               <a:pPr algn="ctr"/>
-              <a:endParaRPr lang="en-US" dirty="0"/>
+              <a:endParaRPr lang="en-US" sz="1013" dirty="0"/>
             </a:p>
           </p:txBody>
         </p:sp>
@@ -644,7 +644,7 @@
             <p:cNvPr id="5" name="Rectangle 4">
               <a:extLst>
                 <a:ext uri="{4277CDAD-A15A-45E7-B0F2-E87E44071F32}">
-                  <a16:creationId xmlns:a16="http://schemas.microsoft.com/office/drawing/2010/main" xmlns:vt="http://schemas.openxmlformats.org/officeDocument/2006/docPropsVTypes" xmlns:ns1="http://schemas.openxmlformats.org/officeDocument/2006/extended-properties" xmlns:cs="http://schemas.microsoft.com/office/drawing/2012/chartStyle" xmlns:c="http://schemas.openxmlformats.org/drawingml/2006/chart" xmlns="" id="{84A414F4-499C-4BC7-96E3-72B7AC239AF1}"/>
+                  <a16:creationId xmlns="" xmlns:c="http://schemas.openxmlformats.org/drawingml/2006/chart" xmlns:cs="http://schemas.microsoft.com/office/drawing/2012/chartStyle" xmlns:ns1="http://schemas.openxmlformats.org/officeDocument/2006/extended-properties" xmlns:vt="http://schemas.openxmlformats.org/officeDocument/2006/docPropsVTypes" xmlns:a16="http://schemas.microsoft.com/office/drawing/2010/main" id="{84A414F4-499C-4BC7-96E3-72B7AC239AF1}"/>
                 </a:ext>
               </a:extLst>
             </p:cNvPr>
@@ -692,7 +692,7 @@
             <a:lstStyle/>
             <a:p>
               <a:pPr algn="ctr"/>
-              <a:endParaRPr lang="en-US" dirty="0"/>
+              <a:endParaRPr lang="en-US" sz="1013" dirty="0"/>
             </a:p>
           </p:txBody>
         </p:sp>
@@ -701,7 +701,7 @@
             <p:cNvPr id="6" name="Rectangle 5">
               <a:extLst>
                 <a:ext uri="{108FB50C-49C5-4D13-AE94-163A04F65BAB}">
-                  <a16:creationId xmlns:a16="http://schemas.microsoft.com/office/drawing/2010/main" xmlns:vt="http://schemas.openxmlformats.org/officeDocument/2006/docPropsVTypes" xmlns:ns1="http://schemas.openxmlformats.org/officeDocument/2006/extended-properties" xmlns:cs="http://schemas.microsoft.com/office/drawing/2012/chartStyle" xmlns:c="http://schemas.openxmlformats.org/drawingml/2006/chart" xmlns="" id="{5459F422-0650-49A3-B9A4-05CEE4A9E7BA}"/>
+                  <a16:creationId xmlns="" xmlns:c="http://schemas.openxmlformats.org/drawingml/2006/chart" xmlns:cs="http://schemas.microsoft.com/office/drawing/2012/chartStyle" xmlns:ns1="http://schemas.openxmlformats.org/officeDocument/2006/extended-properties" xmlns:vt="http://schemas.openxmlformats.org/officeDocument/2006/docPropsVTypes" xmlns:a16="http://schemas.microsoft.com/office/drawing/2010/main" id="{5459F422-0650-49A3-B9A4-05CEE4A9E7BA}"/>
                 </a:ext>
               </a:extLst>
             </p:cNvPr>
@@ -749,7 +749,7 @@
             <a:lstStyle/>
             <a:p>
               <a:pPr algn="ctr"/>
-              <a:endParaRPr lang="en-US" dirty="0"/>
+              <a:endParaRPr lang="en-US" sz="1013" dirty="0"/>
             </a:p>
           </p:txBody>
         </p:sp>
@@ -759,7 +759,7 @@
           <p:cNvPr id="7" name="Title Placeholder 1">
             <a:extLst>
               <a:ext uri="{89E2D098-8258-4EA5-B72A-B4933EE41EB6}">
-                <a16:creationId xmlns:a16="http://schemas.microsoft.com/office/drawing/2010/main" xmlns:vt="http://schemas.openxmlformats.org/officeDocument/2006/docPropsVTypes" xmlns:ns1="http://schemas.openxmlformats.org/officeDocument/2006/extended-properties" xmlns:cs="http://schemas.microsoft.com/office/drawing/2012/chartStyle" xmlns:c="http://schemas.openxmlformats.org/drawingml/2006/chart" xmlns="" id="{E41AEFA6-A946-4A5A-9E50-67582EBED21E}"/>
+                <a16:creationId xmlns="" xmlns:c="http://schemas.openxmlformats.org/drawingml/2006/chart" xmlns:cs="http://schemas.microsoft.com/office/drawing/2012/chartStyle" xmlns:ns1="http://schemas.openxmlformats.org/officeDocument/2006/extended-properties" xmlns:vt="http://schemas.openxmlformats.org/officeDocument/2006/docPropsVTypes" xmlns:a16="http://schemas.microsoft.com/office/drawing/2010/main" id="{E41AEFA6-A946-4A5A-9E50-67582EBED21E}"/>
               </a:ext>
             </a:extLst>
           </p:cNvPr>
@@ -772,8 +772,8 @@
         </p:nvSpPr>
         <p:spPr>
           <a:xfrm>
-            <a:off x="2524125" y="2252529"/>
-            <a:ext cx="5604928" cy="1262195"/>
+            <a:off x="1419820" y="4004497"/>
+            <a:ext cx="3152772" cy="2243902"/>
           </a:xfrm>
           <a:prstGeom prst="rect">
             <a:avLst/>
@@ -783,7 +783,7 @@
           <a:bodyPr vert="horz" rtlCol="0" anchor="t"/>
           <a:lstStyle>
             <a:lvl1pPr lvl="0">
-              <a:defRPr lang="en-US" sz="4000" dirty="0">
+              <a:defRPr lang="en-US" sz="2250" dirty="0">
                 <a:solidFill>
                   <a:srgbClr val="FFFFFF"/>
                 </a:solidFill>
@@ -803,7 +803,7 @@
           <p:cNvPr id="8" name="Subtitle 2">
             <a:extLst>
               <a:ext uri="{040BA009-E068-4950-9652-EBD4F8F124B1}">
-                <a16:creationId xmlns:a16="http://schemas.microsoft.com/office/drawing/2010/main" xmlns:vt="http://schemas.openxmlformats.org/officeDocument/2006/docPropsVTypes" xmlns:ns1="http://schemas.openxmlformats.org/officeDocument/2006/extended-properties" xmlns:cs="http://schemas.microsoft.com/office/drawing/2012/chartStyle" xmlns:c="http://schemas.openxmlformats.org/drawingml/2006/chart" xmlns="" id="{DB68A5FA-066B-4C98-86E8-039F6377EACB}"/>
+                <a16:creationId xmlns="" xmlns:c="http://schemas.openxmlformats.org/drawingml/2006/chart" xmlns:cs="http://schemas.microsoft.com/office/drawing/2012/chartStyle" xmlns:ns1="http://schemas.openxmlformats.org/officeDocument/2006/extended-properties" xmlns:vt="http://schemas.openxmlformats.org/officeDocument/2006/docPropsVTypes" xmlns:a16="http://schemas.microsoft.com/office/drawing/2010/main" id="{DB68A5FA-066B-4C98-86E8-039F6377EACB}"/>
               </a:ext>
             </a:extLst>
           </p:cNvPr>
@@ -816,8 +816,8 @@
         </p:nvSpPr>
         <p:spPr>
           <a:xfrm>
-            <a:off x="2527324" y="3514725"/>
-            <a:ext cx="5598285" cy="476250"/>
+            <a:off x="1421620" y="6248400"/>
+            <a:ext cx="3149035" cy="846667"/>
           </a:xfrm>
           <a:prstGeom prst="rect">
             <a:avLst/>
@@ -836,14 +836,14 @@
                 <a:spcPts val="0"/>
               </a:spcBef>
               <a:buNone/>
-              <a:defRPr lang="en-US" sz="1600" b="0" i="0" baseline="0" dirty="0">
+              <a:defRPr lang="en-US" sz="900" b="0" i="0" baseline="0" dirty="0">
                 <a:solidFill>
                   <a:schemeClr val="bg2"/>
                 </a:solidFill>
                 <a:latin typeface="+mn-lt"/>
               </a:defRPr>
             </a:lvl1pPr>
-            <a:lvl2pPr marL="457200" lvl="1" indent="0" algn="ctr">
+            <a:lvl2pPr marL="257175" lvl="1" indent="0" algn="ctr">
               <a:buNone/>
               <a:defRPr lang="en-US" dirty="0">
                 <a:solidFill>
@@ -854,7 +854,7 @@
                 <a:latin typeface="+mn-lt"/>
               </a:defRPr>
             </a:lvl2pPr>
-            <a:lvl3pPr marL="914400" lvl="2" indent="0" algn="ctr">
+            <a:lvl3pPr marL="514350" lvl="2" indent="0" algn="ctr">
               <a:buNone/>
               <a:defRPr lang="en-US" dirty="0">
                 <a:solidFill>
@@ -865,7 +865,7 @@
                 <a:latin typeface="+mn-lt"/>
               </a:defRPr>
             </a:lvl3pPr>
-            <a:lvl4pPr marL="1371600" lvl="3" indent="0" algn="ctr">
+            <a:lvl4pPr marL="771525" lvl="3" indent="0" algn="ctr">
               <a:buNone/>
               <a:defRPr lang="en-US" dirty="0">
                 <a:solidFill>
@@ -876,7 +876,7 @@
                 <a:latin typeface="+mn-lt"/>
               </a:defRPr>
             </a:lvl4pPr>
-            <a:lvl5pPr marL="1828800" lvl="4" indent="0" algn="ctr">
+            <a:lvl5pPr marL="1028700" lvl="4" indent="0" algn="ctr">
               <a:buNone/>
               <a:defRPr lang="en-US" dirty="0">
                 <a:solidFill>
@@ -887,7 +887,7 @@
                 <a:latin typeface="+mn-lt"/>
               </a:defRPr>
             </a:lvl5pPr>
-            <a:lvl6pPr marL="2286000" lvl="5" indent="0" algn="ctr">
+            <a:lvl6pPr marL="1285875" lvl="5" indent="0" algn="ctr">
               <a:buNone/>
               <a:defRPr lang="en-US" dirty="0">
                 <a:solidFill>
@@ -898,7 +898,7 @@
                 <a:latin typeface="+mn-lt"/>
               </a:defRPr>
             </a:lvl6pPr>
-            <a:lvl7pPr marL="2743200" lvl="6" indent="0" algn="ctr">
+            <a:lvl7pPr marL="1543050" lvl="6" indent="0" algn="ctr">
               <a:buNone/>
               <a:defRPr lang="en-US" dirty="0">
                 <a:solidFill>
@@ -909,7 +909,7 @@
                 <a:latin typeface="+mn-lt"/>
               </a:defRPr>
             </a:lvl7pPr>
-            <a:lvl8pPr marL="3200400" lvl="7" indent="0" algn="ctr">
+            <a:lvl8pPr marL="1800225" lvl="7" indent="0" algn="ctr">
               <a:buNone/>
               <a:defRPr lang="en-US" dirty="0">
                 <a:solidFill>
@@ -920,7 +920,7 @@
                 <a:latin typeface="+mn-lt"/>
               </a:defRPr>
             </a:lvl8pPr>
-            <a:lvl9pPr marL="3657600" lvl="8" indent="0" algn="ctr">
+            <a:lvl9pPr marL="2057400" lvl="8" indent="0" algn="ctr">
               <a:buNone/>
               <a:defRPr lang="en-US" dirty="0">
                 <a:solidFill>
@@ -945,7 +945,7 @@
           <p:cNvPr id="9" name="Date Placeholder 3">
             <a:extLst>
               <a:ext uri="{697A59BF-5291-4689-A568-9FFD764155A0}">
-                <a16:creationId xmlns:a16="http://schemas.microsoft.com/office/drawing/2010/main" xmlns:vt="http://schemas.openxmlformats.org/officeDocument/2006/docPropsVTypes" xmlns:ns1="http://schemas.openxmlformats.org/officeDocument/2006/extended-properties" xmlns:cs="http://schemas.microsoft.com/office/drawing/2012/chartStyle" xmlns:c="http://schemas.openxmlformats.org/drawingml/2006/chart" xmlns="" id="{6EE8FE5A-561B-471C-8FC6-1983C40C6597}"/>
+                <a16:creationId xmlns="" xmlns:c="http://schemas.openxmlformats.org/drawingml/2006/chart" xmlns:cs="http://schemas.microsoft.com/office/drawing/2012/chartStyle" xmlns:ns1="http://schemas.openxmlformats.org/officeDocument/2006/extended-properties" xmlns:vt="http://schemas.openxmlformats.org/officeDocument/2006/docPropsVTypes" xmlns:a16="http://schemas.microsoft.com/office/drawing/2010/main" id="{6EE8FE5A-561B-471C-8FC6-1983C40C6597}"/>
               </a:ext>
             </a:extLst>
           </p:cNvPr>
@@ -975,7 +975,7 @@
           <p:cNvPr id="10" name="Footer Placeholder 4">
             <a:extLst>
               <a:ext uri="{E8B5BC1A-6A97-43FC-A4DD-83B0777BD78E}">
-                <a16:creationId xmlns:a16="http://schemas.microsoft.com/office/drawing/2010/main" xmlns:vt="http://schemas.openxmlformats.org/officeDocument/2006/docPropsVTypes" xmlns:ns1="http://schemas.openxmlformats.org/officeDocument/2006/extended-properties" xmlns:cs="http://schemas.microsoft.com/office/drawing/2012/chartStyle" xmlns:c="http://schemas.openxmlformats.org/drawingml/2006/chart" xmlns="" id="{6D47C664-6AF9-4977-8782-F50BB9AC3442}"/>
+                <a16:creationId xmlns="" xmlns:c="http://schemas.openxmlformats.org/drawingml/2006/chart" xmlns:cs="http://schemas.microsoft.com/office/drawing/2012/chartStyle" xmlns:ns1="http://schemas.openxmlformats.org/officeDocument/2006/extended-properties" xmlns:vt="http://schemas.openxmlformats.org/officeDocument/2006/docPropsVTypes" xmlns:a16="http://schemas.microsoft.com/office/drawing/2010/main" id="{6D47C664-6AF9-4977-8782-F50BB9AC3442}"/>
               </a:ext>
             </a:extLst>
           </p:cNvPr>
@@ -1005,7 +1005,7 @@
           <p:cNvPr id="11" name="Slide Number Placeholder 5">
             <a:extLst>
               <a:ext uri="{452A5CE8-D6B7-4F92-AD70-4D82C9BE2F0C}">
-                <a16:creationId xmlns:a16="http://schemas.microsoft.com/office/drawing/2010/main" xmlns:vt="http://schemas.openxmlformats.org/officeDocument/2006/docPropsVTypes" xmlns:ns1="http://schemas.openxmlformats.org/officeDocument/2006/extended-properties" xmlns:cs="http://schemas.microsoft.com/office/drawing/2012/chartStyle" xmlns:c="http://schemas.openxmlformats.org/drawingml/2006/chart" xmlns="" id="{9A64334F-2FA2-445D-9F66-47A2EE106345}"/>
+                <a16:creationId xmlns="" xmlns:c="http://schemas.openxmlformats.org/drawingml/2006/chart" xmlns:cs="http://schemas.microsoft.com/office/drawing/2012/chartStyle" xmlns:ns1="http://schemas.openxmlformats.org/officeDocument/2006/extended-properties" xmlns:vt="http://schemas.openxmlformats.org/officeDocument/2006/docPropsVTypes" xmlns:a16="http://schemas.microsoft.com/office/drawing/2010/main" id="{9A64334F-2FA2-445D-9F66-47A2EE106345}"/>
               </a:ext>
             </a:extLst>
           </p:cNvPr>
@@ -1033,7 +1033,7 @@
     </p:spTree>
     <p:extLst>
       <p:ext uri="{0C56C02C-3AAA-43CD-BB45-AAD55AC66EBC}">
-        <p14:creationId xmlns:p14="http://schemas.microsoft.com/office/powerpoint/2010/main" xmlns:vt="http://schemas.openxmlformats.org/officeDocument/2006/docPropsVTypes" xmlns:ns1="http://schemas.openxmlformats.org/officeDocument/2006/extended-properties" xmlns:cs="http://schemas.microsoft.com/office/drawing/2012/chartStyle" xmlns:c="http://schemas.openxmlformats.org/drawingml/2006/chart" xmlns="" val="1648132718550"/>
+        <p14:creationId xmlns="" xmlns:c="http://schemas.openxmlformats.org/drawingml/2006/chart" xmlns:cs="http://schemas.microsoft.com/office/drawing/2012/chartStyle" xmlns:ns1="http://schemas.openxmlformats.org/officeDocument/2006/extended-properties" xmlns:vt="http://schemas.openxmlformats.org/officeDocument/2006/docPropsVTypes" xmlns:p14="http://schemas.microsoft.com/office/powerpoint/2010/main" val="1648132718550"/>
       </p:ext>
     </p:extLst>
   </p:cSld>
@@ -1065,7 +1065,7 @@
           <p:cNvPr id="2" name="Rectangle 1">
             <a:extLst>
               <a:ext uri="{A5B3E612-4724-40FD-B273-48502FDCFD3C}">
-                <a16:creationId xmlns:a16="http://schemas.microsoft.com/office/drawing/2010/main" xmlns:vt="http://schemas.openxmlformats.org/officeDocument/2006/docPropsVTypes" xmlns:ns1="http://schemas.openxmlformats.org/officeDocument/2006/extended-properties" xmlns:cs="http://schemas.microsoft.com/office/drawing/2012/chartStyle" xmlns:c="http://schemas.openxmlformats.org/drawingml/2006/chart" xmlns="" id="{1FA3EDC2-DAED-495D-964E-7ECF1CE107EF}"/>
+                <a16:creationId xmlns="" xmlns:c="http://schemas.openxmlformats.org/drawingml/2006/chart" xmlns:cs="http://schemas.microsoft.com/office/drawing/2012/chartStyle" xmlns:ns1="http://schemas.openxmlformats.org/officeDocument/2006/extended-properties" xmlns:vt="http://schemas.openxmlformats.org/officeDocument/2006/docPropsVTypes" xmlns:a16="http://schemas.microsoft.com/office/drawing/2010/main" id="{1FA3EDC2-DAED-495D-964E-7ECF1CE107EF}"/>
               </a:ext>
             </a:extLst>
           </p:cNvPr>
@@ -1074,8 +1074,8 @@
         </p:nvSpPr>
         <p:spPr>
           <a:xfrm>
-            <a:off x="0" y="-9525"/>
-            <a:ext cx="381000" cy="5162550"/>
+            <a:off x="0" y="-16934"/>
+            <a:ext cx="214313" cy="9177867"/>
           </a:xfrm>
           <a:prstGeom prst="rect">
             <a:avLst/>
@@ -1111,7 +1111,7 @@
           <a:lstStyle/>
           <a:p>
             <a:pPr algn="ctr"/>
-            <a:endParaRPr lang="en-US" dirty="0"/>
+            <a:endParaRPr lang="en-US" sz="1013" dirty="0"/>
           </a:p>
         </p:txBody>
       </p:sp>
@@ -1120,7 +1120,7 @@
           <p:cNvPr id="3" name="Rectangle 2">
             <a:extLst>
               <a:ext uri="{1E69A9BE-A85E-4AC1-9046-0A41FF24A1D7}">
-                <a16:creationId xmlns:a16="http://schemas.microsoft.com/office/drawing/2010/main" xmlns:vt="http://schemas.openxmlformats.org/officeDocument/2006/docPropsVTypes" xmlns:ns1="http://schemas.openxmlformats.org/officeDocument/2006/extended-properties" xmlns:cs="http://schemas.microsoft.com/office/drawing/2012/chartStyle" xmlns:c="http://schemas.openxmlformats.org/drawingml/2006/chart" xmlns="" id="{6F037CE0-1796-49ED-B0F3-719EC7E9AE69}"/>
+                <a16:creationId xmlns="" xmlns:c="http://schemas.openxmlformats.org/drawingml/2006/chart" xmlns:cs="http://schemas.microsoft.com/office/drawing/2012/chartStyle" xmlns:ns1="http://schemas.openxmlformats.org/officeDocument/2006/extended-properties" xmlns:vt="http://schemas.openxmlformats.org/officeDocument/2006/docPropsVTypes" xmlns:a16="http://schemas.microsoft.com/office/drawing/2010/main" id="{6F037CE0-1796-49ED-B0F3-719EC7E9AE69}"/>
               </a:ext>
             </a:extLst>
           </p:cNvPr>
@@ -1129,8 +1129,8 @@
         </p:nvSpPr>
         <p:spPr>
           <a:xfrm>
-            <a:off x="381000" y="1857375"/>
-            <a:ext cx="8763000" cy="1905000"/>
+            <a:off x="214312" y="3302000"/>
+            <a:ext cx="4929188" cy="3386667"/>
           </a:xfrm>
           <a:prstGeom prst="rect">
             <a:avLst/>
@@ -1166,7 +1166,7 @@
           <a:lstStyle/>
           <a:p>
             <a:pPr algn="ctr"/>
-            <a:endParaRPr lang="en-US" dirty="0"/>
+            <a:endParaRPr lang="en-US" sz="1013" dirty="0"/>
           </a:p>
         </p:txBody>
       </p:sp>
@@ -1175,7 +1175,7 @@
           <p:cNvPr id="4" name="Title Placeholder 1">
             <a:extLst>
               <a:ext uri="{D1708219-3B57-4145-8F8A-51DBA10DFD4D}">
-                <a16:creationId xmlns:a16="http://schemas.microsoft.com/office/drawing/2010/main" xmlns:vt="http://schemas.openxmlformats.org/officeDocument/2006/docPropsVTypes" xmlns:ns1="http://schemas.openxmlformats.org/officeDocument/2006/extended-properties" xmlns:cs="http://schemas.microsoft.com/office/drawing/2012/chartStyle" xmlns:c="http://schemas.openxmlformats.org/drawingml/2006/chart" xmlns="" id="{BBD4E553-F660-4AAE-B4C5-059FB914486C}"/>
+                <a16:creationId xmlns="" xmlns:c="http://schemas.openxmlformats.org/drawingml/2006/chart" xmlns:cs="http://schemas.microsoft.com/office/drawing/2012/chartStyle" xmlns:ns1="http://schemas.openxmlformats.org/officeDocument/2006/extended-properties" xmlns:vt="http://schemas.openxmlformats.org/officeDocument/2006/docPropsVTypes" xmlns:a16="http://schemas.microsoft.com/office/drawing/2010/main" id="{BBD4E553-F660-4AAE-B4C5-059FB914486C}"/>
               </a:ext>
             </a:extLst>
           </p:cNvPr>
@@ -1188,8 +1188,8 @@
         </p:nvSpPr>
         <p:spPr>
           <a:xfrm>
-            <a:off x="1238250" y="476250"/>
-            <a:ext cx="7143750" cy="570571"/>
+            <a:off x="696516" y="846668"/>
+            <a:ext cx="4018359" cy="1014348"/>
           </a:xfrm>
         </p:spPr>
         <p:txBody>
@@ -1208,7 +1208,7 @@
           <p:cNvPr id="5" name="Picture Placeholder 9">
             <a:extLst>
               <a:ext uri="{500E33B9-5FB5-483F-865A-282C6650B135}">
-                <a16:creationId xmlns:a16="http://schemas.microsoft.com/office/drawing/2010/main" xmlns:vt="http://schemas.openxmlformats.org/officeDocument/2006/docPropsVTypes" xmlns:ns1="http://schemas.openxmlformats.org/officeDocument/2006/extended-properties" xmlns:cs="http://schemas.microsoft.com/office/drawing/2012/chartStyle" xmlns:c="http://schemas.openxmlformats.org/drawingml/2006/chart" xmlns="" id="{2B3BA7B8-DBAD-4637-A2B1-009B08E62D4D}"/>
+                <a16:creationId xmlns="" xmlns:c="http://schemas.openxmlformats.org/drawingml/2006/chart" xmlns:cs="http://schemas.microsoft.com/office/drawing/2012/chartStyle" xmlns:ns1="http://schemas.openxmlformats.org/officeDocument/2006/extended-properties" xmlns:vt="http://schemas.openxmlformats.org/officeDocument/2006/docPropsVTypes" xmlns:a16="http://schemas.microsoft.com/office/drawing/2010/main" id="{2B3BA7B8-DBAD-4637-A2B1-009B08E62D4D}"/>
               </a:ext>
             </a:extLst>
           </p:cNvPr>
@@ -1221,8 +1221,8 @@
         </p:nvSpPr>
         <p:spPr>
           <a:xfrm>
-            <a:off x="857250" y="1952625"/>
-            <a:ext cx="2476500" cy="1714500"/>
+            <a:off x="482203" y="3471333"/>
+            <a:ext cx="1393031" cy="3048000"/>
           </a:xfrm>
           <a:prstGeom prst="rect">
             <a:avLst/>
@@ -1247,7 +1247,7 @@
           <p:cNvPr id="6" name="Content Placeholder 2">
             <a:extLst>
               <a:ext uri="{426E6EAA-7F8E-400F-9AC5-C57D0EC70F85}">
-                <a16:creationId xmlns:a16="http://schemas.microsoft.com/office/drawing/2010/main" xmlns:vt="http://schemas.openxmlformats.org/officeDocument/2006/docPropsVTypes" xmlns:ns1="http://schemas.openxmlformats.org/officeDocument/2006/extended-properties" xmlns:cs="http://schemas.microsoft.com/office/drawing/2012/chartStyle" xmlns:c="http://schemas.openxmlformats.org/drawingml/2006/chart" xmlns="" id="{183FE58C-D385-4A71-9C3A-9D6ECD8339F9}"/>
+                <a16:creationId xmlns="" xmlns:c="http://schemas.openxmlformats.org/drawingml/2006/chart" xmlns:cs="http://schemas.microsoft.com/office/drawing/2012/chartStyle" xmlns:ns1="http://schemas.openxmlformats.org/officeDocument/2006/extended-properties" xmlns:vt="http://schemas.openxmlformats.org/officeDocument/2006/docPropsVTypes" xmlns:a16="http://schemas.microsoft.com/office/drawing/2010/main" id="{183FE58C-D385-4A71-9C3A-9D6ECD8339F9}"/>
               </a:ext>
             </a:extLst>
           </p:cNvPr>
@@ -1260,8 +1260,8 @@
         </p:nvSpPr>
         <p:spPr>
           <a:xfrm>
-            <a:off x="857250" y="3852862"/>
-            <a:ext cx="2476500" cy="357187"/>
+            <a:off x="482203" y="6849533"/>
+            <a:ext cx="1393031" cy="634999"/>
           </a:xfrm>
           <a:prstGeom prst="rect">
             <a:avLst/>
@@ -1277,7 +1277,7 @@
                 <a:spcPct val="100000"/>
               </a:lnSpc>
               <a:buNone/>
-              <a:defRPr lang="en-US" sz="1200" dirty="0">
+              <a:defRPr lang="en-US" sz="675" dirty="0">
                 <a:solidFill>
                   <a:schemeClr val="tx2"/>
                 </a:solidFill>
@@ -1288,7 +1288,7 @@
               <a:lnSpc>
                 <a:spcPct val="129999"/>
               </a:lnSpc>
-              <a:defRPr lang="en-US" sz="1000" dirty="0">
+              <a:defRPr lang="en-US" sz="563" dirty="0">
                 <a:solidFill>
                   <a:schemeClr val="bg1">
                     <a:lumMod val="65000"/>
@@ -1299,9 +1299,9 @@
             </a:lvl2pPr>
             <a:lvl3pPr lvl="2">
               <a:lnSpc>
-                <a:spcPts val="1200"/>
+                <a:spcPts val="675"/>
               </a:lnSpc>
-              <a:defRPr lang="en-US" sz="1050" i="1" dirty="0">
+              <a:defRPr lang="en-US" sz="591" i="1" dirty="0">
                 <a:solidFill>
                   <a:schemeClr val="tx2">
                     <a:lumMod val="50000"/>
@@ -1313,9 +1313,9 @@
             </a:lvl3pPr>
             <a:lvl4pPr lvl="3">
               <a:lnSpc>
-                <a:spcPts val="1200"/>
+                <a:spcPts val="675"/>
               </a:lnSpc>
-              <a:defRPr lang="en-US" sz="1050" i="0" dirty="0">
+              <a:defRPr lang="en-US" sz="591" i="0" dirty="0">
                 <a:solidFill>
                   <a:schemeClr val="tx2">
                     <a:lumMod val="50000"/>
@@ -1327,11 +1327,11 @@
             </a:lvl4pPr>
             <a:lvl5pPr lvl="4">
               <a:lnSpc>
-                <a:spcPts val="1200"/>
+                <a:spcPts val="675"/>
               </a:lnSpc>
               <a:buFont typeface="Arial"/>
               <a:buChar char="»"/>
-              <a:defRPr lang="en-US" sz="1050" i="1" dirty="0">
+              <a:defRPr lang="en-US" sz="591" i="1" dirty="0">
                 <a:solidFill>
                   <a:schemeClr val="tx2">
                     <a:lumMod val="50000"/>
@@ -1356,7 +1356,7 @@
           <p:cNvPr id="7" name="Picture Placeholder 14">
             <a:extLst>
               <a:ext uri="{F82FCFC7-3EDA-4BA3-842F-CFE88258D0AC}">
-                <a16:creationId xmlns:a16="http://schemas.microsoft.com/office/drawing/2010/main" xmlns:vt="http://schemas.openxmlformats.org/officeDocument/2006/docPropsVTypes" xmlns:ns1="http://schemas.openxmlformats.org/officeDocument/2006/extended-properties" xmlns:cs="http://schemas.microsoft.com/office/drawing/2012/chartStyle" xmlns:c="http://schemas.openxmlformats.org/drawingml/2006/chart" xmlns="" id="{64533989-E7DF-4034-B72C-768A7A112F6B}"/>
+                <a16:creationId xmlns="" xmlns:c="http://schemas.openxmlformats.org/drawingml/2006/chart" xmlns:cs="http://schemas.microsoft.com/office/drawing/2012/chartStyle" xmlns:ns1="http://schemas.openxmlformats.org/officeDocument/2006/extended-properties" xmlns:vt="http://schemas.openxmlformats.org/officeDocument/2006/docPropsVTypes" xmlns:a16="http://schemas.microsoft.com/office/drawing/2010/main" id="{64533989-E7DF-4034-B72C-768A7A112F6B}"/>
               </a:ext>
             </a:extLst>
           </p:cNvPr>
@@ -1369,8 +1369,8 @@
         </p:nvSpPr>
         <p:spPr>
           <a:xfrm>
-            <a:off x="3571875" y="1952625"/>
-            <a:ext cx="2476500" cy="1714500"/>
+            <a:off x="2009180" y="3471333"/>
+            <a:ext cx="1393031" cy="3048000"/>
           </a:xfrm>
           <a:prstGeom prst="rect">
             <a:avLst/>
@@ -1395,7 +1395,7 @@
           <p:cNvPr id="8" name="Content Placeholder 2">
             <a:extLst>
               <a:ext uri="{6C5AA4CC-342B-49D4-937C-7429BD56593D}">
-                <a16:creationId xmlns:a16="http://schemas.microsoft.com/office/drawing/2010/main" xmlns:vt="http://schemas.openxmlformats.org/officeDocument/2006/docPropsVTypes" xmlns:ns1="http://schemas.openxmlformats.org/officeDocument/2006/extended-properties" xmlns:cs="http://schemas.microsoft.com/office/drawing/2012/chartStyle" xmlns:c="http://schemas.openxmlformats.org/drawingml/2006/chart" xmlns="" id="{8A1BE0C5-B7EB-4279-AF0C-26DCE9CDADD5}"/>
+                <a16:creationId xmlns="" xmlns:c="http://schemas.openxmlformats.org/drawingml/2006/chart" xmlns:cs="http://schemas.microsoft.com/office/drawing/2012/chartStyle" xmlns:ns1="http://schemas.openxmlformats.org/officeDocument/2006/extended-properties" xmlns:vt="http://schemas.openxmlformats.org/officeDocument/2006/docPropsVTypes" xmlns:a16="http://schemas.microsoft.com/office/drawing/2010/main" id="{8A1BE0C5-B7EB-4279-AF0C-26DCE9CDADD5}"/>
               </a:ext>
             </a:extLst>
           </p:cNvPr>
@@ -1408,8 +1408,8 @@
         </p:nvSpPr>
         <p:spPr>
           <a:xfrm>
-            <a:off x="3571875" y="3852862"/>
-            <a:ext cx="2476500" cy="357187"/>
+            <a:off x="2009180" y="6849533"/>
+            <a:ext cx="1393031" cy="634999"/>
           </a:xfrm>
           <a:prstGeom prst="rect">
             <a:avLst/>
@@ -1425,7 +1425,7 @@
                 <a:spcPct val="100000"/>
               </a:lnSpc>
               <a:buNone/>
-              <a:defRPr lang="en-US" sz="1200" dirty="0">
+              <a:defRPr lang="en-US" sz="675" dirty="0">
                 <a:solidFill>
                   <a:schemeClr val="tx2"/>
                 </a:solidFill>
@@ -1436,7 +1436,7 @@
               <a:lnSpc>
                 <a:spcPct val="129999"/>
               </a:lnSpc>
-              <a:defRPr lang="en-US" sz="1000" dirty="0">
+              <a:defRPr lang="en-US" sz="563" dirty="0">
                 <a:solidFill>
                   <a:schemeClr val="bg1">
                     <a:lumMod val="65000"/>
@@ -1447,9 +1447,9 @@
             </a:lvl2pPr>
             <a:lvl3pPr lvl="2">
               <a:lnSpc>
-                <a:spcPts val="1200"/>
+                <a:spcPts val="675"/>
               </a:lnSpc>
-              <a:defRPr lang="en-US" sz="1050" i="1" dirty="0">
+              <a:defRPr lang="en-US" sz="591" i="1" dirty="0">
                 <a:solidFill>
                   <a:schemeClr val="tx2">
                     <a:lumMod val="50000"/>
@@ -1461,9 +1461,9 @@
             </a:lvl3pPr>
             <a:lvl4pPr lvl="3">
               <a:lnSpc>
-                <a:spcPts val="1200"/>
+                <a:spcPts val="675"/>
               </a:lnSpc>
-              <a:defRPr lang="en-US" sz="1050" i="0" dirty="0">
+              <a:defRPr lang="en-US" sz="591" i="0" dirty="0">
                 <a:solidFill>
                   <a:schemeClr val="tx2">
                     <a:lumMod val="50000"/>
@@ -1475,11 +1475,11 @@
             </a:lvl4pPr>
             <a:lvl5pPr lvl="4">
               <a:lnSpc>
-                <a:spcPts val="1200"/>
+                <a:spcPts val="675"/>
               </a:lnSpc>
               <a:buFont typeface="Arial"/>
               <a:buChar char="»"/>
-              <a:defRPr lang="en-US" sz="1050" i="1" dirty="0">
+              <a:defRPr lang="en-US" sz="591" i="1" dirty="0">
                 <a:solidFill>
                   <a:schemeClr val="tx2">
                     <a:lumMod val="50000"/>
@@ -1504,7 +1504,7 @@
           <p:cNvPr id="9" name="Picture Placeholder 16">
             <a:extLst>
               <a:ext uri="{E45A0C32-B1FC-4A7C-B89E-F5A6FA4CCEEE}">
-                <a16:creationId xmlns:a16="http://schemas.microsoft.com/office/drawing/2010/main" xmlns:vt="http://schemas.openxmlformats.org/officeDocument/2006/docPropsVTypes" xmlns:ns1="http://schemas.openxmlformats.org/officeDocument/2006/extended-properties" xmlns:cs="http://schemas.microsoft.com/office/drawing/2012/chartStyle" xmlns:c="http://schemas.openxmlformats.org/drawingml/2006/chart" xmlns="" id="{286DE07D-04A2-4C0E-9CF8-B4EA38E929E3}"/>
+                <a16:creationId xmlns="" xmlns:c="http://schemas.openxmlformats.org/drawingml/2006/chart" xmlns:cs="http://schemas.microsoft.com/office/drawing/2012/chartStyle" xmlns:ns1="http://schemas.openxmlformats.org/officeDocument/2006/extended-properties" xmlns:vt="http://schemas.openxmlformats.org/officeDocument/2006/docPropsVTypes" xmlns:a16="http://schemas.microsoft.com/office/drawing/2010/main" id="{286DE07D-04A2-4C0E-9CF8-B4EA38E929E3}"/>
               </a:ext>
             </a:extLst>
           </p:cNvPr>
@@ -1517,8 +1517,8 @@
         </p:nvSpPr>
         <p:spPr>
           <a:xfrm>
-            <a:off x="6286500" y="1952625"/>
-            <a:ext cx="2476500" cy="1714500"/>
+            <a:off x="3536156" y="3471333"/>
+            <a:ext cx="1393031" cy="3048000"/>
           </a:xfrm>
           <a:prstGeom prst="rect">
             <a:avLst/>
@@ -1543,7 +1543,7 @@
           <p:cNvPr id="10" name="Content Placeholder 2">
             <a:extLst>
               <a:ext uri="{1CC6D519-DABB-49FC-9481-BB902931DADC}">
-                <a16:creationId xmlns:a16="http://schemas.microsoft.com/office/drawing/2010/main" xmlns:vt="http://schemas.openxmlformats.org/officeDocument/2006/docPropsVTypes" xmlns:ns1="http://schemas.openxmlformats.org/officeDocument/2006/extended-properties" xmlns:cs="http://schemas.microsoft.com/office/drawing/2012/chartStyle" xmlns:c="http://schemas.openxmlformats.org/drawingml/2006/chart" xmlns="" id="{64C74A5D-C9DE-453B-846D-59CFB560C622}"/>
+                <a16:creationId xmlns="" xmlns:c="http://schemas.openxmlformats.org/drawingml/2006/chart" xmlns:cs="http://schemas.microsoft.com/office/drawing/2012/chartStyle" xmlns:ns1="http://schemas.openxmlformats.org/officeDocument/2006/extended-properties" xmlns:vt="http://schemas.openxmlformats.org/officeDocument/2006/docPropsVTypes" xmlns:a16="http://schemas.microsoft.com/office/drawing/2010/main" id="{64C74A5D-C9DE-453B-846D-59CFB560C622}"/>
               </a:ext>
             </a:extLst>
           </p:cNvPr>
@@ -1556,8 +1556,8 @@
         </p:nvSpPr>
         <p:spPr>
           <a:xfrm>
-            <a:off x="6286500" y="3852862"/>
-            <a:ext cx="2476500" cy="357187"/>
+            <a:off x="3536156" y="6849533"/>
+            <a:ext cx="1393031" cy="634999"/>
           </a:xfrm>
           <a:prstGeom prst="rect">
             <a:avLst/>
@@ -1573,7 +1573,7 @@
                 <a:spcPct val="100000"/>
               </a:lnSpc>
               <a:buNone/>
-              <a:defRPr lang="en-US" sz="1200" dirty="0">
+              <a:defRPr lang="en-US" sz="675" dirty="0">
                 <a:solidFill>
                   <a:schemeClr val="tx2"/>
                 </a:solidFill>
@@ -1584,7 +1584,7 @@
               <a:lnSpc>
                 <a:spcPct val="129999"/>
               </a:lnSpc>
-              <a:defRPr lang="en-US" sz="1000" dirty="0">
+              <a:defRPr lang="en-US" sz="563" dirty="0">
                 <a:solidFill>
                   <a:schemeClr val="bg1">
                     <a:lumMod val="65000"/>
@@ -1595,9 +1595,9 @@
             </a:lvl2pPr>
             <a:lvl3pPr lvl="2">
               <a:lnSpc>
-                <a:spcPts val="1200"/>
+                <a:spcPts val="675"/>
               </a:lnSpc>
-              <a:defRPr lang="en-US" sz="1050" i="1" dirty="0">
+              <a:defRPr lang="en-US" sz="591" i="1" dirty="0">
                 <a:solidFill>
                   <a:schemeClr val="tx2">
                     <a:lumMod val="50000"/>
@@ -1609,9 +1609,9 @@
             </a:lvl3pPr>
             <a:lvl4pPr lvl="3">
               <a:lnSpc>
-                <a:spcPts val="1200"/>
+                <a:spcPts val="675"/>
               </a:lnSpc>
-              <a:defRPr lang="en-US" sz="1050" i="0" dirty="0">
+              <a:defRPr lang="en-US" sz="591" i="0" dirty="0">
                 <a:solidFill>
                   <a:schemeClr val="tx2">
                     <a:lumMod val="50000"/>
@@ -1623,11 +1623,11 @@
             </a:lvl4pPr>
             <a:lvl5pPr lvl="4">
               <a:lnSpc>
-                <a:spcPts val="1200"/>
+                <a:spcPts val="675"/>
               </a:lnSpc>
               <a:buFont typeface="Arial"/>
               <a:buChar char="»"/>
-              <a:defRPr lang="en-US" sz="1050" i="1" dirty="0">
+              <a:defRPr lang="en-US" sz="591" i="1" dirty="0">
                 <a:solidFill>
                   <a:schemeClr val="tx2">
                     <a:lumMod val="50000"/>
@@ -1652,7 +1652,7 @@
           <p:cNvPr id="11" name="Date Placeholder 1">
             <a:extLst>
               <a:ext uri="{89F1ADD1-B1CF-42BC-AE25-BE5EDA7E2097}">
-                <a16:creationId xmlns:a16="http://schemas.microsoft.com/office/drawing/2010/main" xmlns:vt="http://schemas.openxmlformats.org/officeDocument/2006/docPropsVTypes" xmlns:ns1="http://schemas.openxmlformats.org/officeDocument/2006/extended-properties" xmlns:cs="http://schemas.microsoft.com/office/drawing/2012/chartStyle" xmlns:c="http://schemas.openxmlformats.org/drawingml/2006/chart" xmlns="" id="{C8C5F5C6-1B6B-4261-BE04-1474AD20C420}"/>
+                <a16:creationId xmlns="" xmlns:c="http://schemas.openxmlformats.org/drawingml/2006/chart" xmlns:cs="http://schemas.microsoft.com/office/drawing/2012/chartStyle" xmlns:ns1="http://schemas.openxmlformats.org/officeDocument/2006/extended-properties" xmlns:vt="http://schemas.openxmlformats.org/officeDocument/2006/docPropsVTypes" xmlns:a16="http://schemas.microsoft.com/office/drawing/2010/main" id="{C8C5F5C6-1B6B-4261-BE04-1474AD20C420}"/>
               </a:ext>
             </a:extLst>
           </p:cNvPr>
@@ -1682,7 +1682,7 @@
           <p:cNvPr id="12" name="Footer Placeholder 3">
             <a:extLst>
               <a:ext uri="{332A9F3D-A90F-4B28-8747-C4E8CD34979D}">
-                <a16:creationId xmlns:a16="http://schemas.microsoft.com/office/drawing/2010/main" xmlns:vt="http://schemas.openxmlformats.org/officeDocument/2006/docPropsVTypes" xmlns:ns1="http://schemas.openxmlformats.org/officeDocument/2006/extended-properties" xmlns:cs="http://schemas.microsoft.com/office/drawing/2012/chartStyle" xmlns:c="http://schemas.openxmlformats.org/drawingml/2006/chart" xmlns="" id="{30FF1E73-75A8-4983-A270-ADB4806C73AC}"/>
+                <a16:creationId xmlns="" xmlns:c="http://schemas.openxmlformats.org/drawingml/2006/chart" xmlns:cs="http://schemas.microsoft.com/office/drawing/2012/chartStyle" xmlns:ns1="http://schemas.openxmlformats.org/officeDocument/2006/extended-properties" xmlns:vt="http://schemas.openxmlformats.org/officeDocument/2006/docPropsVTypes" xmlns:a16="http://schemas.microsoft.com/office/drawing/2010/main" id="{30FF1E73-75A8-4983-A270-ADB4806C73AC}"/>
               </a:ext>
             </a:extLst>
           </p:cNvPr>
@@ -1712,7 +1712,7 @@
           <p:cNvPr id="13" name="Slide Number Placeholder 4">
             <a:extLst>
               <a:ext uri="{E2488CA8-12B2-4DA2-9CBE-EF0BA1E13A88}">
-                <a16:creationId xmlns:a16="http://schemas.microsoft.com/office/drawing/2010/main" xmlns:vt="http://schemas.openxmlformats.org/officeDocument/2006/docPropsVTypes" xmlns:ns1="http://schemas.openxmlformats.org/officeDocument/2006/extended-properties" xmlns:cs="http://schemas.microsoft.com/office/drawing/2012/chartStyle" xmlns:c="http://schemas.openxmlformats.org/drawingml/2006/chart" xmlns="" id="{8A2DF117-1223-4A32-ABFC-12F01CE1D80A}"/>
+                <a16:creationId xmlns="" xmlns:c="http://schemas.openxmlformats.org/drawingml/2006/chart" xmlns:cs="http://schemas.microsoft.com/office/drawing/2012/chartStyle" xmlns:ns1="http://schemas.openxmlformats.org/officeDocument/2006/extended-properties" xmlns:vt="http://schemas.openxmlformats.org/officeDocument/2006/docPropsVTypes" xmlns:a16="http://schemas.microsoft.com/office/drawing/2010/main" id="{8A2DF117-1223-4A32-ABFC-12F01CE1D80A}"/>
               </a:ext>
             </a:extLst>
           </p:cNvPr>
@@ -1743,7 +1743,7 @@
     </p:custDataLst>
     <p:extLst>
       <p:ext uri="{84CB933C-C6AE-421B-A1E8-5417DC219AE7}">
-        <p14:creationId xmlns:p14="http://schemas.microsoft.com/office/powerpoint/2010/main" xmlns:vt="http://schemas.openxmlformats.org/officeDocument/2006/docPropsVTypes" xmlns:ns1="http://schemas.openxmlformats.org/officeDocument/2006/extended-properties" xmlns:cs="http://schemas.microsoft.com/office/drawing/2012/chartStyle" xmlns:c="http://schemas.openxmlformats.org/drawingml/2006/chart" xmlns="" val="1648132718578"/>
+        <p14:creationId xmlns="" xmlns:c="http://schemas.openxmlformats.org/drawingml/2006/chart" xmlns:cs="http://schemas.microsoft.com/office/drawing/2012/chartStyle" xmlns:ns1="http://schemas.openxmlformats.org/officeDocument/2006/extended-properties" xmlns:vt="http://schemas.openxmlformats.org/officeDocument/2006/docPropsVTypes" xmlns:p14="http://schemas.microsoft.com/office/powerpoint/2010/main" val="1648132718578"/>
       </p:ext>
     </p:extLst>
   </p:cSld>
@@ -1775,7 +1775,7 @@
           <p:cNvPr id="2" name="Rectangle 1">
             <a:extLst>
               <a:ext uri="{6EE8EB80-4223-4DB3-B269-A7B9DAF562FB}">
-                <a16:creationId xmlns:a16="http://schemas.microsoft.com/office/drawing/2010/main" xmlns:vt="http://schemas.openxmlformats.org/officeDocument/2006/docPropsVTypes" xmlns:ns1="http://schemas.openxmlformats.org/officeDocument/2006/extended-properties" xmlns:cs="http://schemas.microsoft.com/office/drawing/2012/chartStyle" xmlns:c="http://schemas.openxmlformats.org/drawingml/2006/chart" xmlns="" id="{7B95E579-FC6E-4006-8707-2CF947405B31}"/>
+                <a16:creationId xmlns="" xmlns:c="http://schemas.openxmlformats.org/drawingml/2006/chart" xmlns:cs="http://schemas.microsoft.com/office/drawing/2012/chartStyle" xmlns:ns1="http://schemas.openxmlformats.org/officeDocument/2006/extended-properties" xmlns:vt="http://schemas.openxmlformats.org/officeDocument/2006/docPropsVTypes" xmlns:a16="http://schemas.microsoft.com/office/drawing/2010/main" id="{7B95E579-FC6E-4006-8707-2CF947405B31}"/>
               </a:ext>
             </a:extLst>
           </p:cNvPr>
@@ -1784,8 +1784,8 @@
         </p:nvSpPr>
         <p:spPr>
           <a:xfrm>
-            <a:off x="6429374" y="952500"/>
-            <a:ext cx="95250" cy="4191000"/>
+            <a:off x="3616523" y="1693333"/>
+            <a:ext cx="53578" cy="7450667"/>
           </a:xfrm>
           <a:prstGeom prst="rect">
             <a:avLst/>
@@ -1821,7 +1821,7 @@
           <a:lstStyle/>
           <a:p>
             <a:pPr algn="ctr"/>
-            <a:endParaRPr lang="en-US" dirty="0"/>
+            <a:endParaRPr lang="en-US" sz="1013" dirty="0"/>
           </a:p>
         </p:txBody>
       </p:sp>
@@ -1830,7 +1830,7 @@
           <p:cNvPr id="3" name="Rectangle 2">
             <a:extLst>
               <a:ext uri="{0CD1D199-5F2F-4365-A5DA-2DCE44443FC6}">
-                <a16:creationId xmlns:a16="http://schemas.microsoft.com/office/drawing/2010/main" xmlns:vt="http://schemas.openxmlformats.org/officeDocument/2006/docPropsVTypes" xmlns:ns1="http://schemas.openxmlformats.org/officeDocument/2006/extended-properties" xmlns:cs="http://schemas.microsoft.com/office/drawing/2012/chartStyle" xmlns:c="http://schemas.openxmlformats.org/drawingml/2006/chart" xmlns="" id="{54F26A2F-D06E-4F22-B156-BAB11B03C3BC}"/>
+                <a16:creationId xmlns="" xmlns:c="http://schemas.openxmlformats.org/drawingml/2006/chart" xmlns:cs="http://schemas.microsoft.com/office/drawing/2012/chartStyle" xmlns:ns1="http://schemas.openxmlformats.org/officeDocument/2006/extended-properties" xmlns:vt="http://schemas.openxmlformats.org/officeDocument/2006/docPropsVTypes" xmlns:a16="http://schemas.microsoft.com/office/drawing/2010/main" id="{54F26A2F-D06E-4F22-B156-BAB11B03C3BC}"/>
               </a:ext>
             </a:extLst>
           </p:cNvPr>
@@ -1839,8 +1839,8 @@
         </p:nvSpPr>
         <p:spPr>
           <a:xfrm>
-            <a:off x="6524625" y="952500"/>
-            <a:ext cx="2619375" cy="95250"/>
+            <a:off x="3670102" y="1693334"/>
+            <a:ext cx="1473398" cy="169333"/>
           </a:xfrm>
           <a:prstGeom prst="rect">
             <a:avLst/>
@@ -1876,7 +1876,7 @@
           <a:lstStyle/>
           <a:p>
             <a:pPr algn="ctr"/>
-            <a:endParaRPr lang="en-US" dirty="0"/>
+            <a:endParaRPr lang="en-US" sz="1013" dirty="0"/>
           </a:p>
         </p:txBody>
       </p:sp>
@@ -1885,7 +1885,7 @@
           <p:cNvPr id="4" name="Rectangle 3">
             <a:extLst>
               <a:ext uri="{68B7731C-9989-493A-B257-CED47B47F281}">
-                <a16:creationId xmlns:a16="http://schemas.microsoft.com/office/drawing/2010/main" xmlns:vt="http://schemas.openxmlformats.org/officeDocument/2006/docPropsVTypes" xmlns:ns1="http://schemas.openxmlformats.org/officeDocument/2006/extended-properties" xmlns:cs="http://schemas.microsoft.com/office/drawing/2012/chartStyle" xmlns:c="http://schemas.openxmlformats.org/drawingml/2006/chart" xmlns="" id="{AD9D929F-D533-476E-ADD2-480F93F7BAC9}"/>
+                <a16:creationId xmlns="" xmlns:c="http://schemas.openxmlformats.org/drawingml/2006/chart" xmlns:cs="http://schemas.microsoft.com/office/drawing/2012/chartStyle" xmlns:ns1="http://schemas.openxmlformats.org/officeDocument/2006/extended-properties" xmlns:vt="http://schemas.openxmlformats.org/officeDocument/2006/docPropsVTypes" xmlns:a16="http://schemas.microsoft.com/office/drawing/2010/main" id="{AD9D929F-D533-476E-ADD2-480F93F7BAC9}"/>
               </a:ext>
             </a:extLst>
           </p:cNvPr>
@@ -1894,8 +1894,8 @@
         </p:nvSpPr>
         <p:spPr>
           <a:xfrm flipV="1">
-            <a:off x="0" y="-9525"/>
-            <a:ext cx="381000" cy="5162550"/>
+            <a:off x="0" y="-16934"/>
+            <a:ext cx="214313" cy="9177867"/>
           </a:xfrm>
           <a:prstGeom prst="rect">
             <a:avLst/>
@@ -1931,7 +1931,7 @@
           <a:lstStyle/>
           <a:p>
             <a:pPr algn="ctr"/>
-            <a:endParaRPr lang="en-US" dirty="0"/>
+            <a:endParaRPr lang="en-US" sz="1013" dirty="0"/>
           </a:p>
         </p:txBody>
       </p:sp>
@@ -1940,7 +1940,7 @@
           <p:cNvPr id="5" name="Title Placeholder 1">
             <a:extLst>
               <a:ext uri="{82463C52-8B3B-4A0F-B634-0967641515D9}">
-                <a16:creationId xmlns:a16="http://schemas.microsoft.com/office/drawing/2010/main" xmlns:vt="http://schemas.openxmlformats.org/officeDocument/2006/docPropsVTypes" xmlns:ns1="http://schemas.openxmlformats.org/officeDocument/2006/extended-properties" xmlns:cs="http://schemas.microsoft.com/office/drawing/2012/chartStyle" xmlns:c="http://schemas.openxmlformats.org/drawingml/2006/chart" xmlns="" id="{BF910526-DB5F-4A06-A9C5-CA0A115611AC}"/>
+                <a16:creationId xmlns="" xmlns:c="http://schemas.openxmlformats.org/drawingml/2006/chart" xmlns:cs="http://schemas.microsoft.com/office/drawing/2012/chartStyle" xmlns:ns1="http://schemas.openxmlformats.org/officeDocument/2006/extended-properties" xmlns:vt="http://schemas.openxmlformats.org/officeDocument/2006/docPropsVTypes" xmlns:a16="http://schemas.microsoft.com/office/drawing/2010/main" id="{BF910526-DB5F-4A06-A9C5-CA0A115611AC}"/>
               </a:ext>
             </a:extLst>
           </p:cNvPr>
@@ -1968,7 +1968,7 @@
           <p:cNvPr id="6" name="Picture Placeholder 6">
             <a:extLst>
               <a:ext uri="{07B0ED4F-652D-4BFA-A5C4-6B9AD8F52FCF}">
-                <a16:creationId xmlns:a16="http://schemas.microsoft.com/office/drawing/2010/main" xmlns:vt="http://schemas.openxmlformats.org/officeDocument/2006/docPropsVTypes" xmlns:ns1="http://schemas.openxmlformats.org/officeDocument/2006/extended-properties" xmlns:cs="http://schemas.microsoft.com/office/drawing/2012/chartStyle" xmlns:c="http://schemas.openxmlformats.org/drawingml/2006/chart" xmlns="" id="{99A05630-BCC8-449B-9DFA-0EFC5ABE9EF5}"/>
+                <a16:creationId xmlns="" xmlns:c="http://schemas.openxmlformats.org/drawingml/2006/chart" xmlns:cs="http://schemas.microsoft.com/office/drawing/2012/chartStyle" xmlns:ns1="http://schemas.openxmlformats.org/officeDocument/2006/extended-properties" xmlns:vt="http://schemas.openxmlformats.org/officeDocument/2006/docPropsVTypes" xmlns:a16="http://schemas.microsoft.com/office/drawing/2010/main" id="{99A05630-BCC8-449B-9DFA-0EFC5ABE9EF5}"/>
               </a:ext>
             </a:extLst>
           </p:cNvPr>
@@ -1981,8 +1981,8 @@
         </p:nvSpPr>
         <p:spPr>
           <a:xfrm>
-            <a:off x="1362075" y="1524000"/>
-            <a:ext cx="3333750" cy="1428750"/>
+            <a:off x="766167" y="2709333"/>
+            <a:ext cx="1875234" cy="2540000"/>
           </a:xfrm>
           <a:prstGeom prst="rect">
             <a:avLst/>
@@ -2007,7 +2007,7 @@
           <p:cNvPr id="7" name="Picture Placeholder 8">
             <a:extLst>
               <a:ext uri="{2F7512E9-568D-47F5-843C-7B8EBEA4FFB7}">
-                <a16:creationId xmlns:a16="http://schemas.microsoft.com/office/drawing/2010/main" xmlns:vt="http://schemas.openxmlformats.org/officeDocument/2006/docPropsVTypes" xmlns:ns1="http://schemas.openxmlformats.org/officeDocument/2006/extended-properties" xmlns:cs="http://schemas.microsoft.com/office/drawing/2012/chartStyle" xmlns:c="http://schemas.openxmlformats.org/drawingml/2006/chart" xmlns="" id="{1101E0E8-844A-4062-A72E-8D418D836B7B}"/>
+                <a16:creationId xmlns="" xmlns:c="http://schemas.openxmlformats.org/drawingml/2006/chart" xmlns:cs="http://schemas.microsoft.com/office/drawing/2012/chartStyle" xmlns:ns1="http://schemas.openxmlformats.org/officeDocument/2006/extended-properties" xmlns:vt="http://schemas.openxmlformats.org/officeDocument/2006/docPropsVTypes" xmlns:a16="http://schemas.microsoft.com/office/drawing/2010/main" id="{1101E0E8-844A-4062-A72E-8D418D836B7B}"/>
               </a:ext>
             </a:extLst>
           </p:cNvPr>
@@ -2020,8 +2020,8 @@
         </p:nvSpPr>
         <p:spPr>
           <a:xfrm>
-            <a:off x="1362075" y="3181350"/>
-            <a:ext cx="3333750" cy="1428750"/>
+            <a:off x="766167" y="5655733"/>
+            <a:ext cx="1875234" cy="2540000"/>
           </a:xfrm>
           <a:prstGeom prst="rect">
             <a:avLst/>
@@ -2046,7 +2046,7 @@
           <p:cNvPr id="8" name="Picture Placeholder 11">
             <a:extLst>
               <a:ext uri="{4812089F-A461-4F1F-ABE7-2F559B58CC2D}">
-                <a16:creationId xmlns:a16="http://schemas.microsoft.com/office/drawing/2010/main" xmlns:vt="http://schemas.openxmlformats.org/officeDocument/2006/docPropsVTypes" xmlns:ns1="http://schemas.openxmlformats.org/officeDocument/2006/extended-properties" xmlns:cs="http://schemas.microsoft.com/office/drawing/2012/chartStyle" xmlns:c="http://schemas.openxmlformats.org/drawingml/2006/chart" xmlns="" id="{8A8BBD82-129D-42FC-8748-CB54F5D39B8C}"/>
+                <a16:creationId xmlns="" xmlns:c="http://schemas.openxmlformats.org/drawingml/2006/chart" xmlns:cs="http://schemas.microsoft.com/office/drawing/2012/chartStyle" xmlns:ns1="http://schemas.openxmlformats.org/officeDocument/2006/extended-properties" xmlns:vt="http://schemas.openxmlformats.org/officeDocument/2006/docPropsVTypes" xmlns:a16="http://schemas.microsoft.com/office/drawing/2010/main" id="{8A8BBD82-129D-42FC-8748-CB54F5D39B8C}"/>
               </a:ext>
             </a:extLst>
           </p:cNvPr>
@@ -2059,8 +2059,8 @@
         </p:nvSpPr>
         <p:spPr>
           <a:xfrm>
-            <a:off x="5238750" y="1524000"/>
-            <a:ext cx="3333750" cy="1428750"/>
+            <a:off x="2946797" y="2709333"/>
+            <a:ext cx="1875234" cy="2540000"/>
           </a:xfrm>
           <a:prstGeom prst="rect">
             <a:avLst/>
@@ -2085,7 +2085,7 @@
           <p:cNvPr id="9" name="Picture Placeholder 13">
             <a:extLst>
               <a:ext uri="{A9B18A16-B3E4-4CA9-9AE6-7EFF16127C1F}">
-                <a16:creationId xmlns:a16="http://schemas.microsoft.com/office/drawing/2010/main" xmlns:vt="http://schemas.openxmlformats.org/officeDocument/2006/docPropsVTypes" xmlns:ns1="http://schemas.openxmlformats.org/officeDocument/2006/extended-properties" xmlns:cs="http://schemas.microsoft.com/office/drawing/2012/chartStyle" xmlns:c="http://schemas.openxmlformats.org/drawingml/2006/chart" xmlns="" id="{45CCB845-7A60-4A5B-A6DA-CB7D71BBE380}"/>
+                <a16:creationId xmlns="" xmlns:c="http://schemas.openxmlformats.org/drawingml/2006/chart" xmlns:cs="http://schemas.microsoft.com/office/drawing/2012/chartStyle" xmlns:ns1="http://schemas.openxmlformats.org/officeDocument/2006/extended-properties" xmlns:vt="http://schemas.openxmlformats.org/officeDocument/2006/docPropsVTypes" xmlns:a16="http://schemas.microsoft.com/office/drawing/2010/main" id="{45CCB845-7A60-4A5B-A6DA-CB7D71BBE380}"/>
               </a:ext>
             </a:extLst>
           </p:cNvPr>
@@ -2098,8 +2098,8 @@
         </p:nvSpPr>
         <p:spPr>
           <a:xfrm>
-            <a:off x="5238750" y="3181350"/>
-            <a:ext cx="3333750" cy="1428750"/>
+            <a:off x="2946797" y="5655733"/>
+            <a:ext cx="1875234" cy="2540000"/>
           </a:xfrm>
           <a:prstGeom prst="rect">
             <a:avLst/>
@@ -2124,7 +2124,7 @@
           <p:cNvPr id="10" name="Date Placeholder 1">
             <a:extLst>
               <a:ext uri="{CF96BCF3-EC07-4FE3-BCEF-7CB871B6E99E}">
-                <a16:creationId xmlns:a16="http://schemas.microsoft.com/office/drawing/2010/main" xmlns:vt="http://schemas.openxmlformats.org/officeDocument/2006/docPropsVTypes" xmlns:ns1="http://schemas.openxmlformats.org/officeDocument/2006/extended-properties" xmlns:cs="http://schemas.microsoft.com/office/drawing/2012/chartStyle" xmlns:c="http://schemas.openxmlformats.org/drawingml/2006/chart" xmlns="" id="{A5F26654-4CC2-4F42-A93C-BF9BB137DD18}"/>
+                <a16:creationId xmlns="" xmlns:c="http://schemas.openxmlformats.org/drawingml/2006/chart" xmlns:cs="http://schemas.microsoft.com/office/drawing/2012/chartStyle" xmlns:ns1="http://schemas.openxmlformats.org/officeDocument/2006/extended-properties" xmlns:vt="http://schemas.openxmlformats.org/officeDocument/2006/docPropsVTypes" xmlns:a16="http://schemas.microsoft.com/office/drawing/2010/main" id="{A5F26654-4CC2-4F42-A93C-BF9BB137DD18}"/>
               </a:ext>
             </a:extLst>
           </p:cNvPr>
@@ -2154,7 +2154,7 @@
           <p:cNvPr id="11" name="Footer Placeholder 3">
             <a:extLst>
               <a:ext uri="{694E7377-988B-4D45-BC4E-2E386DEEB37D}">
-                <a16:creationId xmlns:a16="http://schemas.microsoft.com/office/drawing/2010/main" xmlns:vt="http://schemas.openxmlformats.org/officeDocument/2006/docPropsVTypes" xmlns:ns1="http://schemas.openxmlformats.org/officeDocument/2006/extended-properties" xmlns:cs="http://schemas.microsoft.com/office/drawing/2012/chartStyle" xmlns:c="http://schemas.openxmlformats.org/drawingml/2006/chart" xmlns="" id="{E65452DB-5DD1-4D7E-A94F-E0F5C2B5B88D}"/>
+                <a16:creationId xmlns="" xmlns:c="http://schemas.openxmlformats.org/drawingml/2006/chart" xmlns:cs="http://schemas.microsoft.com/office/drawing/2012/chartStyle" xmlns:ns1="http://schemas.openxmlformats.org/officeDocument/2006/extended-properties" xmlns:vt="http://schemas.openxmlformats.org/officeDocument/2006/docPropsVTypes" xmlns:a16="http://schemas.microsoft.com/office/drawing/2010/main" id="{E65452DB-5DD1-4D7E-A94F-E0F5C2B5B88D}"/>
               </a:ext>
             </a:extLst>
           </p:cNvPr>
@@ -2184,7 +2184,7 @@
           <p:cNvPr id="12" name="Slide Number Placeholder 4">
             <a:extLst>
               <a:ext uri="{DC1A34EA-2FFB-4BC1-B331-A053412D96BE}">
-                <a16:creationId xmlns:a16="http://schemas.microsoft.com/office/drawing/2010/main" xmlns:vt="http://schemas.openxmlformats.org/officeDocument/2006/docPropsVTypes" xmlns:ns1="http://schemas.openxmlformats.org/officeDocument/2006/extended-properties" xmlns:cs="http://schemas.microsoft.com/office/drawing/2012/chartStyle" xmlns:c="http://schemas.openxmlformats.org/drawingml/2006/chart" xmlns="" id="{B2B1531A-BE56-4567-BD0E-C83AFFE6FF6C}"/>
+                <a16:creationId xmlns="" xmlns:c="http://schemas.openxmlformats.org/drawingml/2006/chart" xmlns:cs="http://schemas.microsoft.com/office/drawing/2012/chartStyle" xmlns:ns1="http://schemas.openxmlformats.org/officeDocument/2006/extended-properties" xmlns:vt="http://schemas.openxmlformats.org/officeDocument/2006/docPropsVTypes" xmlns:a16="http://schemas.microsoft.com/office/drawing/2010/main" id="{B2B1531A-BE56-4567-BD0E-C83AFFE6FF6C}"/>
               </a:ext>
             </a:extLst>
           </p:cNvPr>
@@ -2215,7 +2215,7 @@
     </p:custDataLst>
     <p:extLst>
       <p:ext uri="{E80E5715-711A-4BDC-909F-C2285FFFA09D}">
-        <p14:creationId xmlns:p14="http://schemas.microsoft.com/office/powerpoint/2010/main" xmlns:vt="http://schemas.openxmlformats.org/officeDocument/2006/docPropsVTypes" xmlns:ns1="http://schemas.openxmlformats.org/officeDocument/2006/extended-properties" xmlns:cs="http://schemas.microsoft.com/office/drawing/2012/chartStyle" xmlns:c="http://schemas.openxmlformats.org/drawingml/2006/chart" xmlns="" val="1648132718582"/>
+        <p14:creationId xmlns="" xmlns:c="http://schemas.openxmlformats.org/drawingml/2006/chart" xmlns:cs="http://schemas.microsoft.com/office/drawing/2012/chartStyle" xmlns:ns1="http://schemas.openxmlformats.org/officeDocument/2006/extended-properties" xmlns:vt="http://schemas.openxmlformats.org/officeDocument/2006/docPropsVTypes" xmlns:p14="http://schemas.microsoft.com/office/powerpoint/2010/main" val="1648132718582"/>
       </p:ext>
     </p:extLst>
   </p:cSld>
@@ -2247,7 +2247,7 @@
           <p:cNvPr id="2" name="Rectangle 1">
             <a:extLst>
               <a:ext uri="{9C800CB5-2FAB-4F18-A1D5-61478BC18225}">
-                <a16:creationId xmlns:a16="http://schemas.microsoft.com/office/drawing/2010/main" xmlns:vt="http://schemas.openxmlformats.org/officeDocument/2006/docPropsVTypes" xmlns:ns1="http://schemas.openxmlformats.org/officeDocument/2006/extended-properties" xmlns:cs="http://schemas.microsoft.com/office/drawing/2012/chartStyle" xmlns:c="http://schemas.openxmlformats.org/drawingml/2006/chart" xmlns="" id="{3AACC4E9-605C-41FD-A3DE-B80245986191}"/>
+                <a16:creationId xmlns="" xmlns:c="http://schemas.openxmlformats.org/drawingml/2006/chart" xmlns:cs="http://schemas.microsoft.com/office/drawing/2012/chartStyle" xmlns:ns1="http://schemas.openxmlformats.org/officeDocument/2006/extended-properties" xmlns:vt="http://schemas.openxmlformats.org/officeDocument/2006/docPropsVTypes" xmlns:a16="http://schemas.microsoft.com/office/drawing/2010/main" id="{3AACC4E9-605C-41FD-A3DE-B80245986191}"/>
               </a:ext>
             </a:extLst>
           </p:cNvPr>
@@ -2256,8 +2256,8 @@
         </p:nvSpPr>
         <p:spPr>
           <a:xfrm>
-            <a:off x="0" y="-9525"/>
-            <a:ext cx="381000" cy="5162550"/>
+            <a:off x="0" y="-16934"/>
+            <a:ext cx="214313" cy="9177867"/>
           </a:xfrm>
           <a:prstGeom prst="rect">
             <a:avLst/>
@@ -2293,7 +2293,7 @@
           <a:lstStyle/>
           <a:p>
             <a:pPr algn="ctr"/>
-            <a:endParaRPr lang="en-US" dirty="0"/>
+            <a:endParaRPr lang="en-US" sz="1013" dirty="0"/>
           </a:p>
         </p:txBody>
       </p:sp>
@@ -2302,7 +2302,7 @@
           <p:cNvPr id="3" name="Title Placeholder 1">
             <a:extLst>
               <a:ext uri="{45E23F9B-F013-4FEA-B68E-F1ECF8D08CF9}">
-                <a16:creationId xmlns:a16="http://schemas.microsoft.com/office/drawing/2010/main" xmlns:vt="http://schemas.openxmlformats.org/officeDocument/2006/docPropsVTypes" xmlns:ns1="http://schemas.openxmlformats.org/officeDocument/2006/extended-properties" xmlns:cs="http://schemas.microsoft.com/office/drawing/2012/chartStyle" xmlns:c="http://schemas.openxmlformats.org/drawingml/2006/chart" xmlns="" id="{A40BA4CB-0F69-402C-A8B6-E60D90DD4778}"/>
+                <a16:creationId xmlns="" xmlns:c="http://schemas.openxmlformats.org/drawingml/2006/chart" xmlns:cs="http://schemas.microsoft.com/office/drawing/2012/chartStyle" xmlns:ns1="http://schemas.openxmlformats.org/officeDocument/2006/extended-properties" xmlns:vt="http://schemas.openxmlformats.org/officeDocument/2006/docPropsVTypes" xmlns:a16="http://schemas.microsoft.com/office/drawing/2010/main" id="{A40BA4CB-0F69-402C-A8B6-E60D90DD4778}"/>
               </a:ext>
             </a:extLst>
           </p:cNvPr>
@@ -2330,7 +2330,7 @@
           <p:cNvPr id="4" name="Content Placeholder 2">
             <a:extLst>
               <a:ext uri="{74094934-BC23-4D92-9790-A2AAED34EB8A}">
-                <a16:creationId xmlns:a16="http://schemas.microsoft.com/office/drawing/2010/main" xmlns:vt="http://schemas.openxmlformats.org/officeDocument/2006/docPropsVTypes" xmlns:ns1="http://schemas.openxmlformats.org/officeDocument/2006/extended-properties" xmlns:cs="http://schemas.microsoft.com/office/drawing/2012/chartStyle" xmlns:c="http://schemas.openxmlformats.org/drawingml/2006/chart" xmlns="" id="{485CE722-8F4B-44C3-838D-E7BEAA3FD017}"/>
+                <a16:creationId xmlns="" xmlns:c="http://schemas.openxmlformats.org/drawingml/2006/chart" xmlns:cs="http://schemas.microsoft.com/office/drawing/2012/chartStyle" xmlns:ns1="http://schemas.openxmlformats.org/officeDocument/2006/extended-properties" xmlns:vt="http://schemas.openxmlformats.org/officeDocument/2006/docPropsVTypes" xmlns:a16="http://schemas.microsoft.com/office/drawing/2010/main" id="{485CE722-8F4B-44C3-838D-E7BEAA3FD017}"/>
               </a:ext>
             </a:extLst>
           </p:cNvPr>
@@ -2393,7 +2393,7 @@
           <p:cNvPr id="5" name="Date Placeholder 1">
             <a:extLst>
               <a:ext uri="{80871DEE-45B0-4F9B-B2B2-AE3BF3240BC9}">
-                <a16:creationId xmlns:a16="http://schemas.microsoft.com/office/drawing/2010/main" xmlns:vt="http://schemas.openxmlformats.org/officeDocument/2006/docPropsVTypes" xmlns:ns1="http://schemas.openxmlformats.org/officeDocument/2006/extended-properties" xmlns:cs="http://schemas.microsoft.com/office/drawing/2012/chartStyle" xmlns:c="http://schemas.openxmlformats.org/drawingml/2006/chart" xmlns="" id="{13081452-CEF4-40DE-B047-45059019F9CB}"/>
+                <a16:creationId xmlns="" xmlns:c="http://schemas.openxmlformats.org/drawingml/2006/chart" xmlns:cs="http://schemas.microsoft.com/office/drawing/2012/chartStyle" xmlns:ns1="http://schemas.openxmlformats.org/officeDocument/2006/extended-properties" xmlns:vt="http://schemas.openxmlformats.org/officeDocument/2006/docPropsVTypes" xmlns:a16="http://schemas.microsoft.com/office/drawing/2010/main" id="{13081452-CEF4-40DE-B047-45059019F9CB}"/>
               </a:ext>
             </a:extLst>
           </p:cNvPr>
@@ -2423,7 +2423,7 @@
           <p:cNvPr id="6" name="Footer Placeholder 3">
             <a:extLst>
               <a:ext uri="{B3704DB1-B4B6-4C4D-A77D-FB4D70FF3823}">
-                <a16:creationId xmlns:a16="http://schemas.microsoft.com/office/drawing/2010/main" xmlns:vt="http://schemas.openxmlformats.org/officeDocument/2006/docPropsVTypes" xmlns:ns1="http://schemas.openxmlformats.org/officeDocument/2006/extended-properties" xmlns:cs="http://schemas.microsoft.com/office/drawing/2012/chartStyle" xmlns:c="http://schemas.openxmlformats.org/drawingml/2006/chart" xmlns="" id="{D0A83679-B813-43F6-BDFC-F3680661CBBE}"/>
+                <a16:creationId xmlns="" xmlns:c="http://schemas.openxmlformats.org/drawingml/2006/chart" xmlns:cs="http://schemas.microsoft.com/office/drawing/2012/chartStyle" xmlns:ns1="http://schemas.openxmlformats.org/officeDocument/2006/extended-properties" xmlns:vt="http://schemas.openxmlformats.org/officeDocument/2006/docPropsVTypes" xmlns:a16="http://schemas.microsoft.com/office/drawing/2010/main" id="{D0A83679-B813-43F6-BDFC-F3680661CBBE}"/>
               </a:ext>
             </a:extLst>
           </p:cNvPr>
@@ -2453,7 +2453,7 @@
           <p:cNvPr id="7" name="Slide Number Placeholder 4">
             <a:extLst>
               <a:ext uri="{50A91CCC-AD3E-49F1-B647-3B90A35F0AE2}">
-                <a16:creationId xmlns:a16="http://schemas.microsoft.com/office/drawing/2010/main" xmlns:vt="http://schemas.openxmlformats.org/officeDocument/2006/docPropsVTypes" xmlns:ns1="http://schemas.openxmlformats.org/officeDocument/2006/extended-properties" xmlns:cs="http://schemas.microsoft.com/office/drawing/2012/chartStyle" xmlns:c="http://schemas.openxmlformats.org/drawingml/2006/chart" xmlns="" id="{7A03F9FC-AA50-414D-9DB1-F6A62D84893E}"/>
+                <a16:creationId xmlns="" xmlns:c="http://schemas.openxmlformats.org/drawingml/2006/chart" xmlns:cs="http://schemas.microsoft.com/office/drawing/2012/chartStyle" xmlns:ns1="http://schemas.openxmlformats.org/officeDocument/2006/extended-properties" xmlns:vt="http://schemas.openxmlformats.org/officeDocument/2006/docPropsVTypes" xmlns:a16="http://schemas.microsoft.com/office/drawing/2010/main" id="{7A03F9FC-AA50-414D-9DB1-F6A62D84893E}"/>
               </a:ext>
             </a:extLst>
           </p:cNvPr>
@@ -2481,7 +2481,7 @@
     </p:spTree>
     <p:extLst>
       <p:ext uri="{7B501009-BE03-4DDF-B25C-B6F8CAA2DA00}">
-        <p14:creationId xmlns:p14="http://schemas.microsoft.com/office/powerpoint/2010/main" xmlns:vt="http://schemas.openxmlformats.org/officeDocument/2006/docPropsVTypes" xmlns:ns1="http://schemas.openxmlformats.org/officeDocument/2006/extended-properties" xmlns:cs="http://schemas.microsoft.com/office/drawing/2012/chartStyle" xmlns:c="http://schemas.openxmlformats.org/drawingml/2006/chart" xmlns="" val="1648132718553"/>
+        <p14:creationId xmlns="" xmlns:c="http://schemas.openxmlformats.org/drawingml/2006/chart" xmlns:cs="http://schemas.microsoft.com/office/drawing/2012/chartStyle" xmlns:ns1="http://schemas.openxmlformats.org/officeDocument/2006/extended-properties" xmlns:vt="http://schemas.openxmlformats.org/officeDocument/2006/docPropsVTypes" xmlns:p14="http://schemas.microsoft.com/office/powerpoint/2010/main" val="1648132718553"/>
       </p:ext>
     </p:extLst>
   </p:cSld>
@@ -2524,7 +2524,7 @@
           <p:cNvPr id="2" name="Picture 1">
             <a:extLst>
               <a:ext uri="{4DFD7DDC-F794-41F1-B45F-7BA7DF3B9BC9}">
-                <a16:creationId xmlns:a16="http://schemas.microsoft.com/office/drawing/2010/main" xmlns:vt="http://schemas.openxmlformats.org/officeDocument/2006/docPropsVTypes" xmlns:ns1="http://schemas.openxmlformats.org/officeDocument/2006/extended-properties" xmlns:cs="http://schemas.microsoft.com/office/drawing/2012/chartStyle" xmlns:c="http://schemas.openxmlformats.org/drawingml/2006/chart" xmlns="" id="{7F8B076C-A403-42A9-A2AC-3947C6862E84}"/>
+                <a16:creationId xmlns="" xmlns:c="http://schemas.openxmlformats.org/drawingml/2006/chart" xmlns:cs="http://schemas.microsoft.com/office/drawing/2012/chartStyle" xmlns:ns1="http://schemas.openxmlformats.org/officeDocument/2006/extended-properties" xmlns:vt="http://schemas.openxmlformats.org/officeDocument/2006/docPropsVTypes" xmlns:a16="http://schemas.microsoft.com/office/drawing/2010/main" id="{7F8B076C-A403-42A9-A2AC-3947C6862E84}"/>
               </a:ext>
             </a:extLst>
           </p:cNvPr>
@@ -2541,8 +2541,8 @@
         </p:blipFill>
         <p:spPr>
           <a:xfrm>
-            <a:off x="0" y="1143000"/>
-            <a:ext cx="9144000" cy="2857500"/>
+            <a:off x="0" y="2032000"/>
+            <a:ext cx="5143500" cy="5080000"/>
           </a:xfrm>
           <a:prstGeom prst="rect">
             <a:avLst/>
@@ -2555,7 +2555,7 @@
           <p:cNvPr id="3" name="Group 2">
             <a:extLst>
               <a:ext uri="{0BCC693B-9ED3-4329-884D-B7C9CAC2566A}">
-                <a16:creationId xmlns:a16="http://schemas.microsoft.com/office/drawing/2010/main" xmlns:vt="http://schemas.openxmlformats.org/officeDocument/2006/docPropsVTypes" xmlns:ns1="http://schemas.openxmlformats.org/officeDocument/2006/extended-properties" xmlns:cs="http://schemas.microsoft.com/office/drawing/2012/chartStyle" xmlns:c="http://schemas.openxmlformats.org/drawingml/2006/chart" xmlns="" id="{558ED9EC-55FF-4360-9912-0074E9A1C4EB}"/>
+                <a16:creationId xmlns="" xmlns:c="http://schemas.openxmlformats.org/drawingml/2006/chart" xmlns:cs="http://schemas.microsoft.com/office/drawing/2012/chartStyle" xmlns:ns1="http://schemas.openxmlformats.org/officeDocument/2006/extended-properties" xmlns:vt="http://schemas.openxmlformats.org/officeDocument/2006/docPropsVTypes" xmlns:a16="http://schemas.microsoft.com/office/drawing/2010/main" id="{558ED9EC-55FF-4360-9912-0074E9A1C4EB}"/>
               </a:ext>
             </a:extLst>
           </p:cNvPr>
@@ -2566,8 +2566,8 @@
         </p:nvGrpSpPr>
         <p:grpSpPr>
           <a:xfrm>
-            <a:off x="885825" y="1857375"/>
-            <a:ext cx="857250" cy="857250"/>
+            <a:off x="498277" y="3302000"/>
+            <a:ext cx="482203" cy="1524000"/>
             <a:chOff x="885825" y="1857375"/>
             <a:chExt cx="857250" cy="857250"/>
           </a:xfrm>
@@ -2577,7 +2577,7 @@
             <p:cNvPr id="4" name="Rectangle 3">
               <a:extLst>
                 <a:ext uri="{681B8C36-6E7C-40B2-AD0E-E6E0A4E445C6}">
-                  <a16:creationId xmlns:a16="http://schemas.microsoft.com/office/drawing/2010/main" xmlns:vt="http://schemas.openxmlformats.org/officeDocument/2006/docPropsVTypes" xmlns:ns1="http://schemas.openxmlformats.org/officeDocument/2006/extended-properties" xmlns:cs="http://schemas.microsoft.com/office/drawing/2012/chartStyle" xmlns:c="http://schemas.openxmlformats.org/drawingml/2006/chart" xmlns="" id="{966EBD88-0E63-4E4A-A46E-843818752EC2}"/>
+                  <a16:creationId xmlns="" xmlns:c="http://schemas.openxmlformats.org/drawingml/2006/chart" xmlns:cs="http://schemas.microsoft.com/office/drawing/2012/chartStyle" xmlns:ns1="http://schemas.openxmlformats.org/officeDocument/2006/extended-properties" xmlns:vt="http://schemas.openxmlformats.org/officeDocument/2006/docPropsVTypes" xmlns:a16="http://schemas.microsoft.com/office/drawing/2010/main" id="{966EBD88-0E63-4E4A-A46E-843818752EC2}"/>
                 </a:ext>
               </a:extLst>
             </p:cNvPr>
@@ -2625,7 +2625,7 @@
             <a:lstStyle/>
             <a:p>
               <a:pPr algn="ctr"/>
-              <a:endParaRPr lang="en-US" dirty="0"/>
+              <a:endParaRPr lang="en-US" sz="1013" dirty="0"/>
             </a:p>
           </p:txBody>
         </p:sp>
@@ -2634,7 +2634,7 @@
             <p:cNvPr id="5" name="Rectangle 4">
               <a:extLst>
                 <a:ext uri="{19328ACE-DB6E-4D0F-8A0B-A86B6ED2BD23}">
-                  <a16:creationId xmlns:a16="http://schemas.microsoft.com/office/drawing/2010/main" xmlns:vt="http://schemas.openxmlformats.org/officeDocument/2006/docPropsVTypes" xmlns:ns1="http://schemas.openxmlformats.org/officeDocument/2006/extended-properties" xmlns:cs="http://schemas.microsoft.com/office/drawing/2012/chartStyle" xmlns:c="http://schemas.openxmlformats.org/drawingml/2006/chart" xmlns="" id="{E71F77A3-12FA-45E3-9EB0-8C240F75203C}"/>
+                  <a16:creationId xmlns="" xmlns:c="http://schemas.openxmlformats.org/drawingml/2006/chart" xmlns:cs="http://schemas.microsoft.com/office/drawing/2012/chartStyle" xmlns:ns1="http://schemas.openxmlformats.org/officeDocument/2006/extended-properties" xmlns:vt="http://schemas.openxmlformats.org/officeDocument/2006/docPropsVTypes" xmlns:a16="http://schemas.microsoft.com/office/drawing/2010/main" id="{E71F77A3-12FA-45E3-9EB0-8C240F75203C}"/>
                 </a:ext>
               </a:extLst>
             </p:cNvPr>
@@ -2682,7 +2682,7 @@
             <a:lstStyle/>
             <a:p>
               <a:pPr algn="ctr"/>
-              <a:endParaRPr lang="en-US" dirty="0"/>
+              <a:endParaRPr lang="en-US" sz="1013" dirty="0"/>
             </a:p>
           </p:txBody>
         </p:sp>
@@ -2691,7 +2691,7 @@
             <p:cNvPr id="6" name="Rectangle 5">
               <a:extLst>
                 <a:ext uri="{82A06ED7-B163-4824-8EE7-558AB0B1E997}">
-                  <a16:creationId xmlns:a16="http://schemas.microsoft.com/office/drawing/2010/main" xmlns:vt="http://schemas.openxmlformats.org/officeDocument/2006/docPropsVTypes" xmlns:ns1="http://schemas.openxmlformats.org/officeDocument/2006/extended-properties" xmlns:cs="http://schemas.microsoft.com/office/drawing/2012/chartStyle" xmlns:c="http://schemas.openxmlformats.org/drawingml/2006/chart" xmlns="" id="{94FC6E96-684F-45A1-870F-C6C68C635650}"/>
+                  <a16:creationId xmlns="" xmlns:c="http://schemas.openxmlformats.org/drawingml/2006/chart" xmlns:cs="http://schemas.microsoft.com/office/drawing/2012/chartStyle" xmlns:ns1="http://schemas.openxmlformats.org/officeDocument/2006/extended-properties" xmlns:vt="http://schemas.openxmlformats.org/officeDocument/2006/docPropsVTypes" xmlns:a16="http://schemas.microsoft.com/office/drawing/2010/main" id="{94FC6E96-684F-45A1-870F-C6C68C635650}"/>
                 </a:ext>
               </a:extLst>
             </p:cNvPr>
@@ -2739,7 +2739,7 @@
             <a:lstStyle/>
             <a:p>
               <a:pPr algn="ctr"/>
-              <a:endParaRPr lang="en-US" dirty="0"/>
+              <a:endParaRPr lang="en-US" sz="1013" dirty="0"/>
             </a:p>
           </p:txBody>
         </p:sp>
@@ -2748,7 +2748,7 @@
             <p:cNvPr id="7" name="Rectangle 6">
               <a:extLst>
                 <a:ext uri="{AA8155F5-9FC5-44C6-A9C0-E0CED484BBBA}">
-                  <a16:creationId xmlns:a16="http://schemas.microsoft.com/office/drawing/2010/main" xmlns:vt="http://schemas.openxmlformats.org/officeDocument/2006/docPropsVTypes" xmlns:ns1="http://schemas.openxmlformats.org/officeDocument/2006/extended-properties" xmlns:cs="http://schemas.microsoft.com/office/drawing/2012/chartStyle" xmlns:c="http://schemas.openxmlformats.org/drawingml/2006/chart" xmlns="" id="{67A31F50-2B9A-4B29-9A70-60D159E83FFE}"/>
+                  <a16:creationId xmlns="" xmlns:c="http://schemas.openxmlformats.org/drawingml/2006/chart" xmlns:cs="http://schemas.microsoft.com/office/drawing/2012/chartStyle" xmlns:ns1="http://schemas.openxmlformats.org/officeDocument/2006/extended-properties" xmlns:vt="http://schemas.openxmlformats.org/officeDocument/2006/docPropsVTypes" xmlns:a16="http://schemas.microsoft.com/office/drawing/2010/main" id="{67A31F50-2B9A-4B29-9A70-60D159E83FFE}"/>
                 </a:ext>
               </a:extLst>
             </p:cNvPr>
@@ -2796,7 +2796,7 @@
             <a:lstStyle/>
             <a:p>
               <a:pPr algn="ctr"/>
-              <a:endParaRPr lang="en-US" dirty="0"/>
+              <a:endParaRPr lang="en-US" sz="1013" dirty="0"/>
             </a:p>
           </p:txBody>
         </p:sp>
@@ -2806,7 +2806,7 @@
           <p:cNvPr id="8" name="Title Placeholder 1">
             <a:extLst>
               <a:ext uri="{90AE5299-9B84-4FF4-A2B0-000CA17B3D46}">
-                <a16:creationId xmlns:a16="http://schemas.microsoft.com/office/drawing/2010/main" xmlns:vt="http://schemas.openxmlformats.org/officeDocument/2006/docPropsVTypes" xmlns:ns1="http://schemas.openxmlformats.org/officeDocument/2006/extended-properties" xmlns:cs="http://schemas.microsoft.com/office/drawing/2012/chartStyle" xmlns:c="http://schemas.openxmlformats.org/drawingml/2006/chart" xmlns="" id="{899E8783-2628-417C-8299-F78663519118}"/>
+                <a16:creationId xmlns="" xmlns:c="http://schemas.openxmlformats.org/drawingml/2006/chart" xmlns:cs="http://schemas.microsoft.com/office/drawing/2012/chartStyle" xmlns:ns1="http://schemas.openxmlformats.org/officeDocument/2006/extended-properties" xmlns:vt="http://schemas.openxmlformats.org/officeDocument/2006/docPropsVTypes" xmlns:a16="http://schemas.microsoft.com/office/drawing/2010/main" id="{899E8783-2628-417C-8299-F78663519118}"/>
               </a:ext>
             </a:extLst>
           </p:cNvPr>
@@ -2819,8 +2819,8 @@
         </p:nvSpPr>
         <p:spPr>
           <a:xfrm>
-            <a:off x="1466850" y="2238375"/>
-            <a:ext cx="6667500" cy="666750"/>
+            <a:off x="825103" y="3979334"/>
+            <a:ext cx="3750469" cy="1185333"/>
           </a:xfrm>
           <a:prstGeom prst="rect">
             <a:avLst/>
@@ -2830,7 +2830,7 @@
           <a:bodyPr rtlCol="0"/>
           <a:lstStyle>
             <a:lvl1pPr lvl="0">
-              <a:defRPr lang="en-US" sz="4000" dirty="0">
+              <a:defRPr lang="en-US" sz="2250" dirty="0">
                 <a:solidFill>
                   <a:srgbClr val="FFFFFF"/>
                 </a:solidFill>
@@ -2850,7 +2850,7 @@
           <p:cNvPr id="9" name="Subtitle 2">
             <a:extLst>
               <a:ext uri="{1FA58AD3-09CC-4832-AB40-34641DB744B8}">
-                <a16:creationId xmlns:a16="http://schemas.microsoft.com/office/drawing/2010/main" xmlns:vt="http://schemas.openxmlformats.org/officeDocument/2006/docPropsVTypes" xmlns:ns1="http://schemas.openxmlformats.org/officeDocument/2006/extended-properties" xmlns:cs="http://schemas.microsoft.com/office/drawing/2012/chartStyle" xmlns:c="http://schemas.openxmlformats.org/drawingml/2006/chart" xmlns="" id="{7F278BC2-9E1F-4049-AC57-54B3269100EF}"/>
+                <a16:creationId xmlns="" xmlns:c="http://schemas.openxmlformats.org/drawingml/2006/chart" xmlns:cs="http://schemas.microsoft.com/office/drawing/2012/chartStyle" xmlns:ns1="http://schemas.openxmlformats.org/officeDocument/2006/extended-properties" xmlns:vt="http://schemas.openxmlformats.org/officeDocument/2006/docPropsVTypes" xmlns:a16="http://schemas.microsoft.com/office/drawing/2010/main" id="{7F278BC2-9E1F-4049-AC57-54B3269100EF}"/>
               </a:ext>
             </a:extLst>
           </p:cNvPr>
@@ -2863,8 +2863,8 @@
         </p:nvSpPr>
         <p:spPr>
           <a:xfrm>
-            <a:off x="1465497" y="2905125"/>
-            <a:ext cx="6668852" cy="381000"/>
+            <a:off x="824342" y="5164667"/>
+            <a:ext cx="3751229" cy="677333"/>
           </a:xfrm>
           <a:prstGeom prst="rect">
             <a:avLst/>
@@ -2883,14 +2883,14 @@
                 <a:spcPts val="0"/>
               </a:spcBef>
               <a:buNone/>
-              <a:defRPr lang="en-US" sz="1600" b="0" i="0" baseline="0" dirty="0">
+              <a:defRPr lang="en-US" sz="900" b="0" i="0" baseline="0" dirty="0">
                 <a:solidFill>
                   <a:schemeClr val="bg2"/>
                 </a:solidFill>
                 <a:latin typeface="+mn-lt"/>
               </a:defRPr>
             </a:lvl1pPr>
-            <a:lvl2pPr marL="457200" lvl="1" indent="0" algn="ctr">
+            <a:lvl2pPr marL="257175" lvl="1" indent="0" algn="ctr">
               <a:buNone/>
               <a:defRPr lang="en-US" dirty="0">
                 <a:solidFill>
@@ -2901,7 +2901,7 @@
                 <a:latin typeface="+mn-lt"/>
               </a:defRPr>
             </a:lvl2pPr>
-            <a:lvl3pPr marL="914400" lvl="2" indent="0" algn="ctr">
+            <a:lvl3pPr marL="514350" lvl="2" indent="0" algn="ctr">
               <a:buNone/>
               <a:defRPr lang="en-US" dirty="0">
                 <a:solidFill>
@@ -2912,7 +2912,7 @@
                 <a:latin typeface="+mn-lt"/>
               </a:defRPr>
             </a:lvl3pPr>
-            <a:lvl4pPr marL="1371600" lvl="3" indent="0" algn="ctr">
+            <a:lvl4pPr marL="771525" lvl="3" indent="0" algn="ctr">
               <a:buNone/>
               <a:defRPr lang="en-US" dirty="0">
                 <a:solidFill>
@@ -2923,7 +2923,7 @@
                 <a:latin typeface="+mn-lt"/>
               </a:defRPr>
             </a:lvl4pPr>
-            <a:lvl5pPr marL="1828800" lvl="4" indent="0" algn="ctr">
+            <a:lvl5pPr marL="1028700" lvl="4" indent="0" algn="ctr">
               <a:buNone/>
               <a:defRPr lang="en-US" dirty="0">
                 <a:solidFill>
@@ -2934,7 +2934,7 @@
                 <a:latin typeface="+mn-lt"/>
               </a:defRPr>
             </a:lvl5pPr>
-            <a:lvl6pPr marL="2286000" lvl="5" indent="0" algn="ctr">
+            <a:lvl6pPr marL="1285875" lvl="5" indent="0" algn="ctr">
               <a:buNone/>
               <a:defRPr lang="en-US" dirty="0">
                 <a:solidFill>
@@ -2945,7 +2945,7 @@
                 <a:latin typeface="+mn-lt"/>
               </a:defRPr>
             </a:lvl6pPr>
-            <a:lvl7pPr marL="2743200" lvl="6" indent="0" algn="ctr">
+            <a:lvl7pPr marL="1543050" lvl="6" indent="0" algn="ctr">
               <a:buNone/>
               <a:defRPr lang="en-US" dirty="0">
                 <a:solidFill>
@@ -2956,7 +2956,7 @@
                 <a:latin typeface="+mn-lt"/>
               </a:defRPr>
             </a:lvl7pPr>
-            <a:lvl8pPr marL="3200400" lvl="7" indent="0" algn="ctr">
+            <a:lvl8pPr marL="1800225" lvl="7" indent="0" algn="ctr">
               <a:buNone/>
               <a:defRPr lang="en-US" dirty="0">
                 <a:solidFill>
@@ -2967,7 +2967,7 @@
                 <a:latin typeface="+mn-lt"/>
               </a:defRPr>
             </a:lvl8pPr>
-            <a:lvl9pPr marL="3657600" lvl="8" indent="0" algn="ctr">
+            <a:lvl9pPr marL="2057400" lvl="8" indent="0" algn="ctr">
               <a:buNone/>
               <a:defRPr lang="en-US" dirty="0">
                 <a:solidFill>
@@ -2992,7 +2992,7 @@
           <p:cNvPr id="10" name="Date Placeholder 3">
             <a:extLst>
               <a:ext uri="{2F37FFB1-9276-4057-B7DC-233280A3DAA9}">
-                <a16:creationId xmlns:a16="http://schemas.microsoft.com/office/drawing/2010/main" xmlns:vt="http://schemas.openxmlformats.org/officeDocument/2006/docPropsVTypes" xmlns:ns1="http://schemas.openxmlformats.org/officeDocument/2006/extended-properties" xmlns:cs="http://schemas.microsoft.com/office/drawing/2012/chartStyle" xmlns:c="http://schemas.openxmlformats.org/drawingml/2006/chart" xmlns="" id="{FC0D009A-33C5-4487-A786-4A207340F387}"/>
+                <a16:creationId xmlns="" xmlns:c="http://schemas.openxmlformats.org/drawingml/2006/chart" xmlns:cs="http://schemas.microsoft.com/office/drawing/2012/chartStyle" xmlns:ns1="http://schemas.openxmlformats.org/officeDocument/2006/extended-properties" xmlns:vt="http://schemas.openxmlformats.org/officeDocument/2006/docPropsVTypes" xmlns:a16="http://schemas.microsoft.com/office/drawing/2010/main" id="{FC0D009A-33C5-4487-A786-4A207340F387}"/>
               </a:ext>
             </a:extLst>
           </p:cNvPr>
@@ -3022,7 +3022,7 @@
           <p:cNvPr id="11" name="Footer Placeholder 4">
             <a:extLst>
               <a:ext uri="{290E9B5D-48EE-4C67-9D9D-CEC7C259B43D}">
-                <a16:creationId xmlns:a16="http://schemas.microsoft.com/office/drawing/2010/main" xmlns:vt="http://schemas.openxmlformats.org/officeDocument/2006/docPropsVTypes" xmlns:ns1="http://schemas.openxmlformats.org/officeDocument/2006/extended-properties" xmlns:cs="http://schemas.microsoft.com/office/drawing/2012/chartStyle" xmlns:c="http://schemas.openxmlformats.org/drawingml/2006/chart" xmlns="" id="{7269FBBE-380B-4DEA-B336-B210C211AA61}"/>
+                <a16:creationId xmlns="" xmlns:c="http://schemas.openxmlformats.org/drawingml/2006/chart" xmlns:cs="http://schemas.microsoft.com/office/drawing/2012/chartStyle" xmlns:ns1="http://schemas.openxmlformats.org/officeDocument/2006/extended-properties" xmlns:vt="http://schemas.openxmlformats.org/officeDocument/2006/docPropsVTypes" xmlns:a16="http://schemas.microsoft.com/office/drawing/2010/main" id="{7269FBBE-380B-4DEA-B336-B210C211AA61}"/>
               </a:ext>
             </a:extLst>
           </p:cNvPr>
@@ -3052,7 +3052,7 @@
           <p:cNvPr id="12" name="Slide Number Placeholder 5">
             <a:extLst>
               <a:ext uri="{1818A9DD-6865-4FF4-855B-889CBB5AC27C}">
-                <a16:creationId xmlns:a16="http://schemas.microsoft.com/office/drawing/2010/main" xmlns:vt="http://schemas.openxmlformats.org/officeDocument/2006/docPropsVTypes" xmlns:ns1="http://schemas.openxmlformats.org/officeDocument/2006/extended-properties" xmlns:cs="http://schemas.microsoft.com/office/drawing/2012/chartStyle" xmlns:c="http://schemas.openxmlformats.org/drawingml/2006/chart" xmlns="" id="{138CD3B1-A42A-48FA-BA3A-D169E7FDA05C}"/>
+                <a16:creationId xmlns="" xmlns:c="http://schemas.openxmlformats.org/drawingml/2006/chart" xmlns:cs="http://schemas.microsoft.com/office/drawing/2012/chartStyle" xmlns:ns1="http://schemas.openxmlformats.org/officeDocument/2006/extended-properties" xmlns:vt="http://schemas.openxmlformats.org/officeDocument/2006/docPropsVTypes" xmlns:a16="http://schemas.microsoft.com/office/drawing/2010/main" id="{138CD3B1-A42A-48FA-BA3A-D169E7FDA05C}"/>
               </a:ext>
             </a:extLst>
           </p:cNvPr>
@@ -3080,7 +3080,7 @@
     </p:spTree>
     <p:extLst>
       <p:ext uri="{51065248-4743-4EB4-AD02-03A787ACD479}">
-        <p14:creationId xmlns:p14="http://schemas.microsoft.com/office/powerpoint/2010/main" xmlns:vt="http://schemas.openxmlformats.org/officeDocument/2006/docPropsVTypes" xmlns:ns1="http://schemas.openxmlformats.org/officeDocument/2006/extended-properties" xmlns:cs="http://schemas.microsoft.com/office/drawing/2012/chartStyle" xmlns:c="http://schemas.openxmlformats.org/drawingml/2006/chart" xmlns="" val="1648132718556"/>
+        <p14:creationId xmlns="" xmlns:c="http://schemas.openxmlformats.org/drawingml/2006/chart" xmlns:cs="http://schemas.microsoft.com/office/drawing/2012/chartStyle" xmlns:ns1="http://schemas.openxmlformats.org/officeDocument/2006/extended-properties" xmlns:vt="http://schemas.openxmlformats.org/officeDocument/2006/docPropsVTypes" xmlns:p14="http://schemas.microsoft.com/office/powerpoint/2010/main" val="1648132718556"/>
       </p:ext>
     </p:extLst>
   </p:cSld>
@@ -3112,7 +3112,7 @@
           <p:cNvPr id="2" name="Rectangle 1">
             <a:extLst>
               <a:ext uri="{AD36EB93-8032-4EC8-8D70-CD48C5C74CD9}">
-                <a16:creationId xmlns:a16="http://schemas.microsoft.com/office/drawing/2010/main" xmlns:vt="http://schemas.openxmlformats.org/officeDocument/2006/docPropsVTypes" xmlns:ns1="http://schemas.openxmlformats.org/officeDocument/2006/extended-properties" xmlns:cs="http://schemas.microsoft.com/office/drawing/2012/chartStyle" xmlns:c="http://schemas.openxmlformats.org/drawingml/2006/chart" xmlns="" id="{6BF0BB12-12F9-440B-A6C5-34ADB2CE93F4}"/>
+                <a16:creationId xmlns="" xmlns:c="http://schemas.openxmlformats.org/drawingml/2006/chart" xmlns:cs="http://schemas.microsoft.com/office/drawing/2012/chartStyle" xmlns:ns1="http://schemas.openxmlformats.org/officeDocument/2006/extended-properties" xmlns:vt="http://schemas.openxmlformats.org/officeDocument/2006/docPropsVTypes" xmlns:a16="http://schemas.microsoft.com/office/drawing/2010/main" id="{6BF0BB12-12F9-440B-A6C5-34ADB2CE93F4}"/>
               </a:ext>
             </a:extLst>
           </p:cNvPr>
@@ -3121,8 +3121,8 @@
         </p:nvSpPr>
         <p:spPr>
           <a:xfrm>
-            <a:off x="5334000" y="666750"/>
-            <a:ext cx="3810000" cy="3810000"/>
+            <a:off x="3000375" y="1185334"/>
+            <a:ext cx="2143125" cy="6773333"/>
           </a:xfrm>
           <a:prstGeom prst="rect">
             <a:avLst/>
@@ -3158,7 +3158,7 @@
           <a:lstStyle/>
           <a:p>
             <a:pPr algn="ctr"/>
-            <a:endParaRPr lang="en-US" dirty="0"/>
+            <a:endParaRPr lang="en-US" sz="1013" dirty="0"/>
           </a:p>
         </p:txBody>
       </p:sp>
@@ -3167,7 +3167,7 @@
           <p:cNvPr id="3" name="Rectangle 2">
             <a:extLst>
               <a:ext uri="{B98F2740-24BE-4EFA-883A-EA0C2A5BB4C7}">
-                <a16:creationId xmlns:a16="http://schemas.microsoft.com/office/drawing/2010/main" xmlns:vt="http://schemas.openxmlformats.org/officeDocument/2006/docPropsVTypes" xmlns:ns1="http://schemas.openxmlformats.org/officeDocument/2006/extended-properties" xmlns:cs="http://schemas.microsoft.com/office/drawing/2012/chartStyle" xmlns:c="http://schemas.openxmlformats.org/drawingml/2006/chart" xmlns="" id="{CEEFF5F6-97B2-436D-983B-6120D6CBFDA1}"/>
+                <a16:creationId xmlns="" xmlns:c="http://schemas.openxmlformats.org/drawingml/2006/chart" xmlns:cs="http://schemas.microsoft.com/office/drawing/2012/chartStyle" xmlns:ns1="http://schemas.openxmlformats.org/officeDocument/2006/extended-properties" xmlns:vt="http://schemas.openxmlformats.org/officeDocument/2006/docPropsVTypes" xmlns:a16="http://schemas.microsoft.com/office/drawing/2010/main" id="{CEEFF5F6-97B2-436D-983B-6120D6CBFDA1}"/>
               </a:ext>
             </a:extLst>
           </p:cNvPr>
@@ -3176,8 +3176,8 @@
         </p:nvSpPr>
         <p:spPr>
           <a:xfrm>
-            <a:off x="0" y="-9525"/>
-            <a:ext cx="381000" cy="5162550"/>
+            <a:off x="0" y="-16934"/>
+            <a:ext cx="214313" cy="9177867"/>
           </a:xfrm>
           <a:prstGeom prst="rect">
             <a:avLst/>
@@ -3213,7 +3213,7 @@
           <a:lstStyle/>
           <a:p>
             <a:pPr algn="ctr"/>
-            <a:endParaRPr lang="en-US" dirty="0"/>
+            <a:endParaRPr lang="en-US" sz="1013" dirty="0"/>
           </a:p>
         </p:txBody>
       </p:sp>
@@ -3222,7 +3222,7 @@
           <p:cNvPr id="4" name="Rectangle 3">
             <a:extLst>
               <a:ext uri="{595C8449-E675-4491-A8C9-633CDFA98DB7}">
-                <a16:creationId xmlns:a16="http://schemas.microsoft.com/office/drawing/2010/main" xmlns:vt="http://schemas.openxmlformats.org/officeDocument/2006/docPropsVTypes" xmlns:ns1="http://schemas.openxmlformats.org/officeDocument/2006/extended-properties" xmlns:cs="http://schemas.microsoft.com/office/drawing/2012/chartStyle" xmlns:c="http://schemas.openxmlformats.org/drawingml/2006/chart" xmlns="" id="{C77712AF-4B52-41E9-B314-5ACD0BD47102}"/>
+                <a16:creationId xmlns="" xmlns:c="http://schemas.openxmlformats.org/drawingml/2006/chart" xmlns:cs="http://schemas.microsoft.com/office/drawing/2012/chartStyle" xmlns:ns1="http://schemas.openxmlformats.org/officeDocument/2006/extended-properties" xmlns:vt="http://schemas.openxmlformats.org/officeDocument/2006/docPropsVTypes" xmlns:a16="http://schemas.microsoft.com/office/drawing/2010/main" id="{C77712AF-4B52-41E9-B314-5ACD0BD47102}"/>
               </a:ext>
             </a:extLst>
           </p:cNvPr>
@@ -3231,8 +3231,8 @@
         </p:nvSpPr>
         <p:spPr>
           <a:xfrm>
-            <a:off x="5334000" y="666750"/>
-            <a:ext cx="47625" cy="3810000"/>
+            <a:off x="3000375" y="1185334"/>
+            <a:ext cx="26789" cy="6773333"/>
           </a:xfrm>
           <a:prstGeom prst="rect">
             <a:avLst/>
@@ -3268,7 +3268,7 @@
           <a:lstStyle/>
           <a:p>
             <a:pPr algn="ctr"/>
-            <a:endParaRPr lang="en-US" dirty="0"/>
+            <a:endParaRPr lang="en-US" sz="1013" dirty="0"/>
           </a:p>
         </p:txBody>
       </p:sp>
@@ -3277,7 +3277,7 @@
           <p:cNvPr id="5" name="Title Placeholder 1">
             <a:extLst>
               <a:ext uri="{55EBC6AE-C3DD-49DC-8E5D-A634C6214541}">
-                <a16:creationId xmlns:a16="http://schemas.microsoft.com/office/drawing/2010/main" xmlns:vt="http://schemas.openxmlformats.org/officeDocument/2006/docPropsVTypes" xmlns:ns1="http://schemas.openxmlformats.org/officeDocument/2006/extended-properties" xmlns:cs="http://schemas.microsoft.com/office/drawing/2012/chartStyle" xmlns:c="http://schemas.openxmlformats.org/drawingml/2006/chart" xmlns="" id="{B625F71C-90DE-4BC9-AA00-C074EF5FAE74}"/>
+                <a16:creationId xmlns="" xmlns:c="http://schemas.openxmlformats.org/drawingml/2006/chart" xmlns:cs="http://schemas.microsoft.com/office/drawing/2012/chartStyle" xmlns:ns1="http://schemas.openxmlformats.org/officeDocument/2006/extended-properties" xmlns:vt="http://schemas.openxmlformats.org/officeDocument/2006/docPropsVTypes" xmlns:a16="http://schemas.microsoft.com/office/drawing/2010/main" id="{B625F71C-90DE-4BC9-AA00-C074EF5FAE74}"/>
               </a:ext>
             </a:extLst>
           </p:cNvPr>
@@ -3290,8 +3290,8 @@
         </p:nvSpPr>
         <p:spPr>
           <a:xfrm>
-            <a:off x="1238250" y="619125"/>
-            <a:ext cx="3524250" cy="1096471"/>
+            <a:off x="696515" y="1100667"/>
+            <a:ext cx="1982391" cy="1949282"/>
           </a:xfrm>
           <a:prstGeom prst="rect">
             <a:avLst/>
@@ -3313,7 +3313,7 @@
           <p:cNvPr id="6" name="Content Placeholder 2">
             <a:extLst>
               <a:ext uri="{CC69DA2D-E615-4D04-9895-E2E0CD27A70E}">
-                <a16:creationId xmlns:a16="http://schemas.microsoft.com/office/drawing/2010/main" xmlns:vt="http://schemas.openxmlformats.org/officeDocument/2006/docPropsVTypes" xmlns:ns1="http://schemas.openxmlformats.org/officeDocument/2006/extended-properties" xmlns:cs="http://schemas.microsoft.com/office/drawing/2012/chartStyle" xmlns:c="http://schemas.openxmlformats.org/drawingml/2006/chart" xmlns="" id="{F654001D-CB3D-4768-93C2-D00A20E6D1CE}"/>
+                <a16:creationId xmlns="" xmlns:c="http://schemas.openxmlformats.org/drawingml/2006/chart" xmlns:cs="http://schemas.microsoft.com/office/drawing/2012/chartStyle" xmlns:ns1="http://schemas.openxmlformats.org/officeDocument/2006/extended-properties" xmlns:vt="http://schemas.openxmlformats.org/officeDocument/2006/docPropsVTypes" xmlns:a16="http://schemas.microsoft.com/office/drawing/2010/main" id="{F654001D-CB3D-4768-93C2-D00A20E6D1CE}"/>
               </a:ext>
             </a:extLst>
           </p:cNvPr>
@@ -3326,8 +3326,8 @@
         </p:nvSpPr>
         <p:spPr>
           <a:xfrm>
-            <a:off x="1241723" y="1809750"/>
-            <a:ext cx="3520776" cy="2476500"/>
+            <a:off x="698469" y="3217333"/>
+            <a:ext cx="1980437" cy="4402667"/>
           </a:xfrm>
         </p:spPr>
         <p:txBody>
@@ -3379,7 +3379,7 @@
           <p:cNvPr id="7" name="Content Placeholder 2">
             <a:extLst>
               <a:ext uri="{B4774245-A3E3-4B59-A3E9-FBDA46FB2E38}">
-                <a16:creationId xmlns:a16="http://schemas.microsoft.com/office/drawing/2010/main" xmlns:vt="http://schemas.openxmlformats.org/officeDocument/2006/docPropsVTypes" xmlns:ns1="http://schemas.openxmlformats.org/officeDocument/2006/extended-properties" xmlns:cs="http://schemas.microsoft.com/office/drawing/2012/chartStyle" xmlns:c="http://schemas.openxmlformats.org/drawingml/2006/chart" xmlns="" id="{11412B39-0E53-4730-B240-E708D82B456C}"/>
+                <a16:creationId xmlns="" xmlns:c="http://schemas.openxmlformats.org/drawingml/2006/chart" xmlns:cs="http://schemas.microsoft.com/office/drawing/2012/chartStyle" xmlns:ns1="http://schemas.openxmlformats.org/officeDocument/2006/extended-properties" xmlns:vt="http://schemas.openxmlformats.org/officeDocument/2006/docPropsVTypes" xmlns:a16="http://schemas.microsoft.com/office/drawing/2010/main" id="{11412B39-0E53-4730-B240-E708D82B456C}"/>
               </a:ext>
             </a:extLst>
           </p:cNvPr>
@@ -3392,8 +3392,8 @@
         </p:nvSpPr>
         <p:spPr>
           <a:xfrm>
-            <a:off x="5715000" y="952500"/>
-            <a:ext cx="3048000" cy="3238500"/>
+            <a:off x="3214688" y="1693334"/>
+            <a:ext cx="1714500" cy="5757333"/>
           </a:xfrm>
         </p:spPr>
         <p:txBody>
@@ -3446,7 +3446,7 @@
           <p:cNvPr id="8" name="Date Placeholder 1">
             <a:extLst>
               <a:ext uri="{CC11A90F-D651-441E-8170-4C3D7774A10D}">
-                <a16:creationId xmlns:a16="http://schemas.microsoft.com/office/drawing/2010/main" xmlns:vt="http://schemas.openxmlformats.org/officeDocument/2006/docPropsVTypes" xmlns:ns1="http://schemas.openxmlformats.org/officeDocument/2006/extended-properties" xmlns:cs="http://schemas.microsoft.com/office/drawing/2012/chartStyle" xmlns:c="http://schemas.openxmlformats.org/drawingml/2006/chart" xmlns="" id="{25F5848A-A5DD-47F5-AAA3-85591B992C4D}"/>
+                <a16:creationId xmlns="" xmlns:c="http://schemas.openxmlformats.org/drawingml/2006/chart" xmlns:cs="http://schemas.microsoft.com/office/drawing/2012/chartStyle" xmlns:ns1="http://schemas.openxmlformats.org/officeDocument/2006/extended-properties" xmlns:vt="http://schemas.openxmlformats.org/officeDocument/2006/docPropsVTypes" xmlns:a16="http://schemas.microsoft.com/office/drawing/2010/main" id="{25F5848A-A5DD-47F5-AAA3-85591B992C4D}"/>
               </a:ext>
             </a:extLst>
           </p:cNvPr>
@@ -3476,7 +3476,7 @@
           <p:cNvPr id="9" name="Footer Placeholder 2">
             <a:extLst>
               <a:ext uri="{62DFB4A2-E1FC-417F-990B-388876EF04C3}">
-                <a16:creationId xmlns:a16="http://schemas.microsoft.com/office/drawing/2010/main" xmlns:vt="http://schemas.openxmlformats.org/officeDocument/2006/docPropsVTypes" xmlns:ns1="http://schemas.openxmlformats.org/officeDocument/2006/extended-properties" xmlns:cs="http://schemas.microsoft.com/office/drawing/2012/chartStyle" xmlns:c="http://schemas.openxmlformats.org/drawingml/2006/chart" xmlns="" id="{CC3B527D-AEAA-46FF-98B2-88B6090DFE6C}"/>
+                <a16:creationId xmlns="" xmlns:c="http://schemas.openxmlformats.org/drawingml/2006/chart" xmlns:cs="http://schemas.microsoft.com/office/drawing/2012/chartStyle" xmlns:ns1="http://schemas.openxmlformats.org/officeDocument/2006/extended-properties" xmlns:vt="http://schemas.openxmlformats.org/officeDocument/2006/docPropsVTypes" xmlns:a16="http://schemas.microsoft.com/office/drawing/2010/main" id="{CC3B527D-AEAA-46FF-98B2-88B6090DFE6C}"/>
               </a:ext>
             </a:extLst>
           </p:cNvPr>
@@ -3506,7 +3506,7 @@
           <p:cNvPr id="10" name="Slide Number Placeholder 3">
             <a:extLst>
               <a:ext uri="{7FE25D58-4EAB-4103-B773-850134BA9018}">
-                <a16:creationId xmlns:a16="http://schemas.microsoft.com/office/drawing/2010/main" xmlns:vt="http://schemas.openxmlformats.org/officeDocument/2006/docPropsVTypes" xmlns:ns1="http://schemas.openxmlformats.org/officeDocument/2006/extended-properties" xmlns:cs="http://schemas.microsoft.com/office/drawing/2012/chartStyle" xmlns:c="http://schemas.openxmlformats.org/drawingml/2006/chart" xmlns="" id="{B0586596-8AAB-4614-AC9F-669EBADEE440}"/>
+                <a16:creationId xmlns="" xmlns:c="http://schemas.openxmlformats.org/drawingml/2006/chart" xmlns:cs="http://schemas.microsoft.com/office/drawing/2012/chartStyle" xmlns:ns1="http://schemas.openxmlformats.org/officeDocument/2006/extended-properties" xmlns:vt="http://schemas.openxmlformats.org/officeDocument/2006/docPropsVTypes" xmlns:a16="http://schemas.microsoft.com/office/drawing/2010/main" id="{B0586596-8AAB-4614-AC9F-669EBADEE440}"/>
               </a:ext>
             </a:extLst>
           </p:cNvPr>
@@ -3534,7 +3534,7 @@
     </p:spTree>
     <p:extLst>
       <p:ext uri="{1029406C-6114-4B49-8074-9EC017A0F4B1}">
-        <p14:creationId xmlns:p14="http://schemas.microsoft.com/office/powerpoint/2010/main" xmlns:vt="http://schemas.openxmlformats.org/officeDocument/2006/docPropsVTypes" xmlns:ns1="http://schemas.openxmlformats.org/officeDocument/2006/extended-properties" xmlns:cs="http://schemas.microsoft.com/office/drawing/2012/chartStyle" xmlns:c="http://schemas.openxmlformats.org/drawingml/2006/chart" xmlns="" val="1648132718559"/>
+        <p14:creationId xmlns="" xmlns:c="http://schemas.openxmlformats.org/drawingml/2006/chart" xmlns:cs="http://schemas.microsoft.com/office/drawing/2012/chartStyle" xmlns:ns1="http://schemas.openxmlformats.org/officeDocument/2006/extended-properties" xmlns:vt="http://schemas.openxmlformats.org/officeDocument/2006/docPropsVTypes" xmlns:p14="http://schemas.microsoft.com/office/powerpoint/2010/main" val="1648132718559"/>
       </p:ext>
     </p:extLst>
   </p:cSld>
@@ -3566,7 +3566,7 @@
           <p:cNvPr id="2" name="Rectangle 1">
             <a:extLst>
               <a:ext uri="{04CA2333-EB2C-442D-AD8E-4E1D9342D4BA}">
-                <a16:creationId xmlns:a16="http://schemas.microsoft.com/office/drawing/2010/main" xmlns:vt="http://schemas.openxmlformats.org/officeDocument/2006/docPropsVTypes" xmlns:ns1="http://schemas.openxmlformats.org/officeDocument/2006/extended-properties" xmlns:cs="http://schemas.microsoft.com/office/drawing/2012/chartStyle" xmlns:c="http://schemas.openxmlformats.org/drawingml/2006/chart" xmlns="" id="{B66A48A5-B199-46E7-AD20-9E61A07C436E}"/>
+                <a16:creationId xmlns="" xmlns:c="http://schemas.openxmlformats.org/drawingml/2006/chart" xmlns:cs="http://schemas.microsoft.com/office/drawing/2012/chartStyle" xmlns:ns1="http://schemas.openxmlformats.org/officeDocument/2006/extended-properties" xmlns:vt="http://schemas.openxmlformats.org/officeDocument/2006/docPropsVTypes" xmlns:a16="http://schemas.microsoft.com/office/drawing/2010/main" id="{B66A48A5-B199-46E7-AD20-9E61A07C436E}"/>
               </a:ext>
             </a:extLst>
           </p:cNvPr>
@@ -3575,8 +3575,8 @@
         </p:nvSpPr>
         <p:spPr>
           <a:xfrm>
-            <a:off x="4572000" y="476250"/>
-            <a:ext cx="4000500" cy="4191000"/>
+            <a:off x="2571750" y="846667"/>
+            <a:ext cx="2250281" cy="7450667"/>
           </a:xfrm>
           <a:prstGeom prst="rect">
             <a:avLst/>
@@ -3612,7 +3612,7 @@
           <a:lstStyle/>
           <a:p>
             <a:pPr algn="ctr"/>
-            <a:endParaRPr lang="en-US" dirty="0"/>
+            <a:endParaRPr lang="en-US" sz="1013" dirty="0"/>
           </a:p>
         </p:txBody>
       </p:sp>
@@ -3621,7 +3621,7 @@
           <p:cNvPr id="3" name="Picture 2">
             <a:extLst>
               <a:ext uri="{259A39B8-F36A-4C14-99E8-14A0ED9DA919}">
-                <a16:creationId xmlns:a16="http://schemas.microsoft.com/office/drawing/2010/main" xmlns:vt="http://schemas.openxmlformats.org/officeDocument/2006/docPropsVTypes" xmlns:ns1="http://schemas.openxmlformats.org/officeDocument/2006/extended-properties" xmlns:cs="http://schemas.microsoft.com/office/drawing/2012/chartStyle" xmlns:c="http://schemas.openxmlformats.org/drawingml/2006/chart" xmlns="" id="{D980F50F-4E4F-48C2-A42C-9E9BB837D933}"/>
+                <a16:creationId xmlns="" xmlns:c="http://schemas.openxmlformats.org/drawingml/2006/chart" xmlns:cs="http://schemas.microsoft.com/office/drawing/2012/chartStyle" xmlns:ns1="http://schemas.openxmlformats.org/officeDocument/2006/extended-properties" xmlns:vt="http://schemas.openxmlformats.org/officeDocument/2006/docPropsVTypes" xmlns:a16="http://schemas.microsoft.com/office/drawing/2010/main" id="{D980F50F-4E4F-48C2-A42C-9E9BB837D933}"/>
               </a:ext>
             </a:extLst>
           </p:cNvPr>
@@ -3639,7 +3639,7 @@
         <p:spPr>
           <a:xfrm>
             <a:off x="0" y="0"/>
-            <a:ext cx="4572000" cy="5143500"/>
+            <a:ext cx="2571750" cy="9144000"/>
           </a:xfrm>
           <a:prstGeom prst="rect">
             <a:avLst/>
@@ -3652,7 +3652,7 @@
           <p:cNvPr id="4" name="Rectangle 3">
             <a:extLst>
               <a:ext uri="{0B920ED0-6E83-45DB-B667-E0EDB3B208AD}">
-                <a16:creationId xmlns:a16="http://schemas.microsoft.com/office/drawing/2010/main" xmlns:vt="http://schemas.openxmlformats.org/officeDocument/2006/docPropsVTypes" xmlns:ns1="http://schemas.openxmlformats.org/officeDocument/2006/extended-properties" xmlns:cs="http://schemas.microsoft.com/office/drawing/2012/chartStyle" xmlns:c="http://schemas.openxmlformats.org/drawingml/2006/chart" xmlns="" id="{6533BE62-1087-4F5F-A98B-9E085AD96BFE}"/>
+                <a16:creationId xmlns="" xmlns:c="http://schemas.openxmlformats.org/drawingml/2006/chart" xmlns:cs="http://schemas.microsoft.com/office/drawing/2012/chartStyle" xmlns:ns1="http://schemas.openxmlformats.org/officeDocument/2006/extended-properties" xmlns:vt="http://schemas.openxmlformats.org/officeDocument/2006/docPropsVTypes" xmlns:a16="http://schemas.microsoft.com/office/drawing/2010/main" id="{6533BE62-1087-4F5F-A98B-9E085AD96BFE}"/>
               </a:ext>
             </a:extLst>
           </p:cNvPr>
@@ -3662,7 +3662,7 @@
         <p:spPr>
           <a:xfrm>
             <a:off x="0" y="0"/>
-            <a:ext cx="4572000" cy="5141128"/>
+            <a:ext cx="2571750" cy="9139783"/>
           </a:xfrm>
           <a:prstGeom prst="rect">
             <a:avLst/>
@@ -3700,7 +3700,7 @@
           <a:lstStyle/>
           <a:p>
             <a:pPr algn="ctr"/>
-            <a:endParaRPr lang="en-US" dirty="0"/>
+            <a:endParaRPr lang="en-US" sz="1013" dirty="0"/>
           </a:p>
         </p:txBody>
       </p:sp>
@@ -3709,7 +3709,7 @@
           <p:cNvPr id="5" name="Rectangle 4">
             <a:extLst>
               <a:ext uri="{D5154C90-BE7B-4858-B618-EB580E4120B9}">
-                <a16:creationId xmlns:a16="http://schemas.microsoft.com/office/drawing/2010/main" xmlns:vt="http://schemas.openxmlformats.org/officeDocument/2006/docPropsVTypes" xmlns:ns1="http://schemas.openxmlformats.org/officeDocument/2006/extended-properties" xmlns:cs="http://schemas.microsoft.com/office/drawing/2012/chartStyle" xmlns:c="http://schemas.openxmlformats.org/drawingml/2006/chart" xmlns="" id="{75EACD92-0DF8-436A-A45E-C45CDFACF34D}"/>
+                <a16:creationId xmlns="" xmlns:c="http://schemas.openxmlformats.org/drawingml/2006/chart" xmlns:cs="http://schemas.microsoft.com/office/drawing/2012/chartStyle" xmlns:ns1="http://schemas.openxmlformats.org/officeDocument/2006/extended-properties" xmlns:vt="http://schemas.openxmlformats.org/officeDocument/2006/docPropsVTypes" xmlns:a16="http://schemas.microsoft.com/office/drawing/2010/main" id="{75EACD92-0DF8-436A-A45E-C45CDFACF34D}"/>
               </a:ext>
             </a:extLst>
           </p:cNvPr>
@@ -3718,8 +3718,8 @@
         </p:nvSpPr>
         <p:spPr>
           <a:xfrm>
-            <a:off x="571500" y="476250"/>
-            <a:ext cx="4000500" cy="4191000"/>
+            <a:off x="321469" y="846667"/>
+            <a:ext cx="2250281" cy="7450667"/>
           </a:xfrm>
           <a:prstGeom prst="rect">
             <a:avLst/>
@@ -3757,7 +3757,7 @@
           <a:lstStyle/>
           <a:p>
             <a:pPr algn="ctr"/>
-            <a:endParaRPr lang="en-US" dirty="0"/>
+            <a:endParaRPr lang="en-US" sz="1013" dirty="0"/>
           </a:p>
         </p:txBody>
       </p:sp>
@@ -3766,7 +3766,7 @@
           <p:cNvPr id="6" name="Title Placeholder 1">
             <a:extLst>
               <a:ext uri="{DAD00088-2914-42B8-A537-B5E0BDDEB668}">
-                <a16:creationId xmlns:a16="http://schemas.microsoft.com/office/drawing/2010/main" xmlns:vt="http://schemas.openxmlformats.org/officeDocument/2006/docPropsVTypes" xmlns:ns1="http://schemas.openxmlformats.org/officeDocument/2006/extended-properties" xmlns:cs="http://schemas.microsoft.com/office/drawing/2012/chartStyle" xmlns:c="http://schemas.openxmlformats.org/drawingml/2006/chart" xmlns="" id="{3A93388B-F487-4961-B786-C0C886196434}"/>
+                <a16:creationId xmlns="" xmlns:c="http://schemas.openxmlformats.org/drawingml/2006/chart" xmlns:cs="http://schemas.microsoft.com/office/drawing/2012/chartStyle" xmlns:ns1="http://schemas.openxmlformats.org/officeDocument/2006/extended-properties" xmlns:vt="http://schemas.openxmlformats.org/officeDocument/2006/docPropsVTypes" xmlns:a16="http://schemas.microsoft.com/office/drawing/2010/main" id="{3A93388B-F487-4961-B786-C0C886196434}"/>
               </a:ext>
             </a:extLst>
           </p:cNvPr>
@@ -3779,8 +3779,8 @@
         </p:nvSpPr>
         <p:spPr>
           <a:xfrm>
-            <a:off x="786574" y="609600"/>
-            <a:ext cx="7563674" cy="621062"/>
+            <a:off x="442448" y="1083733"/>
+            <a:ext cx="4254567" cy="1104110"/>
           </a:xfrm>
           <a:prstGeom prst="rect">
             <a:avLst/>
@@ -3802,7 +3802,7 @@
           <p:cNvPr id="7" name="Text Placeholder 2">
             <a:extLst>
               <a:ext uri="{58DC13B3-1840-4F8E-BF41-863A20F0A1A0}">
-                <a16:creationId xmlns:a16="http://schemas.microsoft.com/office/drawing/2010/main" xmlns:vt="http://schemas.openxmlformats.org/officeDocument/2006/docPropsVTypes" xmlns:ns1="http://schemas.openxmlformats.org/officeDocument/2006/extended-properties" xmlns:cs="http://schemas.microsoft.com/office/drawing/2012/chartStyle" xmlns:c="http://schemas.openxmlformats.org/drawingml/2006/chart" xmlns="" id="{B3F463CB-3C94-4E2A-A218-65FC9C4182BD}"/>
+                <a16:creationId xmlns="" xmlns:c="http://schemas.openxmlformats.org/drawingml/2006/chart" xmlns:cs="http://schemas.microsoft.com/office/drawing/2012/chartStyle" xmlns:ns1="http://schemas.openxmlformats.org/officeDocument/2006/extended-properties" xmlns:vt="http://schemas.openxmlformats.org/officeDocument/2006/docPropsVTypes" xmlns:a16="http://schemas.microsoft.com/office/drawing/2010/main" id="{B3F463CB-3C94-4E2A-A218-65FC9C4182BD}"/>
               </a:ext>
             </a:extLst>
           </p:cNvPr>
@@ -3815,8 +3815,8 @@
         </p:nvSpPr>
         <p:spPr>
           <a:xfrm>
-            <a:off x="857250" y="1378527"/>
-            <a:ext cx="3381375" cy="433820"/>
+            <a:off x="482204" y="2450714"/>
+            <a:ext cx="1902023" cy="771236"/>
           </a:xfrm>
           <a:prstGeom prst="rect">
             <a:avLst/>
@@ -3829,58 +3829,58 @@
           <a:lstStyle>
             <a:lvl1pPr marL="0" lvl="0" indent="0">
               <a:buNone/>
-              <a:defRPr lang="en-US" sz="2000" i="0" cap="none" dirty="0">
+              <a:defRPr lang="en-US" sz="1125" i="0" cap="none" dirty="0">
                 <a:solidFill>
                   <a:schemeClr val="bg2"/>
                 </a:solidFill>
                 <a:latin typeface="Source Sans Pro-demi_bold"/>
               </a:defRPr>
             </a:lvl1pPr>
-            <a:lvl2pPr marL="457200" lvl="1" indent="0">
+            <a:lvl2pPr marL="257175" lvl="1" indent="0">
               <a:buNone/>
-              <a:defRPr lang="en-US" sz="2000" b="1" dirty="0">
+              <a:defRPr lang="en-US" sz="1125" b="1" dirty="0">
                 <a:latin typeface="+mn-lt"/>
               </a:defRPr>
             </a:lvl2pPr>
-            <a:lvl3pPr marL="914400" lvl="2" indent="0">
+            <a:lvl3pPr marL="514350" lvl="2" indent="0">
               <a:buNone/>
-              <a:defRPr lang="en-US" sz="1800" b="1" dirty="0">
+              <a:defRPr lang="en-US" sz="1013" b="1" dirty="0">
                 <a:latin typeface="+mn-lt"/>
               </a:defRPr>
             </a:lvl3pPr>
-            <a:lvl4pPr marL="1371600" lvl="3" indent="0">
+            <a:lvl4pPr marL="771525" lvl="3" indent="0">
               <a:buNone/>
-              <a:defRPr lang="en-US" sz="1600" b="1" dirty="0">
+              <a:defRPr lang="en-US" sz="900" b="1" dirty="0">
                 <a:latin typeface="+mn-lt"/>
               </a:defRPr>
             </a:lvl4pPr>
-            <a:lvl5pPr marL="1828800" lvl="4" indent="0">
+            <a:lvl5pPr marL="1028700" lvl="4" indent="0">
               <a:buNone/>
-              <a:defRPr lang="en-US" sz="1600" b="1" dirty="0">
+              <a:defRPr lang="en-US" sz="900" b="1" dirty="0">
                 <a:latin typeface="+mn-lt"/>
               </a:defRPr>
             </a:lvl5pPr>
-            <a:lvl6pPr marL="2286000" lvl="5" indent="0">
+            <a:lvl6pPr marL="1285875" lvl="5" indent="0">
               <a:buNone/>
-              <a:defRPr lang="en-US" sz="1600" b="1" dirty="0">
+              <a:defRPr lang="en-US" sz="900" b="1" dirty="0">
                 <a:latin typeface="+mn-lt"/>
               </a:defRPr>
             </a:lvl6pPr>
-            <a:lvl7pPr marL="2743200" lvl="6" indent="0">
+            <a:lvl7pPr marL="1543050" lvl="6" indent="0">
               <a:buNone/>
-              <a:defRPr lang="en-US" sz="1600" b="1" dirty="0">
+              <a:defRPr lang="en-US" sz="900" b="1" dirty="0">
                 <a:latin typeface="+mn-lt"/>
               </a:defRPr>
             </a:lvl7pPr>
-            <a:lvl8pPr marL="3200400" lvl="7" indent="0">
+            <a:lvl8pPr marL="1800225" lvl="7" indent="0">
               <a:buNone/>
-              <a:defRPr lang="en-US" sz="1600" b="1" dirty="0">
+              <a:defRPr lang="en-US" sz="900" b="1" dirty="0">
                 <a:latin typeface="+mn-lt"/>
               </a:defRPr>
             </a:lvl8pPr>
-            <a:lvl9pPr marL="3657600" lvl="8" indent="0">
+            <a:lvl9pPr marL="2057400" lvl="8" indent="0">
               <a:buNone/>
-              <a:defRPr lang="en-US" sz="1600" b="1" dirty="0">
+              <a:defRPr lang="en-US" sz="900" b="1" dirty="0">
                 <a:latin typeface="+mn-lt"/>
               </a:defRPr>
             </a:lvl9pPr>
@@ -3899,7 +3899,7 @@
           <p:cNvPr id="8" name="Content Placeholder 2">
             <a:extLst>
               <a:ext uri="{04758023-476A-4C10-81E1-F129E1C75E33}">
-                <a16:creationId xmlns:a16="http://schemas.microsoft.com/office/drawing/2010/main" xmlns:vt="http://schemas.openxmlformats.org/officeDocument/2006/docPropsVTypes" xmlns:ns1="http://schemas.openxmlformats.org/officeDocument/2006/extended-properties" xmlns:cs="http://schemas.microsoft.com/office/drawing/2012/chartStyle" xmlns:c="http://schemas.openxmlformats.org/drawingml/2006/chart" xmlns="" id="{B4DA16EF-645D-4165-8564-B62CC437B6AD}"/>
+                <a16:creationId xmlns="" xmlns:c="http://schemas.openxmlformats.org/drawingml/2006/chart" xmlns:cs="http://schemas.microsoft.com/office/drawing/2012/chartStyle" xmlns:ns1="http://schemas.openxmlformats.org/officeDocument/2006/extended-properties" xmlns:vt="http://schemas.openxmlformats.org/officeDocument/2006/docPropsVTypes" xmlns:a16="http://schemas.microsoft.com/office/drawing/2010/main" id="{B4DA16EF-645D-4165-8564-B62CC437B6AD}"/>
               </a:ext>
             </a:extLst>
           </p:cNvPr>
@@ -3912,8 +3912,8 @@
         </p:nvSpPr>
         <p:spPr>
           <a:xfrm>
-            <a:off x="904875" y="1885950"/>
-            <a:ext cx="3333750" cy="2552700"/>
+            <a:off x="508992" y="3352800"/>
+            <a:ext cx="1875234" cy="4538133"/>
           </a:xfrm>
         </p:spPr>
         <p:txBody>
@@ -4052,7 +4052,7 @@
           <p:cNvPr id="9" name="Text Placeholder 2">
             <a:extLst>
               <a:ext uri="{E0170B98-215D-4837-945B-C4915E0DF293}">
-                <a16:creationId xmlns:a16="http://schemas.microsoft.com/office/drawing/2010/main" xmlns:vt="http://schemas.openxmlformats.org/officeDocument/2006/docPropsVTypes" xmlns:ns1="http://schemas.openxmlformats.org/officeDocument/2006/extended-properties" xmlns:cs="http://schemas.microsoft.com/office/drawing/2012/chartStyle" xmlns:c="http://schemas.openxmlformats.org/drawingml/2006/chart" xmlns="" id="{B7286ACE-94BB-4423-8EEA-F22FA4F74075}"/>
+                <a16:creationId xmlns="" xmlns:c="http://schemas.openxmlformats.org/drawingml/2006/chart" xmlns:cs="http://schemas.microsoft.com/office/drawing/2012/chartStyle" xmlns:ns1="http://schemas.openxmlformats.org/officeDocument/2006/extended-properties" xmlns:vt="http://schemas.openxmlformats.org/officeDocument/2006/docPropsVTypes" xmlns:a16="http://schemas.microsoft.com/office/drawing/2010/main" id="{B7286ACE-94BB-4423-8EEA-F22FA4F74075}"/>
               </a:ext>
             </a:extLst>
           </p:cNvPr>
@@ -4065,8 +4065,8 @@
         </p:nvSpPr>
         <p:spPr>
           <a:xfrm>
-            <a:off x="4857750" y="1378527"/>
-            <a:ext cx="3451503" cy="433820"/>
+            <a:off x="2732485" y="2450714"/>
+            <a:ext cx="1941470" cy="771236"/>
           </a:xfrm>
           <a:prstGeom prst="rect">
             <a:avLst/>
@@ -4079,7 +4079,7 @@
           <a:lstStyle>
             <a:lvl1pPr marL="0" lvl="0" indent="0">
               <a:buNone/>
-              <a:defRPr lang="en-US" sz="2000" i="0" cap="none" dirty="0">
+              <a:defRPr lang="en-US" sz="1125" i="0" cap="none" dirty="0">
                 <a:solidFill>
                   <a:schemeClr val="tx1">
                     <a:lumMod val="85000"/>
@@ -4089,51 +4089,51 @@
                 <a:latin typeface="Source Sans Pro-demi_bold"/>
               </a:defRPr>
             </a:lvl1pPr>
-            <a:lvl2pPr marL="457200" lvl="1" indent="0">
+            <a:lvl2pPr marL="257175" lvl="1" indent="0">
               <a:buNone/>
-              <a:defRPr lang="en-US" sz="2000" b="1" dirty="0">
+              <a:defRPr lang="en-US" sz="1125" b="1" dirty="0">
                 <a:latin typeface="+mn-lt"/>
               </a:defRPr>
             </a:lvl2pPr>
-            <a:lvl3pPr marL="914400" lvl="2" indent="0">
+            <a:lvl3pPr marL="514350" lvl="2" indent="0">
               <a:buNone/>
-              <a:defRPr lang="en-US" sz="1800" b="1" dirty="0">
+              <a:defRPr lang="en-US" sz="1013" b="1" dirty="0">
                 <a:latin typeface="+mn-lt"/>
               </a:defRPr>
             </a:lvl3pPr>
-            <a:lvl4pPr marL="1371600" lvl="3" indent="0">
+            <a:lvl4pPr marL="771525" lvl="3" indent="0">
               <a:buNone/>
-              <a:defRPr lang="en-US" sz="1600" b="1" dirty="0">
+              <a:defRPr lang="en-US" sz="900" b="1" dirty="0">
                 <a:latin typeface="+mn-lt"/>
               </a:defRPr>
             </a:lvl4pPr>
-            <a:lvl5pPr marL="1828800" lvl="4" indent="0">
+            <a:lvl5pPr marL="1028700" lvl="4" indent="0">
               <a:buNone/>
-              <a:defRPr lang="en-US" sz="1600" b="1" dirty="0">
+              <a:defRPr lang="en-US" sz="900" b="1" dirty="0">
                 <a:latin typeface="+mn-lt"/>
               </a:defRPr>
             </a:lvl5pPr>
-            <a:lvl6pPr marL="2286000" lvl="5" indent="0">
+            <a:lvl6pPr marL="1285875" lvl="5" indent="0">
               <a:buNone/>
-              <a:defRPr lang="en-US" sz="1600" b="1" dirty="0">
+              <a:defRPr lang="en-US" sz="900" b="1" dirty="0">
                 <a:latin typeface="+mn-lt"/>
               </a:defRPr>
             </a:lvl6pPr>
-            <a:lvl7pPr marL="2743200" lvl="6" indent="0">
+            <a:lvl7pPr marL="1543050" lvl="6" indent="0">
               <a:buNone/>
-              <a:defRPr lang="en-US" sz="1600" b="1" dirty="0">
+              <a:defRPr lang="en-US" sz="900" b="1" dirty="0">
                 <a:latin typeface="+mn-lt"/>
               </a:defRPr>
             </a:lvl7pPr>
-            <a:lvl8pPr marL="3200400" lvl="7" indent="0">
+            <a:lvl8pPr marL="1800225" lvl="7" indent="0">
               <a:buNone/>
-              <a:defRPr lang="en-US" sz="1600" b="1" dirty="0">
+              <a:defRPr lang="en-US" sz="900" b="1" dirty="0">
                 <a:latin typeface="+mn-lt"/>
               </a:defRPr>
             </a:lvl8pPr>
-            <a:lvl9pPr marL="3657600" lvl="8" indent="0">
+            <a:lvl9pPr marL="2057400" lvl="8" indent="0">
               <a:buNone/>
-              <a:defRPr lang="en-US" sz="1600" b="1" dirty="0">
+              <a:defRPr lang="en-US" sz="900" b="1" dirty="0">
                 <a:latin typeface="+mn-lt"/>
               </a:defRPr>
             </a:lvl9pPr>
@@ -4152,7 +4152,7 @@
           <p:cNvPr id="10" name="Content Placeholder 2">
             <a:extLst>
               <a:ext uri="{E31ACFEA-BE68-44D1-B769-5CD38EFFC940}">
-                <a16:creationId xmlns:a16="http://schemas.microsoft.com/office/drawing/2010/main" xmlns:vt="http://schemas.openxmlformats.org/officeDocument/2006/docPropsVTypes" xmlns:ns1="http://schemas.openxmlformats.org/officeDocument/2006/extended-properties" xmlns:cs="http://schemas.microsoft.com/office/drawing/2012/chartStyle" xmlns:c="http://schemas.openxmlformats.org/drawingml/2006/chart" xmlns="" id="{072E17F1-2EDD-469B-B1EF-9A1915F2075F}"/>
+                <a16:creationId xmlns="" xmlns:c="http://schemas.openxmlformats.org/drawingml/2006/chart" xmlns:cs="http://schemas.microsoft.com/office/drawing/2012/chartStyle" xmlns:ns1="http://schemas.openxmlformats.org/officeDocument/2006/extended-properties" xmlns:vt="http://schemas.openxmlformats.org/officeDocument/2006/docPropsVTypes" xmlns:a16="http://schemas.microsoft.com/office/drawing/2010/main" id="{072E17F1-2EDD-469B-B1EF-9A1915F2075F}"/>
               </a:ext>
             </a:extLst>
           </p:cNvPr>
@@ -4165,8 +4165,8 @@
         </p:nvSpPr>
         <p:spPr>
           <a:xfrm>
-            <a:off x="4856564" y="1885950"/>
-            <a:ext cx="3452713" cy="2552700"/>
+            <a:off x="2731818" y="3352800"/>
+            <a:ext cx="1942151" cy="4538133"/>
           </a:xfrm>
         </p:spPr>
         <p:txBody>
@@ -4220,7 +4220,7 @@
           <p:cNvPr id="11" name="Date Placeholder 1">
             <a:extLst>
               <a:ext uri="{91293E23-EE49-48B1-AAA9-405FD4A74C80}">
-                <a16:creationId xmlns:a16="http://schemas.microsoft.com/office/drawing/2010/main" xmlns:vt="http://schemas.openxmlformats.org/officeDocument/2006/docPropsVTypes" xmlns:ns1="http://schemas.openxmlformats.org/officeDocument/2006/extended-properties" xmlns:cs="http://schemas.microsoft.com/office/drawing/2012/chartStyle" xmlns:c="http://schemas.openxmlformats.org/drawingml/2006/chart" xmlns="" id="{AF163518-B2B6-4540-BFBC-CD627D2B5D97}"/>
+                <a16:creationId xmlns="" xmlns:c="http://schemas.openxmlformats.org/drawingml/2006/chart" xmlns:cs="http://schemas.microsoft.com/office/drawing/2012/chartStyle" xmlns:ns1="http://schemas.openxmlformats.org/officeDocument/2006/extended-properties" xmlns:vt="http://schemas.openxmlformats.org/officeDocument/2006/docPropsVTypes" xmlns:a16="http://schemas.microsoft.com/office/drawing/2010/main" id="{AF163518-B2B6-4540-BFBC-CD627D2B5D97}"/>
               </a:ext>
             </a:extLst>
           </p:cNvPr>
@@ -4250,7 +4250,7 @@
           <p:cNvPr id="12" name="Footer Placeholder 2">
             <a:extLst>
               <a:ext uri="{FC42B185-84FA-43AA-8587-B3C4654B250F}">
-                <a16:creationId xmlns:a16="http://schemas.microsoft.com/office/drawing/2010/main" xmlns:vt="http://schemas.openxmlformats.org/officeDocument/2006/docPropsVTypes" xmlns:ns1="http://schemas.openxmlformats.org/officeDocument/2006/extended-properties" xmlns:cs="http://schemas.microsoft.com/office/drawing/2012/chartStyle" xmlns:c="http://schemas.openxmlformats.org/drawingml/2006/chart" xmlns="" id="{FB528C26-AE94-474F-A00D-69AE997559DA}"/>
+                <a16:creationId xmlns="" xmlns:c="http://schemas.openxmlformats.org/drawingml/2006/chart" xmlns:cs="http://schemas.microsoft.com/office/drawing/2012/chartStyle" xmlns:ns1="http://schemas.openxmlformats.org/officeDocument/2006/extended-properties" xmlns:vt="http://schemas.openxmlformats.org/officeDocument/2006/docPropsVTypes" xmlns:a16="http://schemas.microsoft.com/office/drawing/2010/main" id="{FB528C26-AE94-474F-A00D-69AE997559DA}"/>
               </a:ext>
             </a:extLst>
           </p:cNvPr>
@@ -4280,7 +4280,7 @@
           <p:cNvPr id="13" name="Slide Number Placeholder 3">
             <a:extLst>
               <a:ext uri="{043EF80A-DD9F-4647-99A2-6A35DBA4FF6D}">
-                <a16:creationId xmlns:a16="http://schemas.microsoft.com/office/drawing/2010/main" xmlns:vt="http://schemas.openxmlformats.org/officeDocument/2006/docPropsVTypes" xmlns:ns1="http://schemas.openxmlformats.org/officeDocument/2006/extended-properties" xmlns:cs="http://schemas.microsoft.com/office/drawing/2012/chartStyle" xmlns:c="http://schemas.openxmlformats.org/drawingml/2006/chart" xmlns="" id="{867EBF53-EF2A-41EF-AEE3-61B235C3863D}"/>
+                <a16:creationId xmlns="" xmlns:c="http://schemas.openxmlformats.org/drawingml/2006/chart" xmlns:cs="http://schemas.microsoft.com/office/drawing/2012/chartStyle" xmlns:ns1="http://schemas.openxmlformats.org/officeDocument/2006/extended-properties" xmlns:vt="http://schemas.openxmlformats.org/officeDocument/2006/docPropsVTypes" xmlns:a16="http://schemas.microsoft.com/office/drawing/2010/main" id="{867EBF53-EF2A-41EF-AEE3-61B235C3863D}"/>
               </a:ext>
             </a:extLst>
           </p:cNvPr>
@@ -4311,7 +4311,7 @@
     </p:custDataLst>
     <p:extLst>
       <p:ext uri="{1B3B4A84-5C27-42BD-8279-24E982D268FD}">
-        <p14:creationId xmlns:p14="http://schemas.microsoft.com/office/powerpoint/2010/main" xmlns:vt="http://schemas.openxmlformats.org/officeDocument/2006/docPropsVTypes" xmlns:ns1="http://schemas.openxmlformats.org/officeDocument/2006/extended-properties" xmlns:cs="http://schemas.microsoft.com/office/drawing/2012/chartStyle" xmlns:c="http://schemas.openxmlformats.org/drawingml/2006/chart" xmlns="" val="1648132718563"/>
+        <p14:creationId xmlns="" xmlns:c="http://schemas.openxmlformats.org/drawingml/2006/chart" xmlns:cs="http://schemas.microsoft.com/office/drawing/2012/chartStyle" xmlns:ns1="http://schemas.openxmlformats.org/officeDocument/2006/extended-properties" xmlns:vt="http://schemas.openxmlformats.org/officeDocument/2006/docPropsVTypes" xmlns:p14="http://schemas.microsoft.com/office/powerpoint/2010/main" val="1648132718563"/>
       </p:ext>
     </p:extLst>
   </p:cSld>
@@ -4354,7 +4354,7 @@
           <p:cNvPr id="2" name="Group 1">
             <a:extLst>
               <a:ext uri="{7CDA460A-1878-4497-BC98-EF547CBDDA1C}">
-                <a16:creationId xmlns:a16="http://schemas.microsoft.com/office/drawing/2010/main" xmlns:vt="http://schemas.openxmlformats.org/officeDocument/2006/docPropsVTypes" xmlns:ns1="http://schemas.openxmlformats.org/officeDocument/2006/extended-properties" xmlns:cs="http://schemas.microsoft.com/office/drawing/2012/chartStyle" xmlns:c="http://schemas.openxmlformats.org/drawingml/2006/chart" xmlns="" id="{34ADF9D7-CA28-45BA-A6A9-48EB2A01C7A4}"/>
+                <a16:creationId xmlns="" xmlns:c="http://schemas.openxmlformats.org/drawingml/2006/chart" xmlns:cs="http://schemas.microsoft.com/office/drawing/2012/chartStyle" xmlns:ns1="http://schemas.openxmlformats.org/officeDocument/2006/extended-properties" xmlns:vt="http://schemas.openxmlformats.org/officeDocument/2006/docPropsVTypes" xmlns:a16="http://schemas.microsoft.com/office/drawing/2010/main" id="{34ADF9D7-CA28-45BA-A6A9-48EB2A01C7A4}"/>
               </a:ext>
             </a:extLst>
           </p:cNvPr>
@@ -4365,8 +4365,8 @@
         </p:nvGrpSpPr>
         <p:grpSpPr>
           <a:xfrm>
-            <a:off x="1933575" y="1743075"/>
-            <a:ext cx="1047750" cy="1047750"/>
+            <a:off x="1087636" y="3098800"/>
+            <a:ext cx="589359" cy="1862667"/>
             <a:chOff x="1933575" y="1743075"/>
             <a:chExt cx="1047750" cy="1047750"/>
           </a:xfrm>
@@ -4376,7 +4376,7 @@
             <p:cNvPr id="3" name="Rectangle 2">
               <a:extLst>
                 <a:ext uri="{C5EC64F0-A83C-46CE-97F5-EA346F642D7F}">
-                  <a16:creationId xmlns:a16="http://schemas.microsoft.com/office/drawing/2010/main" xmlns:vt="http://schemas.openxmlformats.org/officeDocument/2006/docPropsVTypes" xmlns:ns1="http://schemas.openxmlformats.org/officeDocument/2006/extended-properties" xmlns:cs="http://schemas.microsoft.com/office/drawing/2012/chartStyle" xmlns:c="http://schemas.openxmlformats.org/drawingml/2006/chart" xmlns="" id="{94D0F647-2CE8-41BB-86F3-B498B4FDAB69}"/>
+                  <a16:creationId xmlns="" xmlns:c="http://schemas.openxmlformats.org/drawingml/2006/chart" xmlns:cs="http://schemas.microsoft.com/office/drawing/2012/chartStyle" xmlns:ns1="http://schemas.openxmlformats.org/officeDocument/2006/extended-properties" xmlns:vt="http://schemas.openxmlformats.org/officeDocument/2006/docPropsVTypes" xmlns:a16="http://schemas.microsoft.com/office/drawing/2010/main" id="{94D0F647-2CE8-41BB-86F3-B498B4FDAB69}"/>
                 </a:ext>
               </a:extLst>
             </p:cNvPr>
@@ -4424,7 +4424,7 @@
             <a:lstStyle/>
             <a:p>
               <a:pPr algn="ctr"/>
-              <a:endParaRPr lang="en-US" dirty="0"/>
+              <a:endParaRPr lang="en-US" sz="1013" dirty="0"/>
             </a:p>
           </p:txBody>
         </p:sp>
@@ -4433,7 +4433,7 @@
             <p:cNvPr id="4" name="Rectangle 3">
               <a:extLst>
                 <a:ext uri="{50A1A37B-1E48-4F27-8BEC-7AB0F231FF4D}">
-                  <a16:creationId xmlns:a16="http://schemas.microsoft.com/office/drawing/2010/main" xmlns:vt="http://schemas.openxmlformats.org/officeDocument/2006/docPropsVTypes" xmlns:ns1="http://schemas.openxmlformats.org/officeDocument/2006/extended-properties" xmlns:cs="http://schemas.microsoft.com/office/drawing/2012/chartStyle" xmlns:c="http://schemas.openxmlformats.org/drawingml/2006/chart" xmlns="" id="{51E0B53C-81F8-4E4B-A3CA-A9059F2A1136}"/>
+                  <a16:creationId xmlns="" xmlns:c="http://schemas.openxmlformats.org/drawingml/2006/chart" xmlns:cs="http://schemas.microsoft.com/office/drawing/2012/chartStyle" xmlns:ns1="http://schemas.openxmlformats.org/officeDocument/2006/extended-properties" xmlns:vt="http://schemas.openxmlformats.org/officeDocument/2006/docPropsVTypes" xmlns:a16="http://schemas.microsoft.com/office/drawing/2010/main" id="{51E0B53C-81F8-4E4B-A3CA-A9059F2A1136}"/>
                 </a:ext>
               </a:extLst>
             </p:cNvPr>
@@ -4481,7 +4481,7 @@
             <a:lstStyle/>
             <a:p>
               <a:pPr algn="ctr"/>
-              <a:endParaRPr lang="en-US" dirty="0"/>
+              <a:endParaRPr lang="en-US" sz="1013" dirty="0"/>
             </a:p>
           </p:txBody>
         </p:sp>
@@ -4490,7 +4490,7 @@
             <p:cNvPr id="5" name="Rectangle 4">
               <a:extLst>
                 <a:ext uri="{7E0F32FE-57C9-48DD-B756-DF17F8155085}">
-                  <a16:creationId xmlns:a16="http://schemas.microsoft.com/office/drawing/2010/main" xmlns:vt="http://schemas.openxmlformats.org/officeDocument/2006/docPropsVTypes" xmlns:ns1="http://schemas.openxmlformats.org/officeDocument/2006/extended-properties" xmlns:cs="http://schemas.microsoft.com/office/drawing/2012/chartStyle" xmlns:c="http://schemas.openxmlformats.org/drawingml/2006/chart" xmlns="" id="{3AEE0D57-65DA-43E1-873D-0C986ABEC9BD}"/>
+                  <a16:creationId xmlns="" xmlns:c="http://schemas.openxmlformats.org/drawingml/2006/chart" xmlns:cs="http://schemas.microsoft.com/office/drawing/2012/chartStyle" xmlns:ns1="http://schemas.openxmlformats.org/officeDocument/2006/extended-properties" xmlns:vt="http://schemas.openxmlformats.org/officeDocument/2006/docPropsVTypes" xmlns:a16="http://schemas.microsoft.com/office/drawing/2010/main" id="{3AEE0D57-65DA-43E1-873D-0C986ABEC9BD}"/>
                 </a:ext>
               </a:extLst>
             </p:cNvPr>
@@ -4538,7 +4538,7 @@
             <a:lstStyle/>
             <a:p>
               <a:pPr algn="ctr"/>
-              <a:endParaRPr lang="en-US" dirty="0"/>
+              <a:endParaRPr lang="en-US" sz="1013" dirty="0"/>
             </a:p>
           </p:txBody>
         </p:sp>
@@ -4547,7 +4547,7 @@
             <p:cNvPr id="6" name="Rectangle 5">
               <a:extLst>
                 <a:ext uri="{08482AC3-3EA0-403C-BE99-F174815CD1F0}">
-                  <a16:creationId xmlns:a16="http://schemas.microsoft.com/office/drawing/2010/main" xmlns:vt="http://schemas.openxmlformats.org/officeDocument/2006/docPropsVTypes" xmlns:ns1="http://schemas.openxmlformats.org/officeDocument/2006/extended-properties" xmlns:cs="http://schemas.microsoft.com/office/drawing/2012/chartStyle" xmlns:c="http://schemas.openxmlformats.org/drawingml/2006/chart" xmlns="" id="{7893092D-A968-4110-945C-C8F041626D62}"/>
+                  <a16:creationId xmlns="" xmlns:c="http://schemas.openxmlformats.org/drawingml/2006/chart" xmlns:cs="http://schemas.microsoft.com/office/drawing/2012/chartStyle" xmlns:ns1="http://schemas.openxmlformats.org/officeDocument/2006/extended-properties" xmlns:vt="http://schemas.openxmlformats.org/officeDocument/2006/docPropsVTypes" xmlns:a16="http://schemas.microsoft.com/office/drawing/2010/main" id="{7893092D-A968-4110-945C-C8F041626D62}"/>
                 </a:ext>
               </a:extLst>
             </p:cNvPr>
@@ -4595,7 +4595,7 @@
             <a:lstStyle/>
             <a:p>
               <a:pPr algn="ctr"/>
-              <a:endParaRPr lang="en-US" dirty="0"/>
+              <a:endParaRPr lang="en-US" sz="1013" dirty="0"/>
             </a:p>
           </p:txBody>
         </p:sp>
@@ -4605,7 +4605,7 @@
           <p:cNvPr id="7" name="Title Placeholder 1">
             <a:extLst>
               <a:ext uri="{2F69C84A-5561-45B1-BC30-4CBBAAE2BBBE}">
-                <a16:creationId xmlns:a16="http://schemas.microsoft.com/office/drawing/2010/main" xmlns:vt="http://schemas.openxmlformats.org/officeDocument/2006/docPropsVTypes" xmlns:ns1="http://schemas.openxmlformats.org/officeDocument/2006/extended-properties" xmlns:cs="http://schemas.microsoft.com/office/drawing/2012/chartStyle" xmlns:c="http://schemas.openxmlformats.org/drawingml/2006/chart" xmlns="" id="{917A5C23-3CAD-4AE1-A3CC-5C9AD588BFC0}"/>
+                <a16:creationId xmlns="" xmlns:c="http://schemas.openxmlformats.org/drawingml/2006/chart" xmlns:cs="http://schemas.microsoft.com/office/drawing/2012/chartStyle" xmlns:ns1="http://schemas.openxmlformats.org/officeDocument/2006/extended-properties" xmlns:vt="http://schemas.openxmlformats.org/officeDocument/2006/docPropsVTypes" xmlns:a16="http://schemas.microsoft.com/office/drawing/2010/main" id="{917A5C23-3CAD-4AE1-A3CC-5C9AD588BFC0}"/>
               </a:ext>
             </a:extLst>
           </p:cNvPr>
@@ -4618,8 +4618,8 @@
         </p:nvSpPr>
         <p:spPr>
           <a:xfrm>
-            <a:off x="2524125" y="2247900"/>
-            <a:ext cx="5604928" cy="1333500"/>
+            <a:off x="1419820" y="3996267"/>
+            <a:ext cx="3152772" cy="2370667"/>
           </a:xfrm>
           <a:prstGeom prst="rect">
             <a:avLst/>
@@ -4629,7 +4629,7 @@
           <a:bodyPr rtlCol="0"/>
           <a:lstStyle>
             <a:lvl1pPr lvl="0">
-              <a:defRPr lang="en-US" sz="4000" dirty="0">
+              <a:defRPr lang="en-US" sz="2250" dirty="0">
                 <a:solidFill>
                   <a:srgbClr val="FFFFFF"/>
                 </a:solidFill>
@@ -4649,7 +4649,7 @@
           <p:cNvPr id="8" name="Date Placeholder 1">
             <a:extLst>
               <a:ext uri="{231F1474-DC84-4393-959C-621350906719}">
-                <a16:creationId xmlns:a16="http://schemas.microsoft.com/office/drawing/2010/main" xmlns:vt="http://schemas.openxmlformats.org/officeDocument/2006/docPropsVTypes" xmlns:ns1="http://schemas.openxmlformats.org/officeDocument/2006/extended-properties" xmlns:cs="http://schemas.microsoft.com/office/drawing/2012/chartStyle" xmlns:c="http://schemas.openxmlformats.org/drawingml/2006/chart" xmlns="" id="{DDD92884-BFC1-48B8-80DC-89584C558C7B}"/>
+                <a16:creationId xmlns="" xmlns:c="http://schemas.openxmlformats.org/drawingml/2006/chart" xmlns:cs="http://schemas.microsoft.com/office/drawing/2012/chartStyle" xmlns:ns1="http://schemas.openxmlformats.org/officeDocument/2006/extended-properties" xmlns:vt="http://schemas.openxmlformats.org/officeDocument/2006/docPropsVTypes" xmlns:a16="http://schemas.microsoft.com/office/drawing/2010/main" id="{DDD92884-BFC1-48B8-80DC-89584C558C7B}"/>
               </a:ext>
             </a:extLst>
           </p:cNvPr>
@@ -4679,7 +4679,7 @@
           <p:cNvPr id="9" name="Footer Placeholder 2">
             <a:extLst>
               <a:ext uri="{E7E3F330-D5E6-4D38-8263-1BD4ADA36DF7}">
-                <a16:creationId xmlns:a16="http://schemas.microsoft.com/office/drawing/2010/main" xmlns:vt="http://schemas.openxmlformats.org/officeDocument/2006/docPropsVTypes" xmlns:ns1="http://schemas.openxmlformats.org/officeDocument/2006/extended-properties" xmlns:cs="http://schemas.microsoft.com/office/drawing/2012/chartStyle" xmlns:c="http://schemas.openxmlformats.org/drawingml/2006/chart" xmlns="" id="{BA5B0BA1-7BF5-449D-99D5-B0FC461B804F}"/>
+                <a16:creationId xmlns="" xmlns:c="http://schemas.openxmlformats.org/drawingml/2006/chart" xmlns:cs="http://schemas.microsoft.com/office/drawing/2012/chartStyle" xmlns:ns1="http://schemas.openxmlformats.org/officeDocument/2006/extended-properties" xmlns:vt="http://schemas.openxmlformats.org/officeDocument/2006/docPropsVTypes" xmlns:a16="http://schemas.microsoft.com/office/drawing/2010/main" id="{BA5B0BA1-7BF5-449D-99D5-B0FC461B804F}"/>
               </a:ext>
             </a:extLst>
           </p:cNvPr>
@@ -4709,7 +4709,7 @@
           <p:cNvPr id="10" name="Slide Number Placeholder 3">
             <a:extLst>
               <a:ext uri="{6FAE8C66-44F0-4BDC-A8BA-6C864E4639BB}">
-                <a16:creationId xmlns:a16="http://schemas.microsoft.com/office/drawing/2010/main" xmlns:vt="http://schemas.openxmlformats.org/officeDocument/2006/docPropsVTypes" xmlns:ns1="http://schemas.openxmlformats.org/officeDocument/2006/extended-properties" xmlns:cs="http://schemas.microsoft.com/office/drawing/2012/chartStyle" xmlns:c="http://schemas.openxmlformats.org/drawingml/2006/chart" xmlns="" id="{70498507-0BBE-480A-A9A8-E5BA63C1D294}"/>
+                <a16:creationId xmlns="" xmlns:c="http://schemas.openxmlformats.org/drawingml/2006/chart" xmlns:cs="http://schemas.microsoft.com/office/drawing/2012/chartStyle" xmlns:ns1="http://schemas.openxmlformats.org/officeDocument/2006/extended-properties" xmlns:vt="http://schemas.openxmlformats.org/officeDocument/2006/docPropsVTypes" xmlns:a16="http://schemas.microsoft.com/office/drawing/2010/main" id="{70498507-0BBE-480A-A9A8-E5BA63C1D294}"/>
               </a:ext>
             </a:extLst>
           </p:cNvPr>
@@ -4737,7 +4737,7 @@
     </p:spTree>
     <p:extLst>
       <p:ext uri="{F1A2475A-6BB1-4BE0-9F16-A4A83CD70262}">
-        <p14:creationId xmlns:p14="http://schemas.microsoft.com/office/powerpoint/2010/main" xmlns:vt="http://schemas.openxmlformats.org/officeDocument/2006/docPropsVTypes" xmlns:ns1="http://schemas.openxmlformats.org/officeDocument/2006/extended-properties" xmlns:cs="http://schemas.microsoft.com/office/drawing/2012/chartStyle" xmlns:c="http://schemas.openxmlformats.org/drawingml/2006/chart" xmlns="" val="1648132718567"/>
+        <p14:creationId xmlns="" xmlns:c="http://schemas.openxmlformats.org/drawingml/2006/chart" xmlns:cs="http://schemas.microsoft.com/office/drawing/2012/chartStyle" xmlns:ns1="http://schemas.openxmlformats.org/officeDocument/2006/extended-properties" xmlns:vt="http://schemas.openxmlformats.org/officeDocument/2006/docPropsVTypes" xmlns:p14="http://schemas.microsoft.com/office/powerpoint/2010/main" val="1648132718567"/>
       </p:ext>
     </p:extLst>
   </p:cSld>
@@ -4769,7 +4769,7 @@
           <p:cNvPr id="2" name="Rectangle 1">
             <a:extLst>
               <a:ext uri="{281D4512-4319-4EE8-B083-29B654FFFBA1}">
-                <a16:creationId xmlns:a16="http://schemas.microsoft.com/office/drawing/2010/main" xmlns:vt="http://schemas.openxmlformats.org/officeDocument/2006/docPropsVTypes" xmlns:ns1="http://schemas.openxmlformats.org/officeDocument/2006/extended-properties" xmlns:cs="http://schemas.microsoft.com/office/drawing/2012/chartStyle" xmlns:c="http://schemas.openxmlformats.org/drawingml/2006/chart" xmlns="" id="{EAAD013F-0F59-4D20-90AE-00E8A988DBF8}"/>
+                <a16:creationId xmlns="" xmlns:c="http://schemas.openxmlformats.org/drawingml/2006/chart" xmlns:cs="http://schemas.microsoft.com/office/drawing/2012/chartStyle" xmlns:ns1="http://schemas.openxmlformats.org/officeDocument/2006/extended-properties" xmlns:vt="http://schemas.openxmlformats.org/officeDocument/2006/docPropsVTypes" xmlns:a16="http://schemas.microsoft.com/office/drawing/2010/main" id="{EAAD013F-0F59-4D20-90AE-00E8A988DBF8}"/>
               </a:ext>
             </a:extLst>
           </p:cNvPr>
@@ -4778,8 +4778,8 @@
         </p:nvSpPr>
         <p:spPr>
           <a:xfrm>
-            <a:off x="0" y="-9525"/>
-            <a:ext cx="381000" cy="5162550"/>
+            <a:off x="0" y="-16934"/>
+            <a:ext cx="214313" cy="9177867"/>
           </a:xfrm>
           <a:prstGeom prst="rect">
             <a:avLst/>
@@ -4815,7 +4815,7 @@
           <a:lstStyle/>
           <a:p>
             <a:pPr algn="ctr"/>
-            <a:endParaRPr lang="en-US" dirty="0"/>
+            <a:endParaRPr lang="en-US" sz="1013" dirty="0"/>
           </a:p>
         </p:txBody>
       </p:sp>
@@ -4824,7 +4824,7 @@
           <p:cNvPr id="3" name="Date Placeholder 1">
             <a:extLst>
               <a:ext uri="{8C80A0CA-E6E4-4F75-B3FD-5503D8EA2047}">
-                <a16:creationId xmlns:a16="http://schemas.microsoft.com/office/drawing/2010/main" xmlns:vt="http://schemas.openxmlformats.org/officeDocument/2006/docPropsVTypes" xmlns:ns1="http://schemas.openxmlformats.org/officeDocument/2006/extended-properties" xmlns:cs="http://schemas.microsoft.com/office/drawing/2012/chartStyle" xmlns:c="http://schemas.openxmlformats.org/drawingml/2006/chart" xmlns="" id="{B0520140-EFE0-4E9E-9A95-21AC7A061C09}"/>
+                <a16:creationId xmlns="" xmlns:c="http://schemas.openxmlformats.org/drawingml/2006/chart" xmlns:cs="http://schemas.microsoft.com/office/drawing/2012/chartStyle" xmlns:ns1="http://schemas.openxmlformats.org/officeDocument/2006/extended-properties" xmlns:vt="http://schemas.openxmlformats.org/officeDocument/2006/docPropsVTypes" xmlns:a16="http://schemas.microsoft.com/office/drawing/2010/main" id="{B0520140-EFE0-4E9E-9A95-21AC7A061C09}"/>
               </a:ext>
             </a:extLst>
           </p:cNvPr>
@@ -4854,7 +4854,7 @@
           <p:cNvPr id="4" name="Footer Placeholder 2">
             <a:extLst>
               <a:ext uri="{AD1F110F-1EB3-4A8E-A63D-522A95C2408D}">
-                <a16:creationId xmlns:a16="http://schemas.microsoft.com/office/drawing/2010/main" xmlns:vt="http://schemas.openxmlformats.org/officeDocument/2006/docPropsVTypes" xmlns:ns1="http://schemas.openxmlformats.org/officeDocument/2006/extended-properties" xmlns:cs="http://schemas.microsoft.com/office/drawing/2012/chartStyle" xmlns:c="http://schemas.openxmlformats.org/drawingml/2006/chart" xmlns="" id="{63D68434-4B19-40F9-BAF4-A5414896A08F}"/>
+                <a16:creationId xmlns="" xmlns:c="http://schemas.openxmlformats.org/drawingml/2006/chart" xmlns:cs="http://schemas.microsoft.com/office/drawing/2012/chartStyle" xmlns:ns1="http://schemas.openxmlformats.org/officeDocument/2006/extended-properties" xmlns:vt="http://schemas.openxmlformats.org/officeDocument/2006/docPropsVTypes" xmlns:a16="http://schemas.microsoft.com/office/drawing/2010/main" id="{63D68434-4B19-40F9-BAF4-A5414896A08F}"/>
               </a:ext>
             </a:extLst>
           </p:cNvPr>
@@ -4884,7 +4884,7 @@
           <p:cNvPr id="5" name="Slide Number Placeholder 3">
             <a:extLst>
               <a:ext uri="{5F71421F-A01F-4E2A-98AE-9576E19D9312}">
-                <a16:creationId xmlns:a16="http://schemas.microsoft.com/office/drawing/2010/main" xmlns:vt="http://schemas.openxmlformats.org/officeDocument/2006/docPropsVTypes" xmlns:ns1="http://schemas.openxmlformats.org/officeDocument/2006/extended-properties" xmlns:cs="http://schemas.microsoft.com/office/drawing/2012/chartStyle" xmlns:c="http://schemas.openxmlformats.org/drawingml/2006/chart" xmlns="" id="{40D15314-2D98-4C45-8266-A2352831E77C}"/>
+                <a16:creationId xmlns="" xmlns:c="http://schemas.openxmlformats.org/drawingml/2006/chart" xmlns:cs="http://schemas.microsoft.com/office/drawing/2012/chartStyle" xmlns:ns1="http://schemas.openxmlformats.org/officeDocument/2006/extended-properties" xmlns:vt="http://schemas.openxmlformats.org/officeDocument/2006/docPropsVTypes" xmlns:a16="http://schemas.microsoft.com/office/drawing/2010/main" id="{40D15314-2D98-4C45-8266-A2352831E77C}"/>
               </a:ext>
             </a:extLst>
           </p:cNvPr>
@@ -4912,7 +4912,7 @@
     </p:spTree>
     <p:extLst>
       <p:ext uri="{F73EB3C4-96AE-4CB8-BCD2-47B277263087}">
-        <p14:creationId xmlns:p14="http://schemas.microsoft.com/office/powerpoint/2010/main" xmlns:vt="http://schemas.openxmlformats.org/officeDocument/2006/docPropsVTypes" xmlns:ns1="http://schemas.openxmlformats.org/officeDocument/2006/extended-properties" xmlns:cs="http://schemas.microsoft.com/office/drawing/2012/chartStyle" xmlns:c="http://schemas.openxmlformats.org/drawingml/2006/chart" xmlns="" val="1648132718569"/>
+        <p14:creationId xmlns="" xmlns:c="http://schemas.openxmlformats.org/drawingml/2006/chart" xmlns:cs="http://schemas.microsoft.com/office/drawing/2012/chartStyle" xmlns:ns1="http://schemas.openxmlformats.org/officeDocument/2006/extended-properties" xmlns:vt="http://schemas.openxmlformats.org/officeDocument/2006/docPropsVTypes" xmlns:p14="http://schemas.microsoft.com/office/powerpoint/2010/main" val="1648132718569"/>
       </p:ext>
     </p:extLst>
   </p:cSld>
@@ -4944,7 +4944,7 @@
           <p:cNvPr id="2" name="Picture 1">
             <a:extLst>
               <a:ext uri="{C84EC66F-E84A-41EC-B44F-7C961C75946A}">
-                <a16:creationId xmlns:a16="http://schemas.microsoft.com/office/drawing/2010/main" xmlns:vt="http://schemas.openxmlformats.org/officeDocument/2006/docPropsVTypes" xmlns:ns1="http://schemas.openxmlformats.org/officeDocument/2006/extended-properties" xmlns:cs="http://schemas.microsoft.com/office/drawing/2012/chartStyle" xmlns:c="http://schemas.openxmlformats.org/drawingml/2006/chart" xmlns="" id="{A6D5069D-034F-492E-AF6F-260B00F1A634}"/>
+                <a16:creationId xmlns="" xmlns:c="http://schemas.openxmlformats.org/drawingml/2006/chart" xmlns:cs="http://schemas.microsoft.com/office/drawing/2012/chartStyle" xmlns:ns1="http://schemas.openxmlformats.org/officeDocument/2006/extended-properties" xmlns:vt="http://schemas.openxmlformats.org/officeDocument/2006/docPropsVTypes" xmlns:a16="http://schemas.microsoft.com/office/drawing/2010/main" id="{A6D5069D-034F-492E-AF6F-260B00F1A634}"/>
               </a:ext>
             </a:extLst>
           </p:cNvPr>
@@ -4961,8 +4961,8 @@
         </p:blipFill>
         <p:spPr>
           <a:xfrm>
-            <a:off x="5238750" y="0"/>
-            <a:ext cx="3905250" cy="5143500"/>
+            <a:off x="2946797" y="0"/>
+            <a:ext cx="2196703" cy="9144000"/>
           </a:xfrm>
           <a:prstGeom prst="rect">
             <a:avLst/>
@@ -4975,7 +4975,7 @@
           <p:cNvPr id="3" name="Rectangle 2">
             <a:extLst>
               <a:ext uri="{D9E7598D-A6FE-4289-88FF-7F9034D1D619}">
-                <a16:creationId xmlns:a16="http://schemas.microsoft.com/office/drawing/2010/main" xmlns:vt="http://schemas.openxmlformats.org/officeDocument/2006/docPropsVTypes" xmlns:ns1="http://schemas.openxmlformats.org/officeDocument/2006/extended-properties" xmlns:cs="http://schemas.microsoft.com/office/drawing/2012/chartStyle" xmlns:c="http://schemas.openxmlformats.org/drawingml/2006/chart" xmlns="" id="{C25E601A-EC27-43B1-8C5A-13A461C36B40}"/>
+                <a16:creationId xmlns="" xmlns:c="http://schemas.openxmlformats.org/drawingml/2006/chart" xmlns:cs="http://schemas.microsoft.com/office/drawing/2012/chartStyle" xmlns:ns1="http://schemas.openxmlformats.org/officeDocument/2006/extended-properties" xmlns:vt="http://schemas.openxmlformats.org/officeDocument/2006/docPropsVTypes" xmlns:a16="http://schemas.microsoft.com/office/drawing/2010/main" id="{C25E601A-EC27-43B1-8C5A-13A461C36B40}"/>
               </a:ext>
             </a:extLst>
           </p:cNvPr>
@@ -4984,8 +4984,8 @@
         </p:nvSpPr>
         <p:spPr>
           <a:xfrm>
-            <a:off x="5238750" y="0"/>
-            <a:ext cx="3905250" cy="5141128"/>
+            <a:off x="2946797" y="0"/>
+            <a:ext cx="2196703" cy="9139783"/>
           </a:xfrm>
           <a:prstGeom prst="rect">
             <a:avLst/>
@@ -5023,7 +5023,7 @@
           <a:lstStyle/>
           <a:p>
             <a:pPr algn="ctr"/>
-            <a:endParaRPr lang="en-US" dirty="0"/>
+            <a:endParaRPr lang="en-US" sz="1013" dirty="0"/>
           </a:p>
         </p:txBody>
       </p:sp>
@@ -5032,7 +5032,7 @@
           <p:cNvPr id="4" name="Rectangle 3">
             <a:extLst>
               <a:ext uri="{0DD46532-1A4B-494F-B089-CFAB2169E107}">
-                <a16:creationId xmlns:a16="http://schemas.microsoft.com/office/drawing/2010/main" xmlns:vt="http://schemas.openxmlformats.org/officeDocument/2006/docPropsVTypes" xmlns:ns1="http://schemas.openxmlformats.org/officeDocument/2006/extended-properties" xmlns:cs="http://schemas.microsoft.com/office/drawing/2012/chartStyle" xmlns:c="http://schemas.openxmlformats.org/drawingml/2006/chart" xmlns="" id="{A6E4782F-230D-401F-BB93-438C01584ECC}"/>
+                <a16:creationId xmlns="" xmlns:c="http://schemas.openxmlformats.org/drawingml/2006/chart" xmlns:cs="http://schemas.microsoft.com/office/drawing/2012/chartStyle" xmlns:ns1="http://schemas.openxmlformats.org/officeDocument/2006/extended-properties" xmlns:vt="http://schemas.openxmlformats.org/officeDocument/2006/docPropsVTypes" xmlns:a16="http://schemas.microsoft.com/office/drawing/2010/main" id="{A6E4782F-230D-401F-BB93-438C01584ECC}"/>
               </a:ext>
             </a:extLst>
           </p:cNvPr>
@@ -5041,8 +5041,8 @@
         </p:nvSpPr>
         <p:spPr>
           <a:xfrm>
-            <a:off x="0" y="-9525"/>
-            <a:ext cx="381000" cy="5162550"/>
+            <a:off x="0" y="-16934"/>
+            <a:ext cx="214313" cy="9177867"/>
           </a:xfrm>
           <a:prstGeom prst="rect">
             <a:avLst/>
@@ -5078,7 +5078,7 @@
           <a:lstStyle/>
           <a:p>
             <a:pPr algn="ctr"/>
-            <a:endParaRPr lang="en-US" dirty="0"/>
+            <a:endParaRPr lang="en-US" sz="1013" dirty="0"/>
           </a:p>
         </p:txBody>
       </p:sp>
@@ -5087,7 +5087,7 @@
           <p:cNvPr id="5" name="Title Placeholder 1">
             <a:extLst>
               <a:ext uri="{71EDC700-4EB5-437E-A94B-B2294D6D91BB}">
-                <a16:creationId xmlns:a16="http://schemas.microsoft.com/office/drawing/2010/main" xmlns:vt="http://schemas.openxmlformats.org/officeDocument/2006/docPropsVTypes" xmlns:ns1="http://schemas.openxmlformats.org/officeDocument/2006/extended-properties" xmlns:cs="http://schemas.microsoft.com/office/drawing/2012/chartStyle" xmlns:c="http://schemas.openxmlformats.org/drawingml/2006/chart" xmlns="" id="{9227755A-2675-4595-9CC4-D49D5E714E89}"/>
+                <a16:creationId xmlns="" xmlns:c="http://schemas.openxmlformats.org/drawingml/2006/chart" xmlns:cs="http://schemas.microsoft.com/office/drawing/2012/chartStyle" xmlns:ns1="http://schemas.openxmlformats.org/officeDocument/2006/extended-properties" xmlns:vt="http://schemas.openxmlformats.org/officeDocument/2006/docPropsVTypes" xmlns:a16="http://schemas.microsoft.com/office/drawing/2010/main" id="{9227755A-2675-4595-9CC4-D49D5E714E89}"/>
               </a:ext>
             </a:extLst>
           </p:cNvPr>
@@ -5100,8 +5100,8 @@
         </p:nvSpPr>
         <p:spPr>
           <a:xfrm>
-            <a:off x="1238250" y="476250"/>
-            <a:ext cx="3524250" cy="1095375"/>
+            <a:off x="696515" y="846668"/>
+            <a:ext cx="1982391" cy="1947333"/>
           </a:xfrm>
           <a:prstGeom prst="rect">
             <a:avLst/>
@@ -5123,7 +5123,7 @@
           <p:cNvPr id="6" name="Content Placeholder 2">
             <a:extLst>
               <a:ext uri="{59B582B1-CD39-4A7B-BF70-B487538669AE}">
-                <a16:creationId xmlns:a16="http://schemas.microsoft.com/office/drawing/2010/main" xmlns:vt="http://schemas.openxmlformats.org/officeDocument/2006/docPropsVTypes" xmlns:ns1="http://schemas.openxmlformats.org/officeDocument/2006/extended-properties" xmlns:cs="http://schemas.microsoft.com/office/drawing/2012/chartStyle" xmlns:c="http://schemas.openxmlformats.org/drawingml/2006/chart" xmlns="" id="{A173B04C-E3F9-4050-9AD8-C08DA3E50A07}"/>
+                <a16:creationId xmlns="" xmlns:c="http://schemas.openxmlformats.org/drawingml/2006/chart" xmlns:cs="http://schemas.microsoft.com/office/drawing/2012/chartStyle" xmlns:ns1="http://schemas.openxmlformats.org/officeDocument/2006/extended-properties" xmlns:vt="http://schemas.openxmlformats.org/officeDocument/2006/docPropsVTypes" xmlns:a16="http://schemas.microsoft.com/office/drawing/2010/main" id="{A173B04C-E3F9-4050-9AD8-C08DA3E50A07}"/>
               </a:ext>
             </a:extLst>
           </p:cNvPr>
@@ -5136,8 +5136,8 @@
         </p:nvSpPr>
         <p:spPr>
           <a:xfrm>
-            <a:off x="1238250" y="1693157"/>
-            <a:ext cx="3524250" cy="2593092"/>
+            <a:off x="696515" y="3010057"/>
+            <a:ext cx="1982391" cy="4609941"/>
           </a:xfrm>
         </p:spPr>
         <p:txBody>
@@ -5187,7 +5187,7 @@
           <p:cNvPr id="7" name="Text Placeholder 3">
             <a:extLst>
               <a:ext uri="{909FDB56-CE14-4A9C-9CB7-F12DA6CEF45A}">
-                <a16:creationId xmlns:a16="http://schemas.microsoft.com/office/drawing/2010/main" xmlns:vt="http://schemas.openxmlformats.org/officeDocument/2006/docPropsVTypes" xmlns:ns1="http://schemas.openxmlformats.org/officeDocument/2006/extended-properties" xmlns:cs="http://schemas.microsoft.com/office/drawing/2012/chartStyle" xmlns:c="http://schemas.openxmlformats.org/drawingml/2006/chart" xmlns="" id="{EF56D1C7-7EA8-4752-9890-197623B82872}"/>
+                <a16:creationId xmlns="" xmlns:c="http://schemas.openxmlformats.org/drawingml/2006/chart" xmlns:cs="http://schemas.microsoft.com/office/drawing/2012/chartStyle" xmlns:ns1="http://schemas.openxmlformats.org/officeDocument/2006/extended-properties" xmlns:vt="http://schemas.openxmlformats.org/officeDocument/2006/docPropsVTypes" xmlns:a16="http://schemas.microsoft.com/office/drawing/2010/main" id="{EF56D1C7-7EA8-4752-9890-197623B82872}"/>
               </a:ext>
             </a:extLst>
           </p:cNvPr>
@@ -5200,8 +5200,8 @@
         </p:nvSpPr>
         <p:spPr>
           <a:xfrm>
-            <a:off x="5715000" y="619125"/>
-            <a:ext cx="2952750" cy="3717389"/>
+            <a:off x="3214687" y="1100667"/>
+            <a:ext cx="1660922" cy="6608692"/>
           </a:xfrm>
         </p:spPr>
         <p:txBody>
@@ -5235,7 +5235,7 @@
           <p:cNvPr id="8" name="Date Placeholder 1">
             <a:extLst>
               <a:ext uri="{D04F8634-CE01-4DE9-96EA-838834DD629E}">
-                <a16:creationId xmlns:a16="http://schemas.microsoft.com/office/drawing/2010/main" xmlns:vt="http://schemas.openxmlformats.org/officeDocument/2006/docPropsVTypes" xmlns:ns1="http://schemas.openxmlformats.org/officeDocument/2006/extended-properties" xmlns:cs="http://schemas.microsoft.com/office/drawing/2012/chartStyle" xmlns:c="http://schemas.openxmlformats.org/drawingml/2006/chart" xmlns="" id="{A7140392-289E-4D2B-8415-F6E1E231D94A}"/>
+                <a16:creationId xmlns="" xmlns:c="http://schemas.openxmlformats.org/drawingml/2006/chart" xmlns:cs="http://schemas.microsoft.com/office/drawing/2012/chartStyle" xmlns:ns1="http://schemas.openxmlformats.org/officeDocument/2006/extended-properties" xmlns:vt="http://schemas.openxmlformats.org/officeDocument/2006/docPropsVTypes" xmlns:a16="http://schemas.microsoft.com/office/drawing/2010/main" id="{A7140392-289E-4D2B-8415-F6E1E231D94A}"/>
               </a:ext>
             </a:extLst>
           </p:cNvPr>
@@ -5265,7 +5265,7 @@
           <p:cNvPr id="9" name="Footer Placeholder 2">
             <a:extLst>
               <a:ext uri="{A3063647-DBA1-4250-A97A-2698267AD246}">
-                <a16:creationId xmlns:a16="http://schemas.microsoft.com/office/drawing/2010/main" xmlns:vt="http://schemas.openxmlformats.org/officeDocument/2006/docPropsVTypes" xmlns:ns1="http://schemas.openxmlformats.org/officeDocument/2006/extended-properties" xmlns:cs="http://schemas.microsoft.com/office/drawing/2012/chartStyle" xmlns:c="http://schemas.openxmlformats.org/drawingml/2006/chart" xmlns="" id="{80777E8C-02D4-497A-AB13-9D484B8E05E7}"/>
+                <a16:creationId xmlns="" xmlns:c="http://schemas.openxmlformats.org/drawingml/2006/chart" xmlns:cs="http://schemas.microsoft.com/office/drawing/2012/chartStyle" xmlns:ns1="http://schemas.openxmlformats.org/officeDocument/2006/extended-properties" xmlns:vt="http://schemas.openxmlformats.org/officeDocument/2006/docPropsVTypes" xmlns:a16="http://schemas.microsoft.com/office/drawing/2010/main" id="{80777E8C-02D4-497A-AB13-9D484B8E05E7}"/>
               </a:ext>
             </a:extLst>
           </p:cNvPr>
@@ -5295,7 +5295,7 @@
           <p:cNvPr id="10" name="Slide Number Placeholder 3">
             <a:extLst>
               <a:ext uri="{9C5563BB-8B42-4A06-9F62-F63DD3D95F92}">
-                <a16:creationId xmlns:a16="http://schemas.microsoft.com/office/drawing/2010/main" xmlns:vt="http://schemas.openxmlformats.org/officeDocument/2006/docPropsVTypes" xmlns:ns1="http://schemas.openxmlformats.org/officeDocument/2006/extended-properties" xmlns:cs="http://schemas.microsoft.com/office/drawing/2012/chartStyle" xmlns:c="http://schemas.openxmlformats.org/drawingml/2006/chart" xmlns="" id="{1651D9D7-C058-4CA3-9556-67EE25645C70}"/>
+                <a16:creationId xmlns="" xmlns:c="http://schemas.openxmlformats.org/drawingml/2006/chart" xmlns:cs="http://schemas.microsoft.com/office/drawing/2012/chartStyle" xmlns:ns1="http://schemas.openxmlformats.org/officeDocument/2006/extended-properties" xmlns:vt="http://schemas.openxmlformats.org/officeDocument/2006/docPropsVTypes" xmlns:a16="http://schemas.microsoft.com/office/drawing/2010/main" id="{1651D9D7-C058-4CA3-9556-67EE25645C70}"/>
               </a:ext>
             </a:extLst>
           </p:cNvPr>
@@ -5323,7 +5323,7 @@
     </p:spTree>
     <p:extLst>
       <p:ext uri="{56A4D003-3776-42EC-A76D-2B2C4F763705}">
-        <p14:creationId xmlns:p14="http://schemas.microsoft.com/office/powerpoint/2010/main" xmlns:vt="http://schemas.openxmlformats.org/officeDocument/2006/docPropsVTypes" xmlns:ns1="http://schemas.openxmlformats.org/officeDocument/2006/extended-properties" xmlns:cs="http://schemas.microsoft.com/office/drawing/2012/chartStyle" xmlns:c="http://schemas.openxmlformats.org/drawingml/2006/chart" xmlns="" val="1648132718572"/>
+        <p14:creationId xmlns="" xmlns:c="http://schemas.openxmlformats.org/drawingml/2006/chart" xmlns:cs="http://schemas.microsoft.com/office/drawing/2012/chartStyle" xmlns:ns1="http://schemas.openxmlformats.org/officeDocument/2006/extended-properties" xmlns:vt="http://schemas.openxmlformats.org/officeDocument/2006/docPropsVTypes" xmlns:p14="http://schemas.microsoft.com/office/powerpoint/2010/main" val="1648132718572"/>
       </p:ext>
     </p:extLst>
   </p:cSld>
@@ -5355,7 +5355,7 @@
           <p:cNvPr id="2" name="Rectangle 1">
             <a:extLst>
               <a:ext uri="{FCA5E19A-6162-4764-8840-C9D471377491}">
-                <a16:creationId xmlns:a16="http://schemas.microsoft.com/office/drawing/2010/main" xmlns:vt="http://schemas.openxmlformats.org/officeDocument/2006/docPropsVTypes" xmlns:ns1="http://schemas.openxmlformats.org/officeDocument/2006/extended-properties" xmlns:cs="http://schemas.microsoft.com/office/drawing/2012/chartStyle" xmlns:c="http://schemas.openxmlformats.org/drawingml/2006/chart" xmlns="" id="{82ED8283-54E4-47CA-BBC0-9C59F58D3184}"/>
+                <a16:creationId xmlns="" xmlns:c="http://schemas.openxmlformats.org/drawingml/2006/chart" xmlns:cs="http://schemas.microsoft.com/office/drawing/2012/chartStyle" xmlns:ns1="http://schemas.openxmlformats.org/officeDocument/2006/extended-properties" xmlns:vt="http://schemas.openxmlformats.org/officeDocument/2006/docPropsVTypes" xmlns:a16="http://schemas.microsoft.com/office/drawing/2010/main" id="{82ED8283-54E4-47CA-BBC0-9C59F58D3184}"/>
               </a:ext>
             </a:extLst>
           </p:cNvPr>
@@ -5364,8 +5364,8 @@
         </p:nvSpPr>
         <p:spPr>
           <a:xfrm>
-            <a:off x="0" y="-9525"/>
-            <a:ext cx="381000" cy="5162550"/>
+            <a:off x="0" y="-16934"/>
+            <a:ext cx="214313" cy="9177867"/>
           </a:xfrm>
           <a:prstGeom prst="rect">
             <a:avLst/>
@@ -5401,7 +5401,7 @@
           <a:lstStyle/>
           <a:p>
             <a:pPr algn="ctr"/>
-            <a:endParaRPr lang="en-US" dirty="0"/>
+            <a:endParaRPr lang="en-US" sz="1013" dirty="0"/>
           </a:p>
         </p:txBody>
       </p:sp>
@@ -5410,7 +5410,7 @@
           <p:cNvPr id="3" name="Group 2">
             <a:extLst>
               <a:ext uri="{ED579FAC-24F8-4701-BF9F-EAB039D337BF}">
-                <a16:creationId xmlns:a16="http://schemas.microsoft.com/office/drawing/2010/main" xmlns:vt="http://schemas.openxmlformats.org/officeDocument/2006/docPropsVTypes" xmlns:ns1="http://schemas.openxmlformats.org/officeDocument/2006/extended-properties" xmlns:cs="http://schemas.microsoft.com/office/drawing/2012/chartStyle" xmlns:c="http://schemas.openxmlformats.org/drawingml/2006/chart" xmlns="" id="{B4645EEF-11E3-4885-A678-8A38FF8EA65C}"/>
+                <a16:creationId xmlns="" xmlns:c="http://schemas.openxmlformats.org/drawingml/2006/chart" xmlns:cs="http://schemas.microsoft.com/office/drawing/2012/chartStyle" xmlns:ns1="http://schemas.openxmlformats.org/officeDocument/2006/extended-properties" xmlns:vt="http://schemas.openxmlformats.org/officeDocument/2006/docPropsVTypes" xmlns:a16="http://schemas.microsoft.com/office/drawing/2010/main" id="{B4645EEF-11E3-4885-A678-8A38FF8EA65C}"/>
               </a:ext>
             </a:extLst>
           </p:cNvPr>
@@ -5421,8 +5421,8 @@
         </p:nvGrpSpPr>
         <p:grpSpPr>
           <a:xfrm>
-            <a:off x="6724650" y="238125"/>
-            <a:ext cx="2571750" cy="4667250"/>
+            <a:off x="3782616" y="423334"/>
+            <a:ext cx="1446609" cy="8297333"/>
             <a:chOff x="6724650" y="238125"/>
             <a:chExt cx="2571750" cy="4667250"/>
           </a:xfrm>
@@ -5432,7 +5432,7 @@
             <p:cNvPr id="4" name="Rectangle 3">
               <a:extLst>
                 <a:ext uri="{6305F9FA-17D9-4A59-AB90-B79E40F35290}">
-                  <a16:creationId xmlns:a16="http://schemas.microsoft.com/office/drawing/2010/main" xmlns:vt="http://schemas.openxmlformats.org/officeDocument/2006/docPropsVTypes" xmlns:ns1="http://schemas.openxmlformats.org/officeDocument/2006/extended-properties" xmlns:cs="http://schemas.microsoft.com/office/drawing/2012/chartStyle" xmlns:c="http://schemas.openxmlformats.org/drawingml/2006/chart" xmlns="" id="{678C3512-2E93-4035-96DA-82AEBD312F85}"/>
+                  <a16:creationId xmlns="" xmlns:c="http://schemas.openxmlformats.org/drawingml/2006/chart" xmlns:cs="http://schemas.microsoft.com/office/drawing/2012/chartStyle" xmlns:ns1="http://schemas.openxmlformats.org/officeDocument/2006/extended-properties" xmlns:vt="http://schemas.openxmlformats.org/officeDocument/2006/docPropsVTypes" xmlns:a16="http://schemas.microsoft.com/office/drawing/2010/main" id="{678C3512-2E93-4035-96DA-82AEBD312F85}"/>
                 </a:ext>
               </a:extLst>
             </p:cNvPr>
@@ -5478,7 +5478,7 @@
             <a:lstStyle/>
             <a:p>
               <a:pPr algn="ctr"/>
-              <a:endParaRPr lang="en-US" dirty="0"/>
+              <a:endParaRPr lang="en-US" sz="1013" dirty="0"/>
             </a:p>
           </p:txBody>
         </p:sp>
@@ -5487,7 +5487,7 @@
             <p:cNvPr id="5" name="Rectangle 4">
               <a:extLst>
                 <a:ext uri="{2769FC23-D996-460D-B24F-6E54D5FB45B5}">
-                  <a16:creationId xmlns:a16="http://schemas.microsoft.com/office/drawing/2010/main" xmlns:vt="http://schemas.openxmlformats.org/officeDocument/2006/docPropsVTypes" xmlns:ns1="http://schemas.openxmlformats.org/officeDocument/2006/extended-properties" xmlns:cs="http://schemas.microsoft.com/office/drawing/2012/chartStyle" xmlns:c="http://schemas.openxmlformats.org/drawingml/2006/chart" xmlns="" id="{E23EC27F-3BCA-4A05-BFB7-894E298A34F9}"/>
+                  <a16:creationId xmlns="" xmlns:c="http://schemas.openxmlformats.org/drawingml/2006/chart" xmlns:cs="http://schemas.microsoft.com/office/drawing/2012/chartStyle" xmlns:ns1="http://schemas.openxmlformats.org/officeDocument/2006/extended-properties" xmlns:vt="http://schemas.openxmlformats.org/officeDocument/2006/docPropsVTypes" xmlns:a16="http://schemas.microsoft.com/office/drawing/2010/main" id="{E23EC27F-3BCA-4A05-BFB7-894E298A34F9}"/>
                 </a:ext>
               </a:extLst>
             </p:cNvPr>
@@ -5533,7 +5533,7 @@
             <a:lstStyle/>
             <a:p>
               <a:pPr algn="ctr"/>
-              <a:endParaRPr lang="en-US" dirty="0"/>
+              <a:endParaRPr lang="en-US" sz="1013" dirty="0"/>
             </a:p>
           </p:txBody>
         </p:sp>
@@ -5542,7 +5542,7 @@
             <p:cNvPr id="6" name="Rectangle 5">
               <a:extLst>
                 <a:ext uri="{7744C534-1C77-44BA-8C29-B840BAA6B1A1}">
-                  <a16:creationId xmlns:a16="http://schemas.microsoft.com/office/drawing/2010/main" xmlns:vt="http://schemas.openxmlformats.org/officeDocument/2006/docPropsVTypes" xmlns:ns1="http://schemas.openxmlformats.org/officeDocument/2006/extended-properties" xmlns:cs="http://schemas.microsoft.com/office/drawing/2012/chartStyle" xmlns:c="http://schemas.openxmlformats.org/drawingml/2006/chart" xmlns="" id="{ECB32318-EFEF-498D-9E88-05B6BFE2BCAA}"/>
+                  <a16:creationId xmlns="" xmlns:c="http://schemas.openxmlformats.org/drawingml/2006/chart" xmlns:cs="http://schemas.microsoft.com/office/drawing/2012/chartStyle" xmlns:ns1="http://schemas.openxmlformats.org/officeDocument/2006/extended-properties" xmlns:vt="http://schemas.openxmlformats.org/officeDocument/2006/docPropsVTypes" xmlns:a16="http://schemas.microsoft.com/office/drawing/2010/main" id="{ECB32318-EFEF-498D-9E88-05B6BFE2BCAA}"/>
                 </a:ext>
               </a:extLst>
             </p:cNvPr>
@@ -5588,7 +5588,7 @@
             <a:lstStyle/>
             <a:p>
               <a:pPr algn="ctr"/>
-              <a:endParaRPr lang="en-US" dirty="0"/>
+              <a:endParaRPr lang="en-US" sz="1013" dirty="0"/>
             </a:p>
           </p:txBody>
         </p:sp>
@@ -5598,7 +5598,7 @@
           <p:cNvPr id="7" name="Rectangle 6">
             <a:extLst>
               <a:ext uri="{44D68442-5364-4C16-A7D6-3F182769F28F}">
-                <a16:creationId xmlns:a16="http://schemas.microsoft.com/office/drawing/2010/main" xmlns:vt="http://schemas.openxmlformats.org/officeDocument/2006/docPropsVTypes" xmlns:ns1="http://schemas.openxmlformats.org/officeDocument/2006/extended-properties" xmlns:cs="http://schemas.microsoft.com/office/drawing/2012/chartStyle" xmlns:c="http://schemas.openxmlformats.org/drawingml/2006/chart" xmlns="" id="{B89ECEBB-E535-4C5A-87BD-669C0593EC21}"/>
+                <a16:creationId xmlns="" xmlns:c="http://schemas.openxmlformats.org/drawingml/2006/chart" xmlns:cs="http://schemas.microsoft.com/office/drawing/2012/chartStyle" xmlns:ns1="http://schemas.openxmlformats.org/officeDocument/2006/extended-properties" xmlns:vt="http://schemas.openxmlformats.org/officeDocument/2006/docPropsVTypes" xmlns:a16="http://schemas.microsoft.com/office/drawing/2010/main" id="{B89ECEBB-E535-4C5A-87BD-669C0593EC21}"/>
               </a:ext>
             </a:extLst>
           </p:cNvPr>
@@ -5607,8 +5607,8 @@
         </p:nvSpPr>
         <p:spPr>
           <a:xfrm>
-            <a:off x="5334000" y="714375"/>
-            <a:ext cx="3238500" cy="3714750"/>
+            <a:off x="3000375" y="1270000"/>
+            <a:ext cx="1821656" cy="6604000"/>
           </a:xfrm>
           <a:prstGeom prst="rect">
             <a:avLst/>
@@ -5648,7 +5648,7 @@
           <a:lstStyle/>
           <a:p>
             <a:pPr algn="ctr"/>
-            <a:endParaRPr lang="en-US" dirty="0"/>
+            <a:endParaRPr lang="en-US" sz="1013" dirty="0"/>
           </a:p>
         </p:txBody>
       </p:sp>
@@ -5657,7 +5657,7 @@
           <p:cNvPr id="8" name="Title Placeholder 1">
             <a:extLst>
               <a:ext uri="{7810A85D-53FD-4C0D-A0C7-9040803E06E7}">
-                <a16:creationId xmlns:a16="http://schemas.microsoft.com/office/drawing/2010/main" xmlns:vt="http://schemas.openxmlformats.org/officeDocument/2006/docPropsVTypes" xmlns:ns1="http://schemas.openxmlformats.org/officeDocument/2006/extended-properties" xmlns:cs="http://schemas.microsoft.com/office/drawing/2012/chartStyle" xmlns:c="http://schemas.openxmlformats.org/drawingml/2006/chart" xmlns="" id="{D902C4DB-1FE9-4148-908A-056628BA1FC2}"/>
+                <a16:creationId xmlns="" xmlns:c="http://schemas.openxmlformats.org/drawingml/2006/chart" xmlns:cs="http://schemas.microsoft.com/office/drawing/2012/chartStyle" xmlns:ns1="http://schemas.openxmlformats.org/officeDocument/2006/extended-properties" xmlns:vt="http://schemas.openxmlformats.org/officeDocument/2006/docPropsVTypes" xmlns:a16="http://schemas.microsoft.com/office/drawing/2010/main" id="{D902C4DB-1FE9-4148-908A-056628BA1FC2}"/>
               </a:ext>
             </a:extLst>
           </p:cNvPr>
@@ -5670,8 +5670,8 @@
         </p:nvSpPr>
         <p:spPr>
           <a:xfrm>
-            <a:off x="1238250" y="476250"/>
-            <a:ext cx="3524250" cy="1095375"/>
+            <a:off x="696515" y="846668"/>
+            <a:ext cx="1982391" cy="1947333"/>
           </a:xfrm>
           <a:prstGeom prst="rect">
             <a:avLst/>
@@ -5693,7 +5693,7 @@
           <p:cNvPr id="9" name="Text Placeholder 3">
             <a:extLst>
               <a:ext uri="{F3ECB195-7B50-4CB3-81B9-20AC5AFCAE53}">
-                <a16:creationId xmlns:a16="http://schemas.microsoft.com/office/drawing/2010/main" xmlns:vt="http://schemas.openxmlformats.org/officeDocument/2006/docPropsVTypes" xmlns:ns1="http://schemas.openxmlformats.org/officeDocument/2006/extended-properties" xmlns:cs="http://schemas.microsoft.com/office/drawing/2012/chartStyle" xmlns:c="http://schemas.openxmlformats.org/drawingml/2006/chart" xmlns="" id="{A84230C7-C29A-431A-BF4C-E370C36CC16F}"/>
+                <a16:creationId xmlns="" xmlns:c="http://schemas.openxmlformats.org/drawingml/2006/chart" xmlns:cs="http://schemas.microsoft.com/office/drawing/2012/chartStyle" xmlns:ns1="http://schemas.openxmlformats.org/officeDocument/2006/extended-properties" xmlns:vt="http://schemas.openxmlformats.org/officeDocument/2006/docPropsVTypes" xmlns:a16="http://schemas.microsoft.com/office/drawing/2010/main" id="{A84230C7-C29A-431A-BF4C-E370C36CC16F}"/>
               </a:ext>
             </a:extLst>
           </p:cNvPr>
@@ -5706,8 +5706,8 @@
         </p:nvSpPr>
         <p:spPr>
           <a:xfrm>
-            <a:off x="1238250" y="1685925"/>
-            <a:ext cx="3524250" cy="2590800"/>
+            <a:off x="696515" y="2997200"/>
+            <a:ext cx="1982391" cy="4605867"/>
           </a:xfrm>
         </p:spPr>
         <p:txBody>
@@ -5720,7 +5720,7 @@
                 <a:spcPct val="125000"/>
               </a:lnSpc>
               <a:buNone/>
-              <a:defRPr lang="en-US" sz="1800" dirty="0">
+              <a:defRPr lang="en-US" sz="1013" dirty="0">
                 <a:latin typeface="+mn-lt"/>
               </a:defRPr>
             </a:lvl1pPr>
@@ -5738,7 +5738,7 @@
           <p:cNvPr id="10" name="Picture Placeholder 2">
             <a:extLst>
               <a:ext uri="{4807373F-E231-48D5-8257-3FBF31BD1B63}">
-                <a16:creationId xmlns:a16="http://schemas.microsoft.com/office/drawing/2010/main" xmlns:vt="http://schemas.openxmlformats.org/officeDocument/2006/docPropsVTypes" xmlns:ns1="http://schemas.openxmlformats.org/officeDocument/2006/extended-properties" xmlns:cs="http://schemas.microsoft.com/office/drawing/2012/chartStyle" xmlns:c="http://schemas.openxmlformats.org/drawingml/2006/chart" xmlns="" id="{993B3A81-DF71-4157-811E-48D2A70F17FC}"/>
+                <a16:creationId xmlns="" xmlns:c="http://schemas.openxmlformats.org/drawingml/2006/chart" xmlns:cs="http://schemas.microsoft.com/office/drawing/2012/chartStyle" xmlns:ns1="http://schemas.openxmlformats.org/officeDocument/2006/extended-properties" xmlns:vt="http://schemas.openxmlformats.org/officeDocument/2006/docPropsVTypes" xmlns:a16="http://schemas.microsoft.com/office/drawing/2010/main" id="{993B3A81-DF71-4157-811E-48D2A70F17FC}"/>
               </a:ext>
             </a:extLst>
           </p:cNvPr>
@@ -5751,8 +5751,8 @@
         </p:nvSpPr>
         <p:spPr>
           <a:xfrm>
-            <a:off x="5381625" y="762000"/>
-            <a:ext cx="3143250" cy="3619500"/>
+            <a:off x="3027164" y="1354667"/>
+            <a:ext cx="1768078" cy="6434667"/>
           </a:xfrm>
           <a:ln w="38100">
             <a:noFill/>
@@ -5775,7 +5775,7 @@
           <p:cNvPr id="11" name="Date Placeholder 1">
             <a:extLst>
               <a:ext uri="{5F13A106-719D-4830-95F7-F6054B8063D3}">
-                <a16:creationId xmlns:a16="http://schemas.microsoft.com/office/drawing/2010/main" xmlns:vt="http://schemas.openxmlformats.org/officeDocument/2006/docPropsVTypes" xmlns:ns1="http://schemas.openxmlformats.org/officeDocument/2006/extended-properties" xmlns:cs="http://schemas.microsoft.com/office/drawing/2012/chartStyle" xmlns:c="http://schemas.openxmlformats.org/drawingml/2006/chart" xmlns="" id="{1ADD7757-F71B-4743-BC95-8258E8BD44B6}"/>
+                <a16:creationId xmlns="" xmlns:c="http://schemas.openxmlformats.org/drawingml/2006/chart" xmlns:cs="http://schemas.microsoft.com/office/drawing/2012/chartStyle" xmlns:ns1="http://schemas.openxmlformats.org/officeDocument/2006/extended-properties" xmlns:vt="http://schemas.openxmlformats.org/officeDocument/2006/docPropsVTypes" xmlns:a16="http://schemas.microsoft.com/office/drawing/2010/main" id="{1ADD7757-F71B-4743-BC95-8258E8BD44B6}"/>
               </a:ext>
             </a:extLst>
           </p:cNvPr>
@@ -5805,7 +5805,7 @@
           <p:cNvPr id="12" name="Footer Placeholder 3">
             <a:extLst>
               <a:ext uri="{6CBC684B-B737-4130-8547-773F1452A1B6}">
-                <a16:creationId xmlns:a16="http://schemas.microsoft.com/office/drawing/2010/main" xmlns:vt="http://schemas.openxmlformats.org/officeDocument/2006/docPropsVTypes" xmlns:ns1="http://schemas.openxmlformats.org/officeDocument/2006/extended-properties" xmlns:cs="http://schemas.microsoft.com/office/drawing/2012/chartStyle" xmlns:c="http://schemas.openxmlformats.org/drawingml/2006/chart" xmlns="" id="{B44B4131-36E1-4638-A556-7AAF9CF8AD79}"/>
+                <a16:creationId xmlns="" xmlns:c="http://schemas.openxmlformats.org/drawingml/2006/chart" xmlns:cs="http://schemas.microsoft.com/office/drawing/2012/chartStyle" xmlns:ns1="http://schemas.openxmlformats.org/officeDocument/2006/extended-properties" xmlns:vt="http://schemas.openxmlformats.org/officeDocument/2006/docPropsVTypes" xmlns:a16="http://schemas.microsoft.com/office/drawing/2010/main" id="{B44B4131-36E1-4638-A556-7AAF9CF8AD79}"/>
               </a:ext>
             </a:extLst>
           </p:cNvPr>
@@ -5835,7 +5835,7 @@
           <p:cNvPr id="13" name="Slide Number Placeholder 4">
             <a:extLst>
               <a:ext uri="{C3F02BB0-F907-4C8D-94CA-22ECA5F463F5}">
-                <a16:creationId xmlns:a16="http://schemas.microsoft.com/office/drawing/2010/main" xmlns:vt="http://schemas.openxmlformats.org/officeDocument/2006/docPropsVTypes" xmlns:ns1="http://schemas.openxmlformats.org/officeDocument/2006/extended-properties" xmlns:cs="http://schemas.microsoft.com/office/drawing/2012/chartStyle" xmlns:c="http://schemas.openxmlformats.org/drawingml/2006/chart" xmlns="" id="{1DF45A28-DE04-4D1E-B880-63FE40DE996C}"/>
+                <a16:creationId xmlns="" xmlns:c="http://schemas.openxmlformats.org/drawingml/2006/chart" xmlns:cs="http://schemas.microsoft.com/office/drawing/2012/chartStyle" xmlns:ns1="http://schemas.openxmlformats.org/officeDocument/2006/extended-properties" xmlns:vt="http://schemas.openxmlformats.org/officeDocument/2006/docPropsVTypes" xmlns:a16="http://schemas.microsoft.com/office/drawing/2010/main" id="{1DF45A28-DE04-4D1E-B880-63FE40DE996C}"/>
               </a:ext>
             </a:extLst>
           </p:cNvPr>
@@ -5863,7 +5863,7 @@
     </p:spTree>
     <p:extLst>
       <p:ext uri="{B1A00C96-22AA-4576-AF09-05A768110DB2}">
-        <p14:creationId xmlns:p14="http://schemas.microsoft.com/office/powerpoint/2010/main" xmlns:vt="http://schemas.openxmlformats.org/officeDocument/2006/docPropsVTypes" xmlns:ns1="http://schemas.openxmlformats.org/officeDocument/2006/extended-properties" xmlns:cs="http://schemas.microsoft.com/office/drawing/2012/chartStyle" xmlns:c="http://schemas.openxmlformats.org/drawingml/2006/chart" xmlns="" val="1648132718575"/>
+        <p14:creationId xmlns="" xmlns:c="http://schemas.openxmlformats.org/drawingml/2006/chart" xmlns:cs="http://schemas.microsoft.com/office/drawing/2012/chartStyle" xmlns:ns1="http://schemas.openxmlformats.org/officeDocument/2006/extended-properties" xmlns:vt="http://schemas.openxmlformats.org/officeDocument/2006/docPropsVTypes" xmlns:p14="http://schemas.microsoft.com/office/powerpoint/2010/main" val="1648132718575"/>
       </p:ext>
     </p:extLst>
   </p:cSld>
@@ -5900,7 +5900,7 @@
           <p:cNvPr id="2" name="Title Placeholder 1">
             <a:extLst>
               <a:ext uri="{12AE8222-1CA0-44E7-860E-38B34130410C}">
-                <a16:creationId xmlns:a16="http://schemas.microsoft.com/office/drawing/2010/main" xmlns:vt="http://schemas.openxmlformats.org/officeDocument/2006/docPropsVTypes" xmlns:ns1="http://schemas.openxmlformats.org/officeDocument/2006/extended-properties" xmlns:cs="http://schemas.microsoft.com/office/drawing/2012/chartStyle" xmlns:c="http://schemas.openxmlformats.org/drawingml/2006/chart" xmlns="" id="{C022ACBB-6171-471F-9AC2-9EF4C96531E8}"/>
+                <a16:creationId xmlns="" xmlns:c="http://schemas.openxmlformats.org/drawingml/2006/chart" xmlns:cs="http://schemas.microsoft.com/office/drawing/2012/chartStyle" xmlns:ns1="http://schemas.openxmlformats.org/officeDocument/2006/extended-properties" xmlns:vt="http://schemas.openxmlformats.org/officeDocument/2006/docPropsVTypes" xmlns:a16="http://schemas.microsoft.com/office/drawing/2010/main" id="{C022ACBB-6171-471F-9AC2-9EF4C96531E8}"/>
               </a:ext>
             </a:extLst>
           </p:cNvPr>
@@ -5913,8 +5913,8 @@
         </p:nvSpPr>
         <p:spPr>
           <a:xfrm>
-            <a:off x="1238250" y="477178"/>
-            <a:ext cx="7143750" cy="570571"/>
+            <a:off x="696516" y="848318"/>
+            <a:ext cx="4018359" cy="1014348"/>
           </a:xfrm>
           <a:prstGeom prst="rect">
             <a:avLst/>
@@ -5939,7 +5939,7 @@
           <p:cNvPr id="3" name="Text Placeholder 2">
             <a:extLst>
               <a:ext uri="{B19B0B7E-B3C8-4342-A0B6-C1A2F9C3409A}">
-                <a16:creationId xmlns:a16="http://schemas.microsoft.com/office/drawing/2010/main" xmlns:vt="http://schemas.openxmlformats.org/officeDocument/2006/docPropsVTypes" xmlns:ns1="http://schemas.openxmlformats.org/officeDocument/2006/extended-properties" xmlns:cs="http://schemas.microsoft.com/office/drawing/2012/chartStyle" xmlns:c="http://schemas.openxmlformats.org/drawingml/2006/chart" xmlns="" id="{AD47DBEC-8BE3-4404-9CC8-C36E804C4295}"/>
+                <a16:creationId xmlns="" xmlns:c="http://schemas.openxmlformats.org/drawingml/2006/chart" xmlns:cs="http://schemas.microsoft.com/office/drawing/2012/chartStyle" xmlns:ns1="http://schemas.openxmlformats.org/officeDocument/2006/extended-properties" xmlns:vt="http://schemas.openxmlformats.org/officeDocument/2006/docPropsVTypes" xmlns:a16="http://schemas.microsoft.com/office/drawing/2010/main" id="{AD47DBEC-8BE3-4404-9CC8-C36E804C4295}"/>
               </a:ext>
             </a:extLst>
           </p:cNvPr>
@@ -5952,8 +5952,8 @@
         </p:nvSpPr>
         <p:spPr>
           <a:xfrm>
-            <a:off x="1238250" y="1215397"/>
-            <a:ext cx="7143750" cy="3150380"/>
+            <a:off x="696516" y="2160706"/>
+            <a:ext cx="4018359" cy="5600676"/>
           </a:xfrm>
           <a:prstGeom prst="rect">
             <a:avLst/>
@@ -6006,7 +6006,7 @@
           <p:cNvPr id="4" name="Date Placeholder 3">
             <a:extLst>
               <a:ext uri="{C549D180-5626-4475-911B-3AF5807CC838}">
-                <a16:creationId xmlns:a16="http://schemas.microsoft.com/office/drawing/2010/main" xmlns:vt="http://schemas.openxmlformats.org/officeDocument/2006/docPropsVTypes" xmlns:ns1="http://schemas.openxmlformats.org/officeDocument/2006/extended-properties" xmlns:cs="http://schemas.microsoft.com/office/drawing/2012/chartStyle" xmlns:c="http://schemas.openxmlformats.org/drawingml/2006/chart" xmlns="" id="{E480DDC4-7264-457F-BD14-0DEDA73DB0F2}"/>
+                <a16:creationId xmlns="" xmlns:c="http://schemas.openxmlformats.org/drawingml/2006/chart" xmlns:cs="http://schemas.microsoft.com/office/drawing/2012/chartStyle" xmlns:ns1="http://schemas.openxmlformats.org/officeDocument/2006/extended-properties" xmlns:vt="http://schemas.openxmlformats.org/officeDocument/2006/docPropsVTypes" xmlns:a16="http://schemas.microsoft.com/office/drawing/2010/main" id="{E480DDC4-7264-457F-BD14-0DEDA73DB0F2}"/>
               </a:ext>
             </a:extLst>
           </p:cNvPr>
@@ -6019,8 +6019,8 @@
         </p:nvSpPr>
         <p:spPr>
           <a:xfrm>
-            <a:off x="7620000" y="4762500"/>
-            <a:ext cx="1524000" cy="381000"/>
+            <a:off x="4286250" y="8466667"/>
+            <a:ext cx="857250" cy="677333"/>
           </a:xfrm>
           <a:prstGeom prst="rect">
             <a:avLst/>
@@ -6030,7 +6030,7 @@
           <a:bodyPr vert="horz" lIns="91440" tIns="45720" rIns="91440" bIns="45720" rtlCol="0" anchor="ctr"/>
           <a:lstStyle>
             <a:lvl1pPr lvl="0" algn="r">
-              <a:defRPr lang="en-US" sz="900" b="0" i="0" dirty="0">
+              <a:defRPr lang="en-US" sz="506" b="0" i="0" dirty="0">
                 <a:solidFill>
                   <a:schemeClr val="bg1">
                     <a:lumMod val="65000"/>
@@ -6053,7 +6053,7 @@
           <p:cNvPr id="5" name="Footer Placeholder 4">
             <a:extLst>
               <a:ext uri="{71F0A3F9-D7B9-4214-8C17-1939E072E81A}">
-                <a16:creationId xmlns:a16="http://schemas.microsoft.com/office/drawing/2010/main" xmlns:vt="http://schemas.openxmlformats.org/officeDocument/2006/docPropsVTypes" xmlns:ns1="http://schemas.openxmlformats.org/officeDocument/2006/extended-properties" xmlns:cs="http://schemas.microsoft.com/office/drawing/2012/chartStyle" xmlns:c="http://schemas.openxmlformats.org/drawingml/2006/chart" xmlns="" id="{9EF2216D-96D1-4E72-A1B0-6EF4CF2B9717}"/>
+                <a16:creationId xmlns="" xmlns:c="http://schemas.openxmlformats.org/drawingml/2006/chart" xmlns:cs="http://schemas.microsoft.com/office/drawing/2012/chartStyle" xmlns:ns1="http://schemas.openxmlformats.org/officeDocument/2006/extended-properties" xmlns:vt="http://schemas.openxmlformats.org/officeDocument/2006/docPropsVTypes" xmlns:a16="http://schemas.microsoft.com/office/drawing/2010/main" id="{9EF2216D-96D1-4E72-A1B0-6EF4CF2B9717}"/>
               </a:ext>
             </a:extLst>
           </p:cNvPr>
@@ -6066,8 +6066,8 @@
         </p:nvSpPr>
         <p:spPr>
           <a:xfrm>
-            <a:off x="1238250" y="4762500"/>
-            <a:ext cx="4762500" cy="381000"/>
+            <a:off x="696516" y="8466667"/>
+            <a:ext cx="2678906" cy="677333"/>
           </a:xfrm>
           <a:prstGeom prst="rect">
             <a:avLst/>
@@ -6077,7 +6077,7 @@
           <a:bodyPr vert="horz" lIns="91440" tIns="45720" rIns="91440" bIns="45720" rtlCol="0" anchor="ctr"/>
           <a:lstStyle>
             <a:lvl1pPr lvl="0" algn="l">
-              <a:defRPr lang="en-US" sz="900" b="0" i="0" dirty="0">
+              <a:defRPr lang="en-US" sz="506" b="0" i="0" dirty="0">
                 <a:solidFill>
                   <a:schemeClr val="bg1">
                     <a:lumMod val="65000"/>
@@ -6100,7 +6100,7 @@
           <p:cNvPr id="6" name="Slide Number Placeholder 5">
             <a:extLst>
               <a:ext uri="{60BB0762-C197-4CE1-9F41-AC45F2DBDFF5}">
-                <a16:creationId xmlns:a16="http://schemas.microsoft.com/office/drawing/2010/main" xmlns:vt="http://schemas.openxmlformats.org/officeDocument/2006/docPropsVTypes" xmlns:ns1="http://schemas.openxmlformats.org/officeDocument/2006/extended-properties" xmlns:cs="http://schemas.microsoft.com/office/drawing/2012/chartStyle" xmlns:c="http://schemas.openxmlformats.org/drawingml/2006/chart" xmlns="" id="{7CB3FC66-8175-4D7F-8AF4-7BF903C684F1}"/>
+                <a16:creationId xmlns="" xmlns:c="http://schemas.openxmlformats.org/drawingml/2006/chart" xmlns:cs="http://schemas.microsoft.com/office/drawing/2012/chartStyle" xmlns:ns1="http://schemas.openxmlformats.org/officeDocument/2006/extended-properties" xmlns:vt="http://schemas.openxmlformats.org/officeDocument/2006/docPropsVTypes" xmlns:a16="http://schemas.microsoft.com/office/drawing/2010/main" id="{7CB3FC66-8175-4D7F-8AF4-7BF903C684F1}"/>
               </a:ext>
             </a:extLst>
           </p:cNvPr>
@@ -6113,8 +6113,8 @@
         </p:nvSpPr>
         <p:spPr>
           <a:xfrm>
-            <a:off x="0" y="4762500"/>
-            <a:ext cx="381000" cy="381000"/>
+            <a:off x="0" y="8466667"/>
+            <a:ext cx="214313" cy="677333"/>
           </a:xfrm>
           <a:prstGeom prst="rect">
             <a:avLst/>
@@ -6124,7 +6124,7 @@
           <a:bodyPr vert="horz" lIns="91440" tIns="45720" rIns="91440" bIns="45720" rtlCol="0" anchor="ctr"/>
           <a:lstStyle>
             <a:lvl1pPr lvl="0" algn="ctr">
-              <a:defRPr lang="en-US" sz="900" b="0" i="0" dirty="0">
+              <a:defRPr lang="en-US" sz="506" b="0" i="0" dirty="0">
                 <a:solidFill>
                   <a:schemeClr val="bg1">
                     <a:lumMod val="65000"/>
@@ -6147,7 +6147,7 @@
           <p:cNvPr id="7" name="Group 6">
             <a:extLst>
               <a:ext uri="{5363D705-4F87-44A9-ADC6-A7BFA7AC6557}">
-                <a16:creationId xmlns:a16="http://schemas.microsoft.com/office/drawing/2010/main" xmlns:vt="http://schemas.openxmlformats.org/officeDocument/2006/docPropsVTypes" xmlns:ns1="http://schemas.openxmlformats.org/officeDocument/2006/extended-properties" xmlns:cs="http://schemas.microsoft.com/office/drawing/2012/chartStyle" xmlns:c="http://schemas.openxmlformats.org/drawingml/2006/chart" xmlns="" id="{15593D4B-994F-4587-B430-AB70DA4ED4A1}"/>
+                <a16:creationId xmlns="" xmlns:c="http://schemas.openxmlformats.org/drawingml/2006/chart" xmlns:cs="http://schemas.microsoft.com/office/drawing/2012/chartStyle" xmlns:ns1="http://schemas.openxmlformats.org/officeDocument/2006/extended-properties" xmlns:vt="http://schemas.openxmlformats.org/officeDocument/2006/docPropsVTypes" xmlns:a16="http://schemas.microsoft.com/office/drawing/2010/main" id="{15593D4B-994F-4587-B430-AB70DA4ED4A1}"/>
               </a:ext>
             </a:extLst>
           </p:cNvPr>
@@ -6158,8 +6158,8 @@
         </p:nvGrpSpPr>
         <p:grpSpPr>
           <a:xfrm>
-            <a:off x="819150" y="276225"/>
-            <a:ext cx="666750" cy="672085"/>
+            <a:off x="460772" y="491067"/>
+            <a:ext cx="375047" cy="1194818"/>
             <a:chOff x="819150" y="276225"/>
             <a:chExt cx="666750" cy="672085"/>
           </a:xfrm>
@@ -6169,7 +6169,7 @@
             <p:cNvPr id="8" name="Rectangle 7">
               <a:extLst>
                 <a:ext uri="{51161460-BEFF-4366-AEF8-E4ED2D66E03B}">
-                  <a16:creationId xmlns:a16="http://schemas.microsoft.com/office/drawing/2010/main" xmlns:vt="http://schemas.openxmlformats.org/officeDocument/2006/docPropsVTypes" xmlns:ns1="http://schemas.openxmlformats.org/officeDocument/2006/extended-properties" xmlns:cs="http://schemas.microsoft.com/office/drawing/2012/chartStyle" xmlns:c="http://schemas.openxmlformats.org/drawingml/2006/chart" xmlns="" id="{722E7B59-206E-49E6-97E8-06BAA8FD5245}"/>
+                  <a16:creationId xmlns="" xmlns:c="http://schemas.openxmlformats.org/drawingml/2006/chart" xmlns:cs="http://schemas.microsoft.com/office/drawing/2012/chartStyle" xmlns:ns1="http://schemas.openxmlformats.org/officeDocument/2006/extended-properties" xmlns:vt="http://schemas.openxmlformats.org/officeDocument/2006/docPropsVTypes" xmlns:a16="http://schemas.microsoft.com/office/drawing/2010/main" id="{722E7B59-206E-49E6-97E8-06BAA8FD5245}"/>
                 </a:ext>
               </a:extLst>
             </p:cNvPr>
@@ -6214,7 +6214,7 @@
             <a:lstStyle/>
             <a:p>
               <a:pPr algn="ctr"/>
-              <a:endParaRPr lang="en-US" dirty="0"/>
+              <a:endParaRPr lang="en-US" sz="1013" dirty="0"/>
             </a:p>
           </p:txBody>
         </p:sp>
@@ -6223,7 +6223,7 @@
             <p:cNvPr id="9" name="Rectangle 8">
               <a:extLst>
                 <a:ext uri="{A3E3770B-13CA-401E-BFBC-D744897DB45C}">
-                  <a16:creationId xmlns:a16="http://schemas.microsoft.com/office/drawing/2010/main" xmlns:vt="http://schemas.openxmlformats.org/officeDocument/2006/docPropsVTypes" xmlns:ns1="http://schemas.openxmlformats.org/officeDocument/2006/extended-properties" xmlns:cs="http://schemas.microsoft.com/office/drawing/2012/chartStyle" xmlns:c="http://schemas.openxmlformats.org/drawingml/2006/chart" xmlns="" id="{165BE24A-28A2-4519-9A4D-BC5EB969B1A3}"/>
+                  <a16:creationId xmlns="" xmlns:c="http://schemas.openxmlformats.org/drawingml/2006/chart" xmlns:cs="http://schemas.microsoft.com/office/drawing/2012/chartStyle" xmlns:ns1="http://schemas.openxmlformats.org/officeDocument/2006/extended-properties" xmlns:vt="http://schemas.openxmlformats.org/officeDocument/2006/docPropsVTypes" xmlns:a16="http://schemas.microsoft.com/office/drawing/2010/main" id="{165BE24A-28A2-4519-9A4D-BC5EB969B1A3}"/>
                 </a:ext>
               </a:extLst>
             </p:cNvPr>
@@ -6268,7 +6268,7 @@
             <a:lstStyle/>
             <a:p>
               <a:pPr algn="ctr"/>
-              <a:endParaRPr lang="en-US" dirty="0"/>
+              <a:endParaRPr lang="en-US" sz="1013" dirty="0"/>
             </a:p>
           </p:txBody>
         </p:sp>
@@ -6277,7 +6277,7 @@
             <p:cNvPr id="10" name="Rectangle 9">
               <a:extLst>
                 <a:ext uri="{54EFFC35-F531-4455-AAF5-2844DF181F09}">
-                  <a16:creationId xmlns:a16="http://schemas.microsoft.com/office/drawing/2010/main" xmlns:vt="http://schemas.openxmlformats.org/officeDocument/2006/docPropsVTypes" xmlns:ns1="http://schemas.openxmlformats.org/officeDocument/2006/extended-properties" xmlns:cs="http://schemas.microsoft.com/office/drawing/2012/chartStyle" xmlns:c="http://schemas.openxmlformats.org/drawingml/2006/chart" xmlns="" id="{E5C1FE23-9CE4-49D8-83DB-E1E29BCDCD12}"/>
+                  <a16:creationId xmlns="" xmlns:c="http://schemas.openxmlformats.org/drawingml/2006/chart" xmlns:cs="http://schemas.microsoft.com/office/drawing/2012/chartStyle" xmlns:ns1="http://schemas.openxmlformats.org/officeDocument/2006/extended-properties" xmlns:vt="http://schemas.openxmlformats.org/officeDocument/2006/docPropsVTypes" xmlns:a16="http://schemas.microsoft.com/office/drawing/2010/main" id="{E5C1FE23-9CE4-49D8-83DB-E1E29BCDCD12}"/>
                 </a:ext>
               </a:extLst>
             </p:cNvPr>
@@ -6322,7 +6322,7 @@
             <a:lstStyle/>
             <a:p>
               <a:pPr algn="ctr"/>
-              <a:endParaRPr lang="en-US" dirty="0"/>
+              <a:endParaRPr lang="en-US" sz="1013" dirty="0"/>
             </a:p>
           </p:txBody>
         </p:sp>
@@ -6331,7 +6331,7 @@
             <p:cNvPr id="11" name="Rectangle 10">
               <a:extLst>
                 <a:ext uri="{221209B7-3B83-4E33-9D5D-2D3C157464F1}">
-                  <a16:creationId xmlns:a16="http://schemas.microsoft.com/office/drawing/2010/main" xmlns:vt="http://schemas.openxmlformats.org/officeDocument/2006/docPropsVTypes" xmlns:ns1="http://schemas.openxmlformats.org/officeDocument/2006/extended-properties" xmlns:cs="http://schemas.microsoft.com/office/drawing/2012/chartStyle" xmlns:c="http://schemas.openxmlformats.org/drawingml/2006/chart" xmlns="" id="{AF96B167-DE51-47A4-BE30-4C68F6920376}"/>
+                  <a16:creationId xmlns="" xmlns:c="http://schemas.openxmlformats.org/drawingml/2006/chart" xmlns:cs="http://schemas.microsoft.com/office/drawing/2012/chartStyle" xmlns:ns1="http://schemas.openxmlformats.org/officeDocument/2006/extended-properties" xmlns:vt="http://schemas.openxmlformats.org/officeDocument/2006/docPropsVTypes" xmlns:a16="http://schemas.microsoft.com/office/drawing/2010/main" id="{AF96B167-DE51-47A4-BE30-4C68F6920376}"/>
                 </a:ext>
               </a:extLst>
             </p:cNvPr>
@@ -6376,7 +6376,7 @@
             <a:lstStyle/>
             <a:p>
               <a:pPr algn="ctr"/>
-              <a:endParaRPr lang="en-US" dirty="0"/>
+              <a:endParaRPr lang="en-US" sz="1013" dirty="0"/>
             </a:p>
           </p:txBody>
         </p:sp>
@@ -6408,7 +6408,7 @@
           <a:spcPct val="0"/>
         </a:spcBef>
         <a:buNone/>
-        <a:defRPr lang="en-US" sz="3200" b="1" i="0" dirty="0">
+        <a:defRPr lang="en-US" sz="1800" b="1" i="0" dirty="0">
           <a:solidFill>
             <a:schemeClr val="tx2"/>
           </a:solidFill>
@@ -6417,9 +6417,9 @@
       </a:lvl1pPr>
     </p:titleStyle>
     <p:bodyStyle>
-      <a:lvl1pPr marL="342900" lvl="0" indent="-342900" algn="l" rtl="0">
+      <a:lvl1pPr marL="192881" lvl="0" indent="-192881" algn="l" rtl="0">
         <a:spcBef>
-          <a:spcPts val="1200"/>
+          <a:spcPts val="675"/>
         </a:spcBef>
         <a:buClr>
           <a:schemeClr val="tx1">
@@ -6429,7 +6429,7 @@
         </a:buClr>
         <a:buFont typeface="Source Sans Pro"/>
         <a:buChar char="⇢"/>
-        <a:defRPr lang="en-US" sz="1800" b="0" i="0" dirty="0">
+        <a:defRPr lang="en-US" sz="1013" b="0" i="0" dirty="0">
           <a:solidFill>
             <a:schemeClr val="tx1">
               <a:lumMod val="85000"/>
@@ -6439,7 +6439,7 @@
           <a:latin typeface="+mn-lt"/>
         </a:defRPr>
       </a:lvl1pPr>
-      <a:lvl2pPr marL="742950" lvl="1" indent="-285750" algn="l" rtl="0">
+      <a:lvl2pPr marL="417909" lvl="1" indent="-160734" algn="l" rtl="0">
         <a:spcBef>
           <a:spcPct val="20000"/>
         </a:spcBef>
@@ -6448,7 +6448,7 @@
         </a:buClr>
         <a:buFont typeface="Arial"/>
         <a:buChar char="-"/>
-        <a:defRPr lang="en-US" sz="1600" b="0" i="0" dirty="0">
+        <a:defRPr lang="en-US" sz="900" b="0" i="0" dirty="0">
           <a:solidFill>
             <a:schemeClr val="tx1">
               <a:lumMod val="50000"/>
@@ -6458,7 +6458,7 @@
           <a:latin typeface="+mn-lt"/>
         </a:defRPr>
       </a:lvl2pPr>
-      <a:lvl3pPr marL="1143000" lvl="2" indent="-228600" algn="l" rtl="0">
+      <a:lvl3pPr marL="642938" lvl="2" indent="-128588" algn="l" rtl="0">
         <a:spcBef>
           <a:spcPct val="20000"/>
         </a:spcBef>
@@ -6467,7 +6467,7 @@
         </a:buClr>
         <a:buFont typeface="Arial"/>
         <a:buChar char="•"/>
-        <a:defRPr lang="en-US" sz="1400" b="0" i="0" dirty="0">
+        <a:defRPr lang="en-US" sz="788" b="0" i="0" dirty="0">
           <a:solidFill>
             <a:schemeClr val="tx1">
               <a:lumMod val="50000"/>
@@ -6477,7 +6477,7 @@
           <a:latin typeface="+mn-lt"/>
         </a:defRPr>
       </a:lvl3pPr>
-      <a:lvl4pPr marL="1600200" lvl="3" indent="-228600" algn="l" rtl="0">
+      <a:lvl4pPr marL="900113" lvl="3" indent="-128588" algn="l" rtl="0">
         <a:spcBef>
           <a:spcPct val="20000"/>
         </a:spcBef>
@@ -6486,7 +6486,7 @@
         </a:buClr>
         <a:buFont typeface="Arial"/>
         <a:buChar char="-"/>
-        <a:defRPr lang="en-US" sz="1200" b="0" i="0" dirty="0">
+        <a:defRPr lang="en-US" sz="675" b="0" i="0" dirty="0">
           <a:solidFill>
             <a:schemeClr val="tx1">
               <a:lumMod val="50000"/>
@@ -6496,7 +6496,7 @@
           <a:latin typeface="+mn-lt"/>
         </a:defRPr>
       </a:lvl4pPr>
-      <a:lvl5pPr marL="2057400" lvl="4" indent="-228600" algn="l" rtl="0">
+      <a:lvl5pPr marL="1157288" lvl="4" indent="-128588" algn="l" rtl="0">
         <a:spcBef>
           <a:spcPct val="20000"/>
         </a:spcBef>
@@ -6505,7 +6505,7 @@
         </a:buClr>
         <a:buFont typeface="Arial"/>
         <a:buChar char="•"/>
-        <a:defRPr lang="en-US" sz="1100" b="0" i="0" dirty="0">
+        <a:defRPr lang="en-US" sz="619" b="0" i="0" dirty="0">
           <a:solidFill>
             <a:schemeClr val="tx1">
               <a:lumMod val="50000"/>
@@ -6515,13 +6515,13 @@
           <a:latin typeface="+mn-lt"/>
         </a:defRPr>
       </a:lvl5pPr>
-      <a:lvl6pPr marL="2514600" lvl="5" indent="-228600" algn="l" rtl="0">
+      <a:lvl6pPr marL="1414463" lvl="5" indent="-128588" algn="l" rtl="0">
         <a:spcBef>
           <a:spcPct val="20000"/>
         </a:spcBef>
         <a:buFont typeface="Arial"/>
         <a:buChar char="•"/>
-        <a:defRPr lang="en-US" sz="1100" b="0" dirty="0">
+        <a:defRPr lang="en-US" sz="619" b="0" dirty="0">
           <a:solidFill>
             <a:schemeClr val="tx1">
               <a:lumMod val="50000"/>
@@ -6531,13 +6531,13 @@
           <a:latin typeface="+mn-lt"/>
         </a:defRPr>
       </a:lvl6pPr>
-      <a:lvl7pPr marL="2971800" lvl="6" indent="-228600" algn="l" rtl="0">
+      <a:lvl7pPr marL="1671638" lvl="6" indent="-128588" algn="l" rtl="0">
         <a:spcBef>
           <a:spcPct val="20000"/>
         </a:spcBef>
         <a:buFont typeface="Arial"/>
         <a:buChar char="•"/>
-        <a:defRPr lang="en-US" sz="1100" b="0" dirty="0">
+        <a:defRPr lang="en-US" sz="619" b="0" dirty="0">
           <a:solidFill>
             <a:schemeClr val="tx1">
               <a:lumMod val="50000"/>
@@ -6547,13 +6547,13 @@
           <a:latin typeface="+mn-lt"/>
         </a:defRPr>
       </a:lvl7pPr>
-      <a:lvl8pPr marL="3429000" lvl="7" indent="-228600" algn="l" rtl="0">
+      <a:lvl8pPr marL="1928813" lvl="7" indent="-128588" algn="l" rtl="0">
         <a:spcBef>
           <a:spcPct val="20000"/>
         </a:spcBef>
         <a:buFont typeface="Arial"/>
         <a:buChar char="•"/>
-        <a:defRPr lang="en-US" sz="1100" b="0" dirty="0">
+        <a:defRPr lang="en-US" sz="619" b="0" dirty="0">
           <a:solidFill>
             <a:schemeClr val="tx1">
               <a:lumMod val="50000"/>
@@ -6563,13 +6563,13 @@
           <a:latin typeface="+mn-lt"/>
         </a:defRPr>
       </a:lvl8pPr>
-      <a:lvl9pPr marL="3886200" lvl="8" indent="-228600" algn="l" rtl="0">
+      <a:lvl9pPr marL="2185988" lvl="8" indent="-128588" algn="l" rtl="0">
         <a:spcBef>
           <a:spcPct val="20000"/>
         </a:spcBef>
         <a:buFont typeface="Arial"/>
         <a:buChar char="•"/>
-        <a:defRPr lang="en-US" sz="1100" b="0" dirty="0">
+        <a:defRPr lang="en-US" sz="619" b="0" dirty="0">
           <a:solidFill>
             <a:schemeClr val="tx1">
               <a:lumMod val="50000"/>
@@ -6582,71 +6582,71 @@
     </p:bodyStyle>
     <p:otherStyle>
       <a:lvl1pPr marL="0" lvl="0" algn="l" rtl="0">
-        <a:defRPr lang="en-US" sz="1800" dirty="0">
+        <a:defRPr lang="en-US" sz="1013" dirty="0">
           <a:solidFill>
             <a:schemeClr val="tx1"/>
           </a:solidFill>
           <a:latin typeface="+mn-lt"/>
         </a:defRPr>
       </a:lvl1pPr>
-      <a:lvl2pPr marL="457200" lvl="1" algn="l" rtl="0">
-        <a:defRPr lang="en-US" sz="1800" dirty="0">
+      <a:lvl2pPr marL="257175" lvl="1" algn="l" rtl="0">
+        <a:defRPr lang="en-US" sz="1013" dirty="0">
           <a:solidFill>
             <a:schemeClr val="tx1"/>
           </a:solidFill>
           <a:latin typeface="+mn-lt"/>
         </a:defRPr>
       </a:lvl2pPr>
-      <a:lvl3pPr marL="914400" lvl="2" algn="l" rtl="0">
-        <a:defRPr lang="en-US" sz="1800" dirty="0">
+      <a:lvl3pPr marL="514350" lvl="2" algn="l" rtl="0">
+        <a:defRPr lang="en-US" sz="1013" dirty="0">
           <a:solidFill>
             <a:schemeClr val="tx1"/>
           </a:solidFill>
           <a:latin typeface="+mn-lt"/>
         </a:defRPr>
       </a:lvl3pPr>
-      <a:lvl4pPr marL="1371600" lvl="3" algn="l" rtl="0">
-        <a:defRPr lang="en-US" sz="1800" dirty="0">
+      <a:lvl4pPr marL="771525" lvl="3" algn="l" rtl="0">
+        <a:defRPr lang="en-US" sz="1013" dirty="0">
           <a:solidFill>
             <a:schemeClr val="tx1"/>
           </a:solidFill>
           <a:latin typeface="+mn-lt"/>
         </a:defRPr>
       </a:lvl4pPr>
-      <a:lvl5pPr marL="1828800" lvl="4" algn="l" rtl="0">
-        <a:defRPr lang="en-US" sz="1800" dirty="0">
+      <a:lvl5pPr marL="1028700" lvl="4" algn="l" rtl="0">
+        <a:defRPr lang="en-US" sz="1013" dirty="0">
           <a:solidFill>
             <a:schemeClr val="tx1"/>
           </a:solidFill>
           <a:latin typeface="+mn-lt"/>
         </a:defRPr>
       </a:lvl5pPr>
-      <a:lvl6pPr marL="2286000" lvl="5" algn="l" rtl="0">
-        <a:defRPr lang="en-US" sz="1800" dirty="0">
+      <a:lvl6pPr marL="1285875" lvl="5" algn="l" rtl="0">
+        <a:defRPr lang="en-US" sz="1013" dirty="0">
           <a:solidFill>
             <a:schemeClr val="tx1"/>
           </a:solidFill>
           <a:latin typeface="+mn-lt"/>
         </a:defRPr>
       </a:lvl6pPr>
-      <a:lvl7pPr marL="2743200" lvl="6" algn="l" rtl="0">
-        <a:defRPr lang="en-US" sz="1800" dirty="0">
+      <a:lvl7pPr marL="1543050" lvl="6" algn="l" rtl="0">
+        <a:defRPr lang="en-US" sz="1013" dirty="0">
           <a:solidFill>
             <a:schemeClr val="tx1"/>
           </a:solidFill>
           <a:latin typeface="+mn-lt"/>
         </a:defRPr>
       </a:lvl7pPr>
-      <a:lvl8pPr marL="3200400" lvl="7" algn="l" rtl="0">
-        <a:defRPr lang="en-US" sz="1800" dirty="0">
+      <a:lvl8pPr marL="1800225" lvl="7" algn="l" rtl="0">
+        <a:defRPr lang="en-US" sz="1013" dirty="0">
           <a:solidFill>
             <a:schemeClr val="tx1"/>
           </a:solidFill>
           <a:latin typeface="+mn-lt"/>
         </a:defRPr>
       </a:lvl8pPr>
-      <a:lvl9pPr marL="3657600" lvl="8" algn="l" rtl="0">
-        <a:defRPr lang="en-US" sz="1800" dirty="0">
+      <a:lvl9pPr marL="2057400" lvl="8" algn="l" rtl="0">
+        <a:defRPr lang="en-US" sz="1013" dirty="0">
           <a:solidFill>
             <a:schemeClr val="tx1"/>
           </a:solidFill>
@@ -6661,6 +6661,18 @@
 <file path=ppt/slides/slide1.xml><?xml version="1.0" encoding="utf-8"?>
 <p:sld xmlns:a="http://schemas.openxmlformats.org/drawingml/2006/main" xmlns:r="http://schemas.openxmlformats.org/officeDocument/2006/relationships" xmlns:p="http://schemas.openxmlformats.org/presentationml/2006/main">
   <p:cSld name="slide1">
+    <p:bg>
+      <p:bgPr>
+        <a:solidFill>
+          <a:schemeClr val="dk2">
+            <a:hueOff val="0"/>
+            <a:satOff val="0"/>
+            <a:lumOff val="0"/>
+          </a:schemeClr>
+        </a:solidFill>
+        <a:effectLst/>
+      </p:bgPr>
+    </p:bg>
     <p:spTree>
       <p:nvGrpSpPr>
         <p:cNvPr id="1" name=""/>
@@ -6680,7 +6692,7 @@
           <p:cNvPr id="2" name="Title 1">
             <a:extLst>
               <a:ext uri="{8162A247-A154-446C-82A9-27BDF68DFA98}">
-                <a16:creationId xmlns:a16="http://schemas.microsoft.com/office/drawing/2010/main" xmlns:vt="http://schemas.openxmlformats.org/officeDocument/2006/docPropsVTypes" xmlns:ns1="http://schemas.openxmlformats.org/officeDocument/2006/extended-properties" xmlns:cs="http://schemas.microsoft.com/office/drawing/2012/chartStyle" xmlns:c="http://schemas.openxmlformats.org/drawingml/2006/chart" xmlns="" id="{DF1BFF62-569D-4F08-BF45-00069FD92954}"/>
+                <a16:creationId xmlns="" xmlns:c="http://schemas.openxmlformats.org/drawingml/2006/chart" xmlns:cs="http://schemas.microsoft.com/office/drawing/2012/chartStyle" xmlns:ns1="http://schemas.openxmlformats.org/officeDocument/2006/extended-properties" xmlns:vt="http://schemas.openxmlformats.org/officeDocument/2006/docPropsVTypes" xmlns:a16="http://schemas.microsoft.com/office/drawing/2010/main" id="{DF1BFF62-569D-4F08-BF45-00069FD92954}"/>
               </a:ext>
             </a:extLst>
           </p:cNvPr>
@@ -6691,7 +6703,12 @@
             <p:ph type="title"/>
           </p:nvPr>
         </p:nvSpPr>
-        <p:spPr/>
+        <p:spPr>
+          <a:xfrm>
+            <a:off x="476250" y="1004773"/>
+            <a:ext cx="4191000" cy="671628"/>
+          </a:xfrm>
+        </p:spPr>
         <p:txBody>
           <a:bodyPr rtlCol="0"/>
           <a:lstStyle/>
@@ -6702,7 +6719,23 @@
                   <a:schemeClr val="bg1"/>
                 </a:solidFill>
               </a:rPr>
-              <a:t>Animal Assistance AV System</a:t>
+              <a:t>Animal </a:t>
+            </a:r>
+            <a:r>
+              <a:rPr lang="en-US" sz="2800" dirty="0">
+                <a:solidFill>
+                  <a:schemeClr val="bg1"/>
+                </a:solidFill>
+              </a:rPr>
+              <a:t>Assistance</a:t>
+            </a:r>
+            <a:r>
+              <a:rPr lang="en-US" dirty="0">
+                <a:solidFill>
+                  <a:schemeClr val="bg1"/>
+                </a:solidFill>
+              </a:rPr>
+              <a:t> AV System</a:t>
             </a:r>
           </a:p>
         </p:txBody>
@@ -6712,7 +6745,7 @@
           <p:cNvPr id="3" name="Subtitle 2">
             <a:extLst>
               <a:ext uri="{EB414A55-9680-480E-8410-045E842788F3}">
-                <a16:creationId xmlns:a16="http://schemas.microsoft.com/office/drawing/2010/main" xmlns:vt="http://schemas.openxmlformats.org/officeDocument/2006/docPropsVTypes" xmlns:ns1="http://schemas.openxmlformats.org/officeDocument/2006/extended-properties" xmlns:cs="http://schemas.microsoft.com/office/drawing/2012/chartStyle" xmlns:c="http://schemas.openxmlformats.org/drawingml/2006/chart" xmlns="" id="{21654784-724D-4357-8584-079D42CEEE43}"/>
+                <a16:creationId xmlns="" xmlns:c="http://schemas.openxmlformats.org/drawingml/2006/chart" xmlns:cs="http://schemas.microsoft.com/office/drawing/2012/chartStyle" xmlns:ns1="http://schemas.openxmlformats.org/officeDocument/2006/extended-properties" xmlns:vt="http://schemas.openxmlformats.org/officeDocument/2006/docPropsVTypes" xmlns:a16="http://schemas.microsoft.com/office/drawing/2010/main" id="{21654784-724D-4357-8584-079D42CEEE43}"/>
               </a:ext>
             </a:extLst>
           </p:cNvPr>
@@ -6725,89 +6758,67 @@
         </p:nvSpPr>
         <p:spPr>
           <a:xfrm>
-            <a:off x="1772859" y="3514725"/>
-            <a:ext cx="5598285" cy="476250"/>
+            <a:off x="784071" y="1977006"/>
+            <a:ext cx="3575358" cy="362634"/>
           </a:xfrm>
         </p:spPr>
         <p:txBody>
           <a:bodyPr rtlCol="0"/>
           <a:lstStyle/>
           <a:p>
-            <a:r>
-              <a:rPr lang="en-US" dirty="0">
+            <a:pPr algn="ctr"/>
+            <a:r>
+              <a:rPr lang="en-US" sz="1050" b="1" dirty="0">
                 <a:solidFill>
                   <a:schemeClr val="bg1"/>
                 </a:solidFill>
               </a:rPr>
-              <a:t>Choose a </a:t>
-            </a:r>
-            <a:r>
-              <a:rPr lang="en-US" dirty="0" err="1">
-                <a:solidFill>
-                  <a:schemeClr val="bg1"/>
-                </a:solidFill>
-              </a:rPr>
-              <a:t>Category</a:t>
-            </a:r>
-            <a:r>
-              <a:rPr lang="en-US" dirty="0">
-                <a:solidFill>
-                  <a:schemeClr val="bg1"/>
-                </a:solidFill>
-              </a:rPr>
-              <a:t> below to navigate to its walkthrough</a:t>
-            </a:r>
-          </a:p>
-        </p:txBody>
-      </p:sp>
-      <p:sp>
-        <p:nvSpPr>
-          <p:cNvPr id="4" name="TextBox 3">
-            <a:hlinkClick r:id="rId5" action="ppaction://hlinksldjump"/>
-            <a:extLst>
-              <a:ext uri="{1173CCFD-9A1E-435B-A5C6-EA1CDC475C31}">
-                <a16:creationId xmlns:a16="http://schemas.microsoft.com/office/drawing/2010/main" xmlns:vt="http://schemas.openxmlformats.org/officeDocument/2006/docPropsVTypes" xmlns:ns1="http://schemas.openxmlformats.org/officeDocument/2006/extended-properties" xmlns:cs="http://schemas.microsoft.com/office/drawing/2012/chartStyle" xmlns:c="http://schemas.openxmlformats.org/drawingml/2006/chart" xmlns="" id="{C708AA29-57B6-4E1C-8ED1-23CC33BBDA67}"/>
-              </a:ext>
-            </a:extLst>
-          </p:cNvPr>
-          <p:cNvSpPr txBox="1"/>
-          <p:nvPr>
-            <p:custDataLst>
-              <p:tags r:id="rId1"/>
-            </p:custDataLst>
-          </p:nvPr>
+              <a:t>Choose a Category below to navigate to its walkthrough</a:t>
+            </a:r>
+          </a:p>
+        </p:txBody>
+      </p:sp>
+      <p:sp>
+        <p:nvSpPr>
+          <p:cNvPr id="8" name="Rectangle: Rounded Corners 7">
+            <a:hlinkClick r:id="rId2" action="ppaction://hlinksldjump"/>
+            <a:extLst>
+              <a:ext uri="{FF2B5EF4-FFF2-40B4-BE49-F238E27FC236}">
+                <a16:creationId xmlns:a16="http://schemas.microsoft.com/office/drawing/2014/main" id="{A49B0141-829C-48E3-9757-D4E27F3F511E}"/>
+              </a:ext>
+            </a:extLst>
+          </p:cNvPr>
+          <p:cNvSpPr/>
+          <p:nvPr/>
         </p:nvSpPr>
         <p:spPr>
           <a:xfrm>
-            <a:off x="1726615" y="4172693"/>
-            <a:ext cx="1560347" cy="588010"/>
-          </a:xfrm>
-          <a:solidFill>
-            <a:srgbClr val="FFCC52"/>
-          </a:solidFill>
-          <a:ln w="14288" cap="flat">
-            <a:solidFill>
-              <a:srgbClr val="FFFFFF"/>
-            </a:solidFill>
-            <a:prstDash val="dash"/>
-            <a:round/>
-          </a:ln>
-        </p:spPr>
-        <p:txBody>
-          <a:bodyPr vert="horz" lIns="95250" tIns="47625" rIns="95250" bIns="47625" rtlCol="0" anchor="ctr">
-            <a:spAutoFit/>
-          </a:bodyPr>
+            <a:off x="2190750" y="3581400"/>
+            <a:ext cx="1524000" cy="914400"/>
+          </a:xfrm>
+          <a:prstGeom prst="roundRect">
+            <a:avLst/>
+          </a:prstGeom>
+        </p:spPr>
+        <p:style>
+          <a:lnRef idx="0">
+            <a:scrgbClr r="0" g="0" b="0"/>
+          </a:lnRef>
+          <a:fillRef idx="1">
+            <a:schemeClr val="accent1"/>
+          </a:fillRef>
+          <a:effectRef idx="0">
+            <a:schemeClr val="accent1"/>
+          </a:effectRef>
+          <a:fontRef idx="none"/>
+        </p:style>
+        <p:txBody>
+          <a:bodyPr vert="horz" rtlCol="0" anchor="ctr"/>
           <a:lstStyle/>
           <a:p>
-            <a:pPr algn="ctr">
-              <a:defRPr lang="en-US" sz="1400" dirty="0"/>
-            </a:pPr>
-            <a:r>
-              <a:rPr lang="en-US" dirty="0">
-                <a:solidFill>
-                  <a:schemeClr val="bg1"/>
-                </a:solidFill>
-              </a:rPr>
+            <a:pPr algn="ctr"/>
+            <a:r>
+              <a:rPr lang="en-US" dirty="0"/>
               <a:t>Wireless Presentation</a:t>
             </a:r>
           </a:p>
@@ -6815,119 +6826,92 @@
       </p:sp>
       <p:sp>
         <p:nvSpPr>
-          <p:cNvPr id="5" name="TextBox 4">
-            <a:hlinkClick r:id="rId6" action="ppaction://hlinksldjump"/>
-            <a:extLst>
-              <a:ext uri="{F0E0D39F-F2BD-48BD-B4C5-4734749E3DAF}">
-                <a16:creationId xmlns:a16="http://schemas.microsoft.com/office/drawing/2010/main" xmlns:vt="http://schemas.openxmlformats.org/officeDocument/2006/docPropsVTypes" xmlns:ns1="http://schemas.openxmlformats.org/officeDocument/2006/extended-properties" xmlns:cs="http://schemas.microsoft.com/office/drawing/2012/chartStyle" xmlns:c="http://schemas.openxmlformats.org/drawingml/2006/chart" xmlns="" id="{34F31261-95F3-4BC4-B9B6-36FEB61F63AF}"/>
-              </a:ext>
-            </a:extLst>
-          </p:cNvPr>
-          <p:cNvSpPr txBox="1"/>
-          <p:nvPr>
-            <p:custDataLst>
-              <p:tags r:id="rId2"/>
-            </p:custDataLst>
-          </p:nvPr>
+          <p:cNvPr id="9" name="Rectangle: Rounded Corners 8">
+            <a:hlinkClick r:id="rId3" action="ppaction://hlinksldjump"/>
+            <a:extLst>
+              <a:ext uri="{FF2B5EF4-FFF2-40B4-BE49-F238E27FC236}">
+                <a16:creationId xmlns:a16="http://schemas.microsoft.com/office/drawing/2014/main" id="{916CBC3A-081A-45BF-B8F8-3042DEF061E7}"/>
+              </a:ext>
+            </a:extLst>
+          </p:cNvPr>
+          <p:cNvSpPr/>
+          <p:nvPr/>
         </p:nvSpPr>
         <p:spPr>
           <a:xfrm>
-            <a:off x="3907317" y="4173883"/>
-            <a:ext cx="1560347" cy="585635"/>
-          </a:xfrm>
-          <a:solidFill>
-            <a:srgbClr val="FFCC52"/>
-          </a:solidFill>
-          <a:ln w="14288" cap="flat">
-            <a:solidFill>
-              <a:srgbClr val="FFFFFF"/>
-            </a:solidFill>
-            <a:prstDash val="dash"/>
-            <a:round/>
-          </a:ln>
-        </p:spPr>
-        <p:txBody>
-          <a:bodyPr vert="horz" lIns="95250" tIns="47625" rIns="95250" bIns="47625" rtlCol="0" anchor="ctr">
-            <a:spAutoFit/>
-          </a:bodyPr>
+            <a:off x="2171001" y="4648201"/>
+            <a:ext cx="1524000" cy="914400"/>
+          </a:xfrm>
+          <a:prstGeom prst="roundRect">
+            <a:avLst/>
+          </a:prstGeom>
+        </p:spPr>
+        <p:style>
+          <a:lnRef idx="0">
+            <a:scrgbClr r="0" g="0" b="0"/>
+          </a:lnRef>
+          <a:fillRef idx="1">
+            <a:schemeClr val="accent1"/>
+          </a:fillRef>
+          <a:effectRef idx="0">
+            <a:schemeClr val="accent1"/>
+          </a:effectRef>
+          <a:fontRef idx="none"/>
+        </p:style>
+        <p:txBody>
+          <a:bodyPr vert="horz" rtlCol="0" anchor="ctr"/>
           <a:lstStyle/>
           <a:p>
-            <a:pPr algn="ctr">
-              <a:defRPr lang="en-US" sz="1400" dirty="0"/>
-            </a:pPr>
-            <a:r>
-              <a:rPr lang="en-US" dirty="0">
-                <a:solidFill>
-                  <a:schemeClr val="bg1"/>
-                </a:solidFill>
-              </a:rPr>
-              <a:t>HDMI and USB Cable</a:t>
-            </a:r>
-          </a:p>
-        </p:txBody>
-      </p:sp>
-      <p:sp>
-        <p:nvSpPr>
-          <p:cNvPr id="6" name="TextBox 5">
-            <a:hlinkClick r:id="rId7" action="ppaction://hlinksldjump"/>
-            <a:extLst>
-              <a:ext uri="{FC338233-6618-422F-B5C6-F40B82513C9D}">
-                <a16:creationId xmlns:a16="http://schemas.microsoft.com/office/drawing/2010/main" xmlns:vt="http://schemas.openxmlformats.org/officeDocument/2006/docPropsVTypes" xmlns:ns1="http://schemas.openxmlformats.org/officeDocument/2006/extended-properties" xmlns:cs="http://schemas.microsoft.com/office/drawing/2012/chartStyle" xmlns:c="http://schemas.openxmlformats.org/drawingml/2006/chart" xmlns="" id="{7C3F61EE-33E6-4DD2-83A0-1BE23A3B84CD}"/>
-              </a:ext>
-            </a:extLst>
-          </p:cNvPr>
-          <p:cNvSpPr txBox="1"/>
-          <p:nvPr>
-            <p:custDataLst>
-              <p:tags r:id="rId3"/>
-            </p:custDataLst>
-          </p:nvPr>
+            <a:pPr algn="ctr"/>
+            <a:r>
+              <a:rPr lang="en-US" dirty="0"/>
+              <a:t>HDMI &amp; USB Cables</a:t>
+            </a:r>
+          </a:p>
+        </p:txBody>
+      </p:sp>
+      <p:sp>
+        <p:nvSpPr>
+          <p:cNvPr id="10" name="Rectangle: Rounded Corners 9">
+            <a:hlinkClick r:id="rId4" action="ppaction://hlinksldjump"/>
+            <a:extLst>
+              <a:ext uri="{FF2B5EF4-FFF2-40B4-BE49-F238E27FC236}">
+                <a16:creationId xmlns:a16="http://schemas.microsoft.com/office/drawing/2014/main" id="{A9B8F1A8-E516-4793-B701-716B360AE1DE}"/>
+              </a:ext>
+            </a:extLst>
+          </p:cNvPr>
+          <p:cNvSpPr/>
+          <p:nvPr/>
         </p:nvSpPr>
         <p:spPr>
           <a:xfrm>
-            <a:off x="6010856" y="4149348"/>
-            <a:ext cx="1560347" cy="599610"/>
-          </a:xfrm>
-          <a:solidFill>
-            <a:srgbClr val="FFCC52"/>
-          </a:solidFill>
-          <a:ln w="14288" cap="flat">
-            <a:solidFill>
-              <a:srgbClr val="FFFFFF"/>
-            </a:solidFill>
-            <a:prstDash val="dash"/>
-            <a:round/>
-          </a:ln>
-        </p:spPr>
-        <p:txBody>
-          <a:bodyPr vert="horz" lIns="95250" tIns="47625" rIns="95250" bIns="47625" rtlCol="0" anchor="ctr">
-            <a:spAutoFit/>
-          </a:bodyPr>
+            <a:off x="2190750" y="5764826"/>
+            <a:ext cx="1524000" cy="914400"/>
+          </a:xfrm>
+          <a:prstGeom prst="roundRect">
+            <a:avLst/>
+          </a:prstGeom>
+        </p:spPr>
+        <p:style>
+          <a:lnRef idx="0">
+            <a:scrgbClr r="0" g="0" b="0"/>
+          </a:lnRef>
+          <a:fillRef idx="1">
+            <a:schemeClr val="accent1"/>
+          </a:fillRef>
+          <a:effectRef idx="0">
+            <a:schemeClr val="accent1"/>
+          </a:effectRef>
+          <a:fontRef idx="none"/>
+        </p:style>
+        <p:txBody>
+          <a:bodyPr vert="horz" rtlCol="0" anchor="ctr"/>
           <a:lstStyle/>
           <a:p>
-            <a:pPr algn="ctr">
-              <a:defRPr lang="en-US" sz="1400" dirty="0"/>
-            </a:pPr>
-            <a:r>
-              <a:rPr lang="en-US" dirty="0">
-                <a:solidFill>
-                  <a:schemeClr val="bg1"/>
-                </a:solidFill>
-              </a:rPr>
-              <a:t>Powering</a:t>
-            </a:r>
-          </a:p>
-          <a:p>
-            <a:pPr algn="ctr">
-              <a:defRPr lang="en-US" sz="1400" dirty="0"/>
-            </a:pPr>
-            <a:r>
-              <a:rPr lang="en-US" dirty="0">
-                <a:solidFill>
-                  <a:schemeClr val="bg1"/>
-                </a:solidFill>
-              </a:rPr>
-              <a:t> Off</a:t>
+            <a:pPr algn="ctr"/>
+            <a:r>
+              <a:rPr lang="en-US" dirty="0"/>
+              <a:t>Powering Off System</a:t>
             </a:r>
           </a:p>
         </p:txBody>
@@ -6935,7 +6919,7 @@
     </p:spTree>
     <p:extLst>
       <p:ext uri="{95FD83E6-C1BB-4382-AB94-867B3E4BDDD5}">
-        <p14:creationId xmlns:p14="http://schemas.microsoft.com/office/powerpoint/2010/main" xmlns:vt="http://schemas.openxmlformats.org/officeDocument/2006/docPropsVTypes" xmlns:ns1="http://schemas.openxmlformats.org/officeDocument/2006/extended-properties" xmlns:cs="http://schemas.microsoft.com/office/drawing/2012/chartStyle" xmlns:c="http://schemas.openxmlformats.org/drawingml/2006/chart" xmlns="" val="1648132718589"/>
+        <p14:creationId xmlns="" xmlns:c="http://schemas.openxmlformats.org/drawingml/2006/chart" xmlns:cs="http://schemas.microsoft.com/office/drawing/2012/chartStyle" xmlns:ns1="http://schemas.openxmlformats.org/officeDocument/2006/extended-properties" xmlns:vt="http://schemas.openxmlformats.org/officeDocument/2006/docPropsVTypes" xmlns:p14="http://schemas.microsoft.com/office/powerpoint/2010/main" val="1648132718589"/>
       </p:ext>
     </p:extLst>
   </p:cSld>
@@ -6967,7 +6951,119 @@
           <p:cNvPr id="2" name="Picture 1">
             <a:extLst>
               <a:ext uri="{1386792D-BD97-48CE-879B-3495125F2CA9}">
-                <a16:creationId xmlns:a16="http://schemas.microsoft.com/office/drawing/2010/main" xmlns:vt="http://schemas.openxmlformats.org/officeDocument/2006/docPropsVTypes" xmlns:ns1="http://schemas.openxmlformats.org/officeDocument/2006/extended-properties" xmlns:cs="http://schemas.microsoft.com/office/drawing/2012/chartStyle" xmlns:c="http://schemas.openxmlformats.org/drawingml/2006/chart" xmlns="" id="{976C0B51-E67B-4FF4-9CF6-33C758D5774C}"/>
+                <a16:creationId xmlns="" xmlns:c="http://schemas.openxmlformats.org/drawingml/2006/chart" xmlns:cs="http://schemas.microsoft.com/office/drawing/2012/chartStyle" xmlns:ns1="http://schemas.openxmlformats.org/officeDocument/2006/extended-properties" xmlns:vt="http://schemas.openxmlformats.org/officeDocument/2006/docPropsVTypes" xmlns:a16="http://schemas.microsoft.com/office/drawing/2010/main" id="{976C0B51-E67B-4FF4-9CF6-33C758D5774C}"/>
+              </a:ext>
+            </a:extLst>
+          </p:cNvPr>
+          <p:cNvPicPr>
+            <a:picLocks noChangeAspect="1"/>
+          </p:cNvPicPr>
+          <p:nvPr/>
+        </p:nvPicPr>
+        <p:blipFill>
+          <a:blip r:embed="rId2"/>
+          <a:stretch>
+            <a:fillRect/>
+          </a:stretch>
+        </p:blipFill>
+        <p:spPr>
+          <a:xfrm rot="16200000">
+            <a:off x="2876550" y="6065065"/>
+            <a:ext cx="2266950" cy="2266950"/>
+          </a:xfrm>
+          <a:prstGeom prst="rect">
+            <a:avLst/>
+          </a:prstGeom>
+          <a:noFill/>
+        </p:spPr>
+      </p:pic>
+      <p:sp>
+        <p:nvSpPr>
+          <p:cNvPr id="3" name="Title Placeholder 1">
+            <a:extLst>
+              <a:ext uri="{6D8CF5EF-82D2-4B32-9320-8E66AE299717}">
+                <a16:creationId xmlns="" xmlns:c="http://schemas.openxmlformats.org/drawingml/2006/chart" xmlns:cs="http://schemas.microsoft.com/office/drawing/2012/chartStyle" xmlns:ns1="http://schemas.openxmlformats.org/officeDocument/2006/extended-properties" xmlns:vt="http://schemas.openxmlformats.org/officeDocument/2006/docPropsVTypes" xmlns:a16="http://schemas.microsoft.com/office/drawing/2010/main" id="{52BD1AF5-CA7C-4238-AECA-7986BE36A598}"/>
+              </a:ext>
+            </a:extLst>
+          </p:cNvPr>
+          <p:cNvSpPr>
+            <a:spLocks noGrp="1"/>
+          </p:cNvSpPr>
+          <p:nvPr>
+            <p:ph type="title"/>
+          </p:nvPr>
+        </p:nvSpPr>
+        <p:spPr>
+          <a:xfrm>
+            <a:off x="1202321" y="152399"/>
+            <a:ext cx="3007989" cy="1250732"/>
+          </a:xfrm>
+        </p:spPr>
+        <p:txBody>
+          <a:bodyPr rtlCol="0"/>
+          <a:lstStyle/>
+          <a:p>
+            <a:pPr algn="ctr"/>
+            <a:r>
+              <a:rPr lang="en-US" sz="2800" dirty="0"/>
+              <a:t>Wireless Presentation</a:t>
+            </a:r>
+          </a:p>
+        </p:txBody>
+      </p:sp>
+      <p:sp>
+        <p:nvSpPr>
+          <p:cNvPr id="4" name="Content Placeholder 9">
+            <a:extLst>
+              <a:ext uri="{5CA73FC4-1C9B-4538-82E0-0B2F347FD8B1}">
+                <a16:creationId xmlns="" xmlns:c="http://schemas.openxmlformats.org/drawingml/2006/chart" xmlns:cs="http://schemas.microsoft.com/office/drawing/2012/chartStyle" xmlns:ns1="http://schemas.openxmlformats.org/officeDocument/2006/extended-properties" xmlns:vt="http://schemas.openxmlformats.org/officeDocument/2006/docPropsVTypes" xmlns:a16="http://schemas.microsoft.com/office/drawing/2010/main" id="{7DAEFDD4-E8C4-4663-BCF3-6B3477175CC2}"/>
+              </a:ext>
+            </a:extLst>
+          </p:cNvPr>
+          <p:cNvSpPr>
+            <a:spLocks noGrp="1"/>
+          </p:cNvSpPr>
+          <p:nvPr>
+            <p:ph idx="1"/>
+          </p:nvPr>
+        </p:nvSpPr>
+        <p:spPr>
+          <a:xfrm>
+            <a:off x="113240" y="1881365"/>
+            <a:ext cx="4917020" cy="1114920"/>
+          </a:xfrm>
+        </p:spPr>
+        <p:txBody>
+          <a:bodyPr rtlCol="0">
+            <a:normAutofit/>
+          </a:bodyPr>
+          <a:lstStyle/>
+          <a:p>
+            <a:r>
+              <a:rPr lang="en-US" sz="1100" dirty="0"/>
+              <a:t>1. Use the TV Remote to Turn on the TV</a:t>
+            </a:r>
+          </a:p>
+          <a:p>
+            <a:r>
+              <a:rPr lang="en-US" sz="1100" dirty="0"/>
+              <a:t>2. Press the HDMI button and select HDMI 1</a:t>
+            </a:r>
+          </a:p>
+          <a:p>
+            <a:endParaRPr lang="en-US" dirty="0"/>
+          </a:p>
+          <a:p>
+            <a:endParaRPr lang="en-US" dirty="0"/>
+          </a:p>
+        </p:txBody>
+      </p:sp>
+      <p:pic>
+        <p:nvPicPr>
+          <p:cNvPr id="5" name="Picture 4">
+            <a:extLst>
+              <a:ext uri="{DD66D73A-47F5-436E-9B41-5A97D008AC9D}">
+                <a16:creationId xmlns="" xmlns:c="http://schemas.openxmlformats.org/drawingml/2006/chart" xmlns:cs="http://schemas.microsoft.com/office/drawing/2012/chartStyle" xmlns:ns1="http://schemas.openxmlformats.org/officeDocument/2006/extended-properties" xmlns:vt="http://schemas.openxmlformats.org/officeDocument/2006/docPropsVTypes" xmlns:a16="http://schemas.microsoft.com/office/drawing/2010/main" id="{CC2E79F0-A0FE-4DC5-B8B7-7649581C5D78}"/>
               </a:ext>
             </a:extLst>
           </p:cNvPr>
@@ -6983,9 +7079,9 @@
           </a:stretch>
         </p:blipFill>
         <p:spPr>
-          <a:xfrm rot="16200000">
-            <a:off x="6712953" y="2404310"/>
-            <a:ext cx="2254300" cy="2254300"/>
+          <a:xfrm>
+            <a:off x="3122222" y="1442190"/>
+            <a:ext cx="905909" cy="3727973"/>
           </a:xfrm>
           <a:prstGeom prst="rect">
             <a:avLst/>
@@ -6995,137 +7091,10 @@
       </p:pic>
       <p:sp>
         <p:nvSpPr>
-          <p:cNvPr id="3" name="Title Placeholder 1">
-            <a:extLst>
-              <a:ext uri="{6D8CF5EF-82D2-4B32-9320-8E66AE299717}">
-                <a16:creationId xmlns:a16="http://schemas.microsoft.com/office/drawing/2010/main" xmlns:vt="http://schemas.openxmlformats.org/officeDocument/2006/docPropsVTypes" xmlns:ns1="http://schemas.openxmlformats.org/officeDocument/2006/extended-properties" xmlns:cs="http://schemas.microsoft.com/office/drawing/2012/chartStyle" xmlns:c="http://schemas.openxmlformats.org/drawingml/2006/chart" xmlns="" id="{52BD1AF5-CA7C-4238-AECA-7986BE36A598}"/>
-              </a:ext>
-            </a:extLst>
-          </p:cNvPr>
-          <p:cNvSpPr>
-            <a:spLocks noGrp="1"/>
-          </p:cNvSpPr>
-          <p:nvPr>
-            <p:ph type="title"/>
-          </p:nvPr>
-        </p:nvSpPr>
-        <p:spPr>
-          <a:xfrm>
-            <a:off x="404583" y="0"/>
-            <a:ext cx="7143750" cy="570571"/>
-          </a:xfrm>
-        </p:spPr>
-        <p:txBody>
-          <a:bodyPr rtlCol="0"/>
-          <a:lstStyle/>
-          <a:p>
-            <a:r>
-              <a:rPr lang="en-US" dirty="0"/>
-              <a:t>Wireless Presentation</a:t>
-            </a:r>
-          </a:p>
-        </p:txBody>
-      </p:sp>
-      <p:sp>
-        <p:nvSpPr>
-          <p:cNvPr id="4" name="Content Placeholder 9">
-            <a:extLst>
-              <a:ext uri="{5CA73FC4-1C9B-4538-82E0-0B2F347FD8B1}">
-                <a16:creationId xmlns:a16="http://schemas.microsoft.com/office/drawing/2010/main" xmlns:vt="http://schemas.openxmlformats.org/officeDocument/2006/docPropsVTypes" xmlns:ns1="http://schemas.openxmlformats.org/officeDocument/2006/extended-properties" xmlns:cs="http://schemas.microsoft.com/office/drawing/2012/chartStyle" xmlns:c="http://schemas.openxmlformats.org/drawingml/2006/chart" xmlns="" id="{7DAEFDD4-E8C4-4663-BCF3-6B3477175CC2}"/>
-              </a:ext>
-            </a:extLst>
-          </p:cNvPr>
-          <p:cNvSpPr>
-            <a:spLocks noGrp="1"/>
-          </p:cNvSpPr>
-          <p:nvPr>
-            <p:ph idx="1"/>
-          </p:nvPr>
-        </p:nvSpPr>
-        <p:spPr>
-          <a:xfrm>
-            <a:off x="448770" y="571500"/>
-            <a:ext cx="8741369" cy="4656467"/>
-          </a:xfrm>
-        </p:spPr>
-        <p:txBody>
-          <a:bodyPr rtlCol="0"/>
-          <a:lstStyle/>
-          <a:p>
-            <a:r>
-              <a:rPr lang="en-US" dirty="0"/>
-              <a:t>1. Use the TV Remote to Turn on the TV</a:t>
-            </a:r>
-          </a:p>
-          <a:p>
-            <a:r>
-              <a:rPr lang="en-US" dirty="0"/>
-              <a:t>2. Press the HDMI button and select HDMI 1</a:t>
-            </a:r>
-          </a:p>
-          <a:p>
-            <a:endParaRPr lang="en-US" dirty="0"/>
-          </a:p>
-          <a:p>
-            <a:endParaRPr lang="en-US" dirty="0"/>
-          </a:p>
-          <a:p>
-            <a:r>
-              <a:rPr lang="en-US" dirty="0"/>
-              <a:t>3. Plug the Clickshare Puck into your laptop</a:t>
-            </a:r>
-          </a:p>
-          <a:p>
-            <a:r>
-              <a:rPr lang="en-US" dirty="0"/>
-              <a:t>4. Wait until the White pulsing light on the Clickshare puck stops flashing</a:t>
-            </a:r>
-          </a:p>
-          <a:p>
-            <a:r>
-              <a:rPr lang="en-US" dirty="0"/>
-              <a:t>5. Press the Button on the puck to start sharing</a:t>
-            </a:r>
-          </a:p>
-        </p:txBody>
-      </p:sp>
-      <p:pic>
-        <p:nvPicPr>
-          <p:cNvPr id="5" name="Picture 4">
-            <a:extLst>
-              <a:ext uri="{DD66D73A-47F5-436E-9B41-5A97D008AC9D}">
-                <a16:creationId xmlns:a16="http://schemas.microsoft.com/office/drawing/2010/main" xmlns:vt="http://schemas.openxmlformats.org/officeDocument/2006/docPropsVTypes" xmlns:ns1="http://schemas.openxmlformats.org/officeDocument/2006/extended-properties" xmlns:cs="http://schemas.microsoft.com/office/drawing/2012/chartStyle" xmlns:c="http://schemas.openxmlformats.org/drawingml/2006/chart" xmlns="" id="{CC2E79F0-A0FE-4DC5-B8B7-7649581C5D78}"/>
-              </a:ext>
-            </a:extLst>
-          </p:cNvPr>
-          <p:cNvPicPr>
-            <a:picLocks noChangeAspect="1"/>
-          </p:cNvPicPr>
-          <p:nvPr/>
-        </p:nvPicPr>
-        <p:blipFill>
-          <a:blip r:embed="rId4"/>
-          <a:stretch>
-            <a:fillRect/>
-          </a:stretch>
-        </p:blipFill>
-        <p:spPr>
-          <a:xfrm>
-            <a:off x="5949734" y="180784"/>
-            <a:ext cx="540324" cy="2223525"/>
-          </a:xfrm>
-          <a:prstGeom prst="rect">
-            <a:avLst/>
-          </a:prstGeom>
-          <a:noFill/>
-        </p:spPr>
-      </p:pic>
-      <p:sp>
-        <p:nvSpPr>
           <p:cNvPr id="6" name="Arrow: Right 5">
             <a:extLst>
               <a:ext uri="{A009F25A-1C5D-44E4-AD1A-B1A96746B5AD}">
-                <a16:creationId xmlns:a16="http://schemas.microsoft.com/office/drawing/2010/main" xmlns:vt="http://schemas.openxmlformats.org/officeDocument/2006/docPropsVTypes" xmlns:ns1="http://schemas.openxmlformats.org/officeDocument/2006/extended-properties" xmlns:cs="http://schemas.microsoft.com/office/drawing/2012/chartStyle" xmlns:c="http://schemas.openxmlformats.org/drawingml/2006/chart" xmlns="" id="{854A7BCF-E328-4D48-85ED-6D73310DB6C1}"/>
+                <a16:creationId xmlns="" xmlns:c="http://schemas.openxmlformats.org/drawingml/2006/chart" xmlns:cs="http://schemas.microsoft.com/office/drawing/2012/chartStyle" xmlns:ns1="http://schemas.openxmlformats.org/officeDocument/2006/extended-properties" xmlns:vt="http://schemas.openxmlformats.org/officeDocument/2006/docPropsVTypes" xmlns:a16="http://schemas.microsoft.com/office/drawing/2010/main" id="{854A7BCF-E328-4D48-85ED-6D73310DB6C1}"/>
               </a:ext>
             </a:extLst>
           </p:cNvPr>
@@ -7134,8 +7103,8 @@
         </p:nvSpPr>
         <p:spPr>
           <a:xfrm rot="12420000">
-            <a:off x="6409448" y="400050"/>
-            <a:ext cx="1025118" cy="316334"/>
+            <a:off x="3887221" y="1728578"/>
+            <a:ext cx="576629" cy="177938"/>
           </a:xfrm>
           <a:prstGeom prst="rightArrow">
             <a:avLst/>
@@ -7165,7 +7134,7 @@
           <a:lstStyle/>
           <a:p>
             <a:pPr algn="ctr"/>
-            <a:endParaRPr lang="en-US" dirty="0"/>
+            <a:endParaRPr lang="en-US" sz="1013" dirty="0"/>
           </a:p>
         </p:txBody>
       </p:sp>
@@ -7174,7 +7143,7 @@
           <p:cNvPr id="7" name="TextBox 6">
             <a:extLst>
               <a:ext uri="{8C722804-088B-4A4D-9FF0-C56F8DBF5CFC}">
-                <a16:creationId xmlns:a16="http://schemas.microsoft.com/office/drawing/2010/main" xmlns:vt="http://schemas.openxmlformats.org/officeDocument/2006/docPropsVTypes" xmlns:ns1="http://schemas.openxmlformats.org/officeDocument/2006/extended-properties" xmlns:cs="http://schemas.microsoft.com/office/drawing/2012/chartStyle" xmlns:c="http://schemas.openxmlformats.org/drawingml/2006/chart" xmlns="" id="{B013E84D-00E8-45D2-A68D-0CDEBE087779}"/>
+                <a16:creationId xmlns="" xmlns:c="http://schemas.openxmlformats.org/drawingml/2006/chart" xmlns:cs="http://schemas.microsoft.com/office/drawing/2012/chartStyle" xmlns:ns1="http://schemas.openxmlformats.org/officeDocument/2006/extended-properties" xmlns:vt="http://schemas.openxmlformats.org/officeDocument/2006/docPropsVTypes" xmlns:a16="http://schemas.microsoft.com/office/drawing/2010/main" id="{B013E84D-00E8-45D2-A68D-0CDEBE087779}"/>
               </a:ext>
             </a:extLst>
           </p:cNvPr>
@@ -7183,15 +7152,15 @@
         </p:nvSpPr>
         <p:spPr>
           <a:xfrm>
-            <a:off x="7372045" y="631478"/>
-            <a:ext cx="176288" cy="308552"/>
+            <a:off x="4310229" y="1818897"/>
+            <a:ext cx="162132" cy="215684"/>
           </a:xfrm>
           <a:prstGeom prst="rect">
             <a:avLst/>
           </a:prstGeom>
         </p:spPr>
         <p:txBody>
-          <a:bodyPr vert="horz" lIns="95250" tIns="47625" rIns="95250" bIns="47625" rtlCol="0" anchor="t">
+          <a:bodyPr vert="horz" wrap="square" lIns="53578" tIns="26789" rIns="53578" bIns="26789" rtlCol="0" anchor="t">
             <a:spAutoFit/>
           </a:bodyPr>
           <a:lstStyle/>
@@ -7200,7 +7169,7 @@
               <a:defRPr lang="en-US" sz="1400" dirty="0"/>
             </a:pPr>
             <a:r>
-              <a:rPr lang="en-US" dirty="0"/>
+              <a:rPr lang="en-US" sz="1050" dirty="0"/>
               <a:t>1</a:t>
             </a:r>
           </a:p>
@@ -7211,7 +7180,7 @@
           <p:cNvPr id="8" name="TextBox 7">
             <a:extLst>
               <a:ext uri="{58698CE1-6071-4900-BEEA-6BCA87B693B4}">
-                <a16:creationId xmlns:a16="http://schemas.microsoft.com/office/drawing/2010/main" xmlns:vt="http://schemas.openxmlformats.org/officeDocument/2006/docPropsVTypes" xmlns:ns1="http://schemas.openxmlformats.org/officeDocument/2006/extended-properties" xmlns:cs="http://schemas.microsoft.com/office/drawing/2012/chartStyle" xmlns:c="http://schemas.openxmlformats.org/drawingml/2006/chart" xmlns="" id="{5030E522-CBF3-4A85-9291-9BBE4ACAC7E2}"/>
+                <a16:creationId xmlns="" xmlns:c="http://schemas.openxmlformats.org/drawingml/2006/chart" xmlns:cs="http://schemas.microsoft.com/office/drawing/2012/chartStyle" xmlns:ns1="http://schemas.openxmlformats.org/officeDocument/2006/extended-properties" xmlns:vt="http://schemas.openxmlformats.org/officeDocument/2006/docPropsVTypes" xmlns:a16="http://schemas.microsoft.com/office/drawing/2010/main" id="{5030E522-CBF3-4A85-9291-9BBE4ACAC7E2}"/>
               </a:ext>
             </a:extLst>
           </p:cNvPr>
@@ -7220,15 +7189,15 @@
         </p:nvSpPr>
         <p:spPr>
           <a:xfrm>
-            <a:off x="5277802" y="1147495"/>
-            <a:ext cx="306514" cy="308552"/>
+            <a:off x="2801583" y="1872633"/>
+            <a:ext cx="172414" cy="175353"/>
           </a:xfrm>
           <a:prstGeom prst="rect">
             <a:avLst/>
           </a:prstGeom>
         </p:spPr>
         <p:txBody>
-          <a:bodyPr vert="horz" lIns="95250" tIns="47625" rIns="95250" bIns="47625" rtlCol="0" anchor="t">
+          <a:bodyPr vert="horz" lIns="53578" tIns="26789" rIns="53578" bIns="26789" rtlCol="0" anchor="t">
             <a:spAutoFit/>
           </a:bodyPr>
           <a:lstStyle/>
@@ -7237,7 +7206,7 @@
               <a:defRPr lang="en-US" sz="1400" dirty="0"/>
             </a:pPr>
             <a:r>
-              <a:rPr lang="en-US" dirty="0"/>
+              <a:rPr lang="en-US" sz="788" dirty="0"/>
               <a:t>2</a:t>
             </a:r>
           </a:p>
@@ -7248,7 +7217,7 @@
           <p:cNvPr id="9" name="Arrow: Right 8">
             <a:extLst>
               <a:ext uri="{774DCEE3-D898-404C-8CDE-D1E51125705D}">
-                <a16:creationId xmlns:a16="http://schemas.microsoft.com/office/drawing/2010/main" xmlns:vt="http://schemas.openxmlformats.org/officeDocument/2006/docPropsVTypes" xmlns:ns1="http://schemas.openxmlformats.org/officeDocument/2006/extended-properties" xmlns:cs="http://schemas.microsoft.com/office/drawing/2012/chartStyle" xmlns:c="http://schemas.openxmlformats.org/drawingml/2006/chart" xmlns="" id="{DED97604-08CE-4126-A896-61819F2EEF8F}"/>
+                <a16:creationId xmlns="" xmlns:c="http://schemas.openxmlformats.org/drawingml/2006/chart" xmlns:cs="http://schemas.microsoft.com/office/drawing/2012/chartStyle" xmlns:ns1="http://schemas.openxmlformats.org/officeDocument/2006/extended-properties" xmlns:vt="http://schemas.openxmlformats.org/officeDocument/2006/docPropsVTypes" xmlns:a16="http://schemas.microsoft.com/office/drawing/2010/main" id="{DED97604-08CE-4126-A896-61819F2EEF8F}"/>
               </a:ext>
             </a:extLst>
           </p:cNvPr>
@@ -7257,8 +7226,8 @@
         </p:nvSpPr>
         <p:spPr>
           <a:xfrm rot="18060000">
-            <a:off x="5236035" y="627592"/>
-            <a:ext cx="1025118" cy="316334"/>
+            <a:off x="2762211" y="1871341"/>
+            <a:ext cx="576629" cy="177938"/>
           </a:xfrm>
           <a:prstGeom prst="rightArrow">
             <a:avLst/>
@@ -7288,7 +7257,7 @@
           <a:lstStyle/>
           <a:p>
             <a:pPr algn="ctr"/>
-            <a:endParaRPr lang="en-US" dirty="0"/>
+            <a:endParaRPr lang="en-US" sz="1013" dirty="0"/>
           </a:p>
         </p:txBody>
       </p:sp>
@@ -7297,7 +7266,7 @@
           <p:cNvPr id="10" name="Arrow: Right 9">
             <a:extLst>
               <a:ext uri="{679067B3-769A-451C-BA0E-A049C720CF92}">
-                <a16:creationId xmlns:a16="http://schemas.microsoft.com/office/drawing/2010/main" xmlns:vt="http://schemas.openxmlformats.org/officeDocument/2006/docPropsVTypes" xmlns:ns1="http://schemas.openxmlformats.org/officeDocument/2006/extended-properties" xmlns:cs="http://schemas.microsoft.com/office/drawing/2012/chartStyle" xmlns:c="http://schemas.openxmlformats.org/drawingml/2006/chart" xmlns="" id="{3C19AD90-83A9-4573-B465-455DB227DD18}"/>
+                <a16:creationId xmlns="" xmlns:c="http://schemas.openxmlformats.org/drawingml/2006/chart" xmlns:cs="http://schemas.microsoft.com/office/drawing/2012/chartStyle" xmlns:ns1="http://schemas.openxmlformats.org/officeDocument/2006/extended-properties" xmlns:vt="http://schemas.openxmlformats.org/officeDocument/2006/docPropsVTypes" xmlns:a16="http://schemas.microsoft.com/office/drawing/2010/main" id="{3C19AD90-83A9-4573-B465-455DB227DD18}"/>
               </a:ext>
             </a:extLst>
           </p:cNvPr>
@@ -7306,8 +7275,8 @@
         </p:nvSpPr>
         <p:spPr>
           <a:xfrm rot="1200000">
-            <a:off x="5791295" y="3251311"/>
-            <a:ext cx="1025118" cy="316334"/>
+            <a:off x="2272629" y="6464966"/>
+            <a:ext cx="864638" cy="600240"/>
           </a:xfrm>
           <a:prstGeom prst="rightArrow">
             <a:avLst/>
@@ -7337,58 +7306,273 @@
           <a:lstStyle/>
           <a:p>
             <a:pPr algn="ctr"/>
-            <a:endParaRPr lang="en-US" dirty="0"/>
-          </a:p>
-        </p:txBody>
-      </p:sp>
-      <p:sp>
-        <p:nvSpPr>
-          <p:cNvPr id="11" name="TextBox 10">
-            <a:hlinkClick r:id="rId5" action="ppaction://hlinksldjump"/>
-            <a:extLst>
-              <a:ext uri="{3FD3D808-0781-49E5-B718-AB105A7C4947}">
-                <a16:creationId xmlns:a16="http://schemas.microsoft.com/office/drawing/2010/main" xmlns:vt="http://schemas.openxmlformats.org/officeDocument/2006/docPropsVTypes" xmlns:ns1="http://schemas.openxmlformats.org/officeDocument/2006/extended-properties" xmlns:cs="http://schemas.microsoft.com/office/drawing/2012/chartStyle" xmlns:c="http://schemas.openxmlformats.org/drawingml/2006/chart" xmlns="" id="{31254A61-1548-4E7B-AE95-E302CD2EC175}"/>
-              </a:ext>
-            </a:extLst>
-          </p:cNvPr>
-          <p:cNvSpPr txBox="1"/>
-          <p:nvPr>
-            <p:custDataLst>
-              <p:tags r:id="rId1"/>
-            </p:custDataLst>
-          </p:nvPr>
+            <a:endParaRPr lang="en-US" sz="1013" dirty="0"/>
+          </a:p>
+        </p:txBody>
+      </p:sp>
+      <p:sp>
+        <p:nvSpPr>
+          <p:cNvPr id="14" name="Content Placeholder 9">
+            <a:extLst>
+              <a:ext uri="{FF2B5EF4-FFF2-40B4-BE49-F238E27FC236}">
+                <a16:creationId xmlns:a16="http://schemas.microsoft.com/office/drawing/2014/main" id="{D8839232-AF2D-49ED-8ECF-1B48A0D14289}"/>
+              </a:ext>
+              <a:ext uri="{5CA73FC4-1C9B-4538-82E0-0B2F347FD8B1}">
+                <a16:creationId xmlns="" xmlns:c="http://schemas.openxmlformats.org/drawingml/2006/chart" xmlns:cs="http://schemas.microsoft.com/office/drawing/2012/chartStyle" xmlns:ns1="http://schemas.openxmlformats.org/officeDocument/2006/extended-properties" xmlns:vt="http://schemas.openxmlformats.org/officeDocument/2006/docPropsVTypes" xmlns:a16="http://schemas.microsoft.com/office/drawing/2010/main" id="{7DAEFDD4-E8C4-4663-BCF3-6B3477175CC2}"/>
+              </a:ext>
+            </a:extLst>
+          </p:cNvPr>
+          <p:cNvSpPr txBox="1">
+            <a:spLocks/>
+          </p:cNvSpPr>
+          <p:nvPr/>
         </p:nvSpPr>
         <p:spPr>
           <a:xfrm>
-            <a:off x="3740505" y="4207021"/>
-            <a:ext cx="2157907" cy="844286"/>
-          </a:xfrm>
-          <a:solidFill>
-            <a:srgbClr val="FFCC52"/>
-          </a:solidFill>
-          <a:ln w="14288" cap="flat">
-            <a:solidFill>
-              <a:srgbClr val="FFFFFF"/>
-            </a:solidFill>
-            <a:prstDash val="dash"/>
-            <a:round/>
-          </a:ln>
-        </p:spPr>
-        <p:txBody>
-          <a:bodyPr vert="horz" lIns="95250" tIns="47625" rIns="95250" bIns="47625" rtlCol="0" anchor="ctr">
-            <a:spAutoFit/>
+            <a:off x="226480" y="5103361"/>
+            <a:ext cx="4917020" cy="1504342"/>
+          </a:xfrm>
+          <a:prstGeom prst="rect">
+            <a:avLst/>
+          </a:prstGeom>
+        </p:spPr>
+        <p:txBody>
+          <a:bodyPr vert="horz" lIns="91440" tIns="93600" rIns="91440" bIns="45720" rtlCol="0">
+            <a:normAutofit/>
           </a:bodyPr>
+          <a:lstStyle>
+            <a:lvl1pPr marL="192881" lvl="0" indent="-192881" algn="l" rtl="0">
+              <a:spcBef>
+                <a:spcPts val="675"/>
+              </a:spcBef>
+              <a:buClr>
+                <a:schemeClr val="tx1">
+                  <a:lumMod val="85000"/>
+                  <a:lumOff val="15000"/>
+                </a:schemeClr>
+              </a:buClr>
+              <a:buFont typeface="Source Sans Pro"/>
+              <a:buChar char="⇢"/>
+              <a:defRPr lang="en-US" sz="1013" b="0" i="0" dirty="0">
+                <a:solidFill>
+                  <a:schemeClr val="tx1">
+                    <a:lumMod val="85000"/>
+                    <a:lumOff val="15000"/>
+                  </a:schemeClr>
+                </a:solidFill>
+                <a:latin typeface="+mn-lt"/>
+              </a:defRPr>
+            </a:lvl1pPr>
+            <a:lvl2pPr marL="417909" lvl="1" indent="-160734" algn="l" rtl="0">
+              <a:spcBef>
+                <a:spcPct val="20000"/>
+              </a:spcBef>
+              <a:buClr>
+                <a:srgbClr val="88A797"/>
+              </a:buClr>
+              <a:buFont typeface="Arial"/>
+              <a:buChar char="-"/>
+              <a:defRPr lang="en-US" sz="900" b="0" i="0" dirty="0">
+                <a:solidFill>
+                  <a:schemeClr val="tx1">
+                    <a:lumMod val="50000"/>
+                    <a:lumOff val="50000"/>
+                  </a:schemeClr>
+                </a:solidFill>
+                <a:latin typeface="+mn-lt"/>
+              </a:defRPr>
+            </a:lvl2pPr>
+            <a:lvl3pPr marL="642938" lvl="2" indent="-128588" algn="l" rtl="0">
+              <a:spcBef>
+                <a:spcPct val="20000"/>
+              </a:spcBef>
+              <a:buClr>
+                <a:srgbClr val="88A797"/>
+              </a:buClr>
+              <a:buFont typeface="Arial"/>
+              <a:buChar char="•"/>
+              <a:defRPr lang="en-US" sz="788" b="0" i="0" dirty="0">
+                <a:solidFill>
+                  <a:schemeClr val="tx1">
+                    <a:lumMod val="50000"/>
+                    <a:lumOff val="50000"/>
+                  </a:schemeClr>
+                </a:solidFill>
+                <a:latin typeface="+mn-lt"/>
+              </a:defRPr>
+            </a:lvl3pPr>
+            <a:lvl4pPr marL="900113" lvl="3" indent="-128588" algn="l" rtl="0">
+              <a:spcBef>
+                <a:spcPct val="20000"/>
+              </a:spcBef>
+              <a:buClr>
+                <a:srgbClr val="88A797"/>
+              </a:buClr>
+              <a:buFont typeface="Arial"/>
+              <a:buChar char="-"/>
+              <a:defRPr lang="en-US" sz="675" b="0" i="0" dirty="0">
+                <a:solidFill>
+                  <a:schemeClr val="tx1">
+                    <a:lumMod val="50000"/>
+                    <a:lumOff val="50000"/>
+                  </a:schemeClr>
+                </a:solidFill>
+                <a:latin typeface="+mn-lt"/>
+              </a:defRPr>
+            </a:lvl4pPr>
+            <a:lvl5pPr marL="1157288" lvl="4" indent="-128588" algn="l" rtl="0">
+              <a:spcBef>
+                <a:spcPct val="20000"/>
+              </a:spcBef>
+              <a:buClr>
+                <a:srgbClr val="88A797"/>
+              </a:buClr>
+              <a:buFont typeface="Arial"/>
+              <a:buChar char="•"/>
+              <a:defRPr lang="en-US" sz="619" b="0" i="0" dirty="0">
+                <a:solidFill>
+                  <a:schemeClr val="tx1">
+                    <a:lumMod val="50000"/>
+                    <a:lumOff val="50000"/>
+                  </a:schemeClr>
+                </a:solidFill>
+                <a:latin typeface="+mn-lt"/>
+              </a:defRPr>
+            </a:lvl5pPr>
+            <a:lvl6pPr marL="1414463" lvl="5" indent="-128588" algn="l" rtl="0">
+              <a:spcBef>
+                <a:spcPct val="20000"/>
+              </a:spcBef>
+              <a:buFont typeface="Arial"/>
+              <a:buChar char="•"/>
+              <a:defRPr lang="en-US" sz="619" b="0" dirty="0">
+                <a:solidFill>
+                  <a:schemeClr val="tx1">
+                    <a:lumMod val="50000"/>
+                    <a:lumOff val="50000"/>
+                  </a:schemeClr>
+                </a:solidFill>
+                <a:latin typeface="+mn-lt"/>
+              </a:defRPr>
+            </a:lvl6pPr>
+            <a:lvl7pPr marL="1671638" lvl="6" indent="-128588" algn="l" rtl="0">
+              <a:spcBef>
+                <a:spcPct val="20000"/>
+              </a:spcBef>
+              <a:buFont typeface="Arial"/>
+              <a:buChar char="•"/>
+              <a:defRPr lang="en-US" sz="619" b="0" dirty="0">
+                <a:solidFill>
+                  <a:schemeClr val="tx1">
+                    <a:lumMod val="50000"/>
+                    <a:lumOff val="50000"/>
+                  </a:schemeClr>
+                </a:solidFill>
+                <a:latin typeface="+mn-lt"/>
+              </a:defRPr>
+            </a:lvl7pPr>
+            <a:lvl8pPr marL="1928813" lvl="7" indent="-128588" algn="l" rtl="0">
+              <a:spcBef>
+                <a:spcPct val="20000"/>
+              </a:spcBef>
+              <a:buFont typeface="Arial"/>
+              <a:buChar char="•"/>
+              <a:defRPr lang="en-US" sz="619" b="0" dirty="0">
+                <a:solidFill>
+                  <a:schemeClr val="tx1">
+                    <a:lumMod val="50000"/>
+                    <a:lumOff val="50000"/>
+                  </a:schemeClr>
+                </a:solidFill>
+                <a:latin typeface="+mn-lt"/>
+              </a:defRPr>
+            </a:lvl8pPr>
+            <a:lvl9pPr marL="2185988" lvl="8" indent="-128588" algn="l" rtl="0">
+              <a:spcBef>
+                <a:spcPct val="20000"/>
+              </a:spcBef>
+              <a:buFont typeface="Arial"/>
+              <a:buChar char="•"/>
+              <a:defRPr lang="en-US" sz="619" b="0" dirty="0">
+                <a:solidFill>
+                  <a:schemeClr val="tx1">
+                    <a:lumMod val="50000"/>
+                    <a:lumOff val="50000"/>
+                  </a:schemeClr>
+                </a:solidFill>
+                <a:latin typeface="+mn-lt"/>
+              </a:defRPr>
+            </a:lvl9pPr>
+          </a:lstStyle>
+          <a:p>
+            <a:pPr marL="0" indent="0">
+              <a:buNone/>
+            </a:pPr>
+            <a:endParaRPr lang="en-US" sz="1200" dirty="0"/>
+          </a:p>
+          <a:p>
+            <a:r>
+              <a:rPr lang="en-US" sz="1200" dirty="0"/>
+              <a:t>3. Plug the Clickshare Puck into your laptop</a:t>
+            </a:r>
+          </a:p>
+          <a:p>
+            <a:r>
+              <a:rPr lang="en-US" sz="1200" dirty="0"/>
+              <a:t>4. Wait until the White pulsing light on the Clickshare puck stops flashing</a:t>
+            </a:r>
+          </a:p>
+          <a:p>
+            <a:r>
+              <a:rPr lang="en-US" sz="1200" dirty="0"/>
+              <a:t>5. Press the Button on the puck to start sharing</a:t>
+            </a:r>
+          </a:p>
+        </p:txBody>
+      </p:sp>
+      <p:sp>
+        <p:nvSpPr>
+          <p:cNvPr id="15" name="Rectangle: Rounded Corners 14">
+            <a:hlinkClick r:id="rId4" action="ppaction://hlinksldjump"/>
+            <a:extLst>
+              <a:ext uri="{FF2B5EF4-FFF2-40B4-BE49-F238E27FC236}">
+                <a16:creationId xmlns:a16="http://schemas.microsoft.com/office/drawing/2014/main" id="{A0CBDB37-2DE2-4AA8-8436-AE3F71F2516B}"/>
+              </a:ext>
+            </a:extLst>
+          </p:cNvPr>
+          <p:cNvSpPr/>
+          <p:nvPr/>
+        </p:nvSpPr>
+        <p:spPr>
+          <a:xfrm>
+            <a:off x="1942948" y="7874816"/>
+            <a:ext cx="1524000" cy="914400"/>
+          </a:xfrm>
+          <a:prstGeom prst="roundRect">
+            <a:avLst/>
+          </a:prstGeom>
+        </p:spPr>
+        <p:style>
+          <a:lnRef idx="0">
+            <a:scrgbClr r="0" g="0" b="0"/>
+          </a:lnRef>
+          <a:fillRef idx="1">
+            <a:schemeClr val="accent1"/>
+          </a:fillRef>
+          <a:effectRef idx="0">
+            <a:schemeClr val="accent1"/>
+          </a:effectRef>
+          <a:fontRef idx="none"/>
+        </p:style>
+        <p:txBody>
+          <a:bodyPr vert="horz" rtlCol="0" anchor="ctr"/>
           <a:lstStyle/>
           <a:p>
             <a:pPr algn="ctr">
               <a:defRPr lang="en-US" sz="1400" dirty="0"/>
             </a:pPr>
             <a:r>
-              <a:rPr lang="en-US" dirty="0">
-                <a:solidFill>
-                  <a:schemeClr val="tx1"/>
-                </a:solidFill>
-              </a:rPr>
+              <a:rPr lang="en-US" sz="1200" b="1" dirty="0"/>
               <a:t>Use Clickshare For </a:t>
             </a:r>
           </a:p>
@@ -7397,11 +7581,7 @@
               <a:defRPr lang="en-US" sz="1400" dirty="0"/>
             </a:pPr>
             <a:r>
-              <a:rPr lang="en-US" dirty="0">
-                <a:solidFill>
-                  <a:schemeClr val="tx1"/>
-                </a:solidFill>
-              </a:rPr>
+              <a:rPr lang="en-US" sz="1200" b="1" dirty="0"/>
               <a:t>Video</a:t>
             </a:r>
           </a:p>
@@ -7410,11 +7590,7 @@
               <a:defRPr lang="en-US" sz="1400" dirty="0"/>
             </a:pPr>
             <a:r>
-              <a:rPr lang="en-US" dirty="0">
-                <a:solidFill>
-                  <a:schemeClr val="tx1"/>
-                </a:solidFill>
-              </a:rPr>
+              <a:rPr lang="en-US" sz="1200" b="1" dirty="0"/>
               <a:t> Conferencing</a:t>
             </a:r>
           </a:p>
@@ -7423,7 +7599,7 @@
     </p:spTree>
     <p:extLst>
       <p:ext uri="{05397550-683A-4CD1-9412-FE26B978A18F}">
-        <p14:creationId xmlns:p14="http://schemas.microsoft.com/office/powerpoint/2010/main" xmlns:vt="http://schemas.openxmlformats.org/officeDocument/2006/docPropsVTypes" xmlns:ns1="http://schemas.openxmlformats.org/officeDocument/2006/extended-properties" xmlns:cs="http://schemas.microsoft.com/office/drawing/2012/chartStyle" xmlns:c="http://schemas.openxmlformats.org/drawingml/2006/chart" xmlns="" val="1648132718595"/>
+        <p14:creationId xmlns="" xmlns:c="http://schemas.openxmlformats.org/drawingml/2006/chart" xmlns:cs="http://schemas.microsoft.com/office/drawing/2012/chartStyle" xmlns:ns1="http://schemas.openxmlformats.org/officeDocument/2006/extended-properties" xmlns:vt="http://schemas.openxmlformats.org/officeDocument/2006/docPropsVTypes" xmlns:p14="http://schemas.microsoft.com/office/powerpoint/2010/main" val="1648132718595"/>
       </p:ext>
     </p:extLst>
   </p:cSld>
@@ -7452,43 +7628,10 @@
       </p:grpSpPr>
       <p:sp>
         <p:nvSpPr>
-          <p:cNvPr id="2" name="Title Placeholder 1">
-            <a:extLst>
-              <a:ext uri="{0592EBF4-64B5-44DC-93C1-3177FC671623}">
-                <a16:creationId xmlns:a16="http://schemas.microsoft.com/office/drawing/2010/main" xmlns:vt="http://schemas.openxmlformats.org/officeDocument/2006/docPropsVTypes" xmlns:ns1="http://schemas.openxmlformats.org/officeDocument/2006/extended-properties" xmlns:cs="http://schemas.microsoft.com/office/drawing/2012/chartStyle" xmlns:c="http://schemas.openxmlformats.org/drawingml/2006/chart" xmlns="" id="{7E9E7E2E-9727-45C1-A7A0-EB30777B001E}"/>
-              </a:ext>
-            </a:extLst>
-          </p:cNvPr>
-          <p:cNvSpPr>
-            <a:spLocks noGrp="1"/>
-          </p:cNvSpPr>
-          <p:nvPr>
-            <p:ph type="title"/>
-          </p:nvPr>
-        </p:nvSpPr>
-        <p:spPr>
-          <a:xfrm>
-            <a:off x="404583" y="0"/>
-            <a:ext cx="7143750" cy="570571"/>
-          </a:xfrm>
-        </p:spPr>
-        <p:txBody>
-          <a:bodyPr rtlCol="0"/>
-          <a:lstStyle/>
-          <a:p>
-            <a:r>
-              <a:rPr lang="en-US" dirty="0"/>
-              <a:t>Wireless Video Conference</a:t>
-            </a:r>
-          </a:p>
-        </p:txBody>
-      </p:sp>
-      <p:sp>
-        <p:nvSpPr>
           <p:cNvPr id="3" name="Content Placeholder 9">
             <a:extLst>
               <a:ext uri="{58DEF72C-EEC2-4FCA-9510-4AD479F43BAC}">
-                <a16:creationId xmlns:a16="http://schemas.microsoft.com/office/drawing/2010/main" xmlns:vt="http://schemas.openxmlformats.org/officeDocument/2006/docPropsVTypes" xmlns:ns1="http://schemas.openxmlformats.org/officeDocument/2006/extended-properties" xmlns:cs="http://schemas.microsoft.com/office/drawing/2012/chartStyle" xmlns:c="http://schemas.openxmlformats.org/drawingml/2006/chart" xmlns="" id="{3E753227-CE52-4D32-8367-CF47F74C8419}"/>
+                <a16:creationId xmlns="" xmlns:c="http://schemas.openxmlformats.org/drawingml/2006/chart" xmlns:cs="http://schemas.microsoft.com/office/drawing/2012/chartStyle" xmlns:ns1="http://schemas.openxmlformats.org/officeDocument/2006/extended-properties" xmlns:vt="http://schemas.openxmlformats.org/officeDocument/2006/docPropsVTypes" xmlns:a16="http://schemas.microsoft.com/office/drawing/2010/main" id="{3E753227-CE52-4D32-8367-CF47F74C8419}"/>
               </a:ext>
             </a:extLst>
           </p:cNvPr>
@@ -7501,42 +7644,44 @@
         </p:nvSpPr>
         <p:spPr>
           <a:xfrm>
-            <a:off x="448770" y="571500"/>
-            <a:ext cx="8741369" cy="4656467"/>
-          </a:xfrm>
-        </p:spPr>
-        <p:txBody>
-          <a:bodyPr rtlCol="0"/>
+            <a:off x="251472" y="1143000"/>
+            <a:ext cx="4917020" cy="2619263"/>
+          </a:xfrm>
+        </p:spPr>
+        <p:txBody>
+          <a:bodyPr rtlCol="0">
+            <a:normAutofit lnSpcReduction="10000"/>
+          </a:bodyPr>
           <a:lstStyle/>
           <a:p>
             <a:r>
-              <a:rPr lang="en-US" dirty="0"/>
+              <a:rPr lang="en-US" sz="1600" dirty="0"/>
               <a:t>1. Open your Video Conferencing platform(zoom, Teams, Go To)</a:t>
             </a:r>
           </a:p>
           <a:p>
             <a:r>
-              <a:rPr lang="en-US" dirty="0"/>
+              <a:rPr lang="en-US" sz="1600" dirty="0"/>
               <a:t>2. Find your Driver Settings (Camera, Mic, Speaker Output)</a:t>
             </a:r>
           </a:p>
           <a:p>
             <a:r>
-              <a:rPr lang="en-US" dirty="0"/>
+              <a:rPr lang="en-US" sz="1600" dirty="0"/>
               <a:t>3. Select </a:t>
             </a:r>
             <a:r>
-              <a:rPr lang="en-US" b="1" dirty="0">
+              <a:rPr lang="en-US" sz="1600" b="1" dirty="0">
                 <a:latin typeface="+mn-lt"/>
               </a:rPr>
               <a:t>ROOM CAMERA</a:t>
             </a:r>
             <a:r>
-              <a:rPr lang="en-US" dirty="0"/>
+              <a:rPr lang="en-US" sz="1600" dirty="0"/>
               <a:t> as your </a:t>
             </a:r>
             <a:r>
-              <a:rPr lang="en-US" b="1" dirty="0">
+              <a:rPr lang="en-US" sz="1600" b="1" dirty="0">
                 <a:latin typeface="+mn-lt"/>
               </a:rPr>
               <a:t>camera</a:t>
@@ -7544,21 +7689,21 @@
           </a:p>
           <a:p>
             <a:r>
-              <a:rPr lang="en-US" dirty="0"/>
+              <a:rPr lang="en-US" sz="1600" dirty="0"/>
               <a:t>4. Select </a:t>
             </a:r>
             <a:r>
-              <a:rPr lang="en-US" b="1" dirty="0">
+              <a:rPr lang="en-US" sz="1600" b="1" dirty="0">
                 <a:latin typeface="+mn-lt"/>
               </a:rPr>
               <a:t>CLICKSHARE ROOM SPEAKERPHONE</a:t>
             </a:r>
             <a:r>
-              <a:rPr lang="en-US" dirty="0"/>
+              <a:rPr lang="en-US" sz="1600" dirty="0"/>
               <a:t> as your </a:t>
             </a:r>
             <a:r>
-              <a:rPr lang="en-US" b="1" dirty="0">
+              <a:rPr lang="en-US" sz="1600" b="1" dirty="0">
                 <a:latin typeface="+mn-lt"/>
               </a:rPr>
               <a:t>mic</a:t>
@@ -7566,107 +7711,41 @@
           </a:p>
           <a:p>
             <a:r>
-              <a:rPr lang="en-US" dirty="0"/>
+              <a:rPr lang="en-US" sz="1600" dirty="0"/>
               <a:t>5. Select </a:t>
             </a:r>
             <a:r>
-              <a:rPr lang="en-US" b="1" dirty="0">
+              <a:rPr lang="en-US" sz="1600" b="1" dirty="0">
                 <a:latin typeface="+mn-lt"/>
               </a:rPr>
               <a:t>CLICKSHARE ROOM SPEAKERPHONE</a:t>
             </a:r>
             <a:r>
-              <a:rPr lang="en-US" dirty="0"/>
+              <a:rPr lang="en-US" sz="1600" dirty="0"/>
               <a:t> as your </a:t>
             </a:r>
             <a:r>
-              <a:rPr lang="en-US" b="1" dirty="0">
+              <a:rPr lang="en-US" sz="1600" b="1" dirty="0">
                 <a:latin typeface="+mn-lt"/>
               </a:rPr>
               <a:t>audio</a:t>
             </a:r>
             <a:r>
-              <a:rPr lang="en-US" dirty="0"/>
+              <a:rPr lang="en-US" sz="1600" dirty="0"/>
               <a:t> output</a:t>
             </a:r>
           </a:p>
           <a:p>
-            <a:endParaRPr lang="en-US" dirty="0"/>
-          </a:p>
-          <a:p>
-            <a:endParaRPr lang="en-US" dirty="0"/>
+            <a:endParaRPr lang="en-US" sz="1600" dirty="0"/>
+          </a:p>
+          <a:p>
+            <a:endParaRPr lang="en-US" sz="1600" dirty="0"/>
           </a:p>
           <a:p>
             <a:pPr marL="0" indent="0">
               <a:buNone/>
             </a:pPr>
-            <a:endParaRPr lang="en-US" dirty="0"/>
-          </a:p>
-        </p:txBody>
-      </p:sp>
-      <p:sp>
-        <p:nvSpPr>
-          <p:cNvPr id="4" name="TextBox 3">
-            <a:hlinkClick r:id="rId4" action="ppaction://hlinksldjump"/>
-            <a:extLst>
-              <a:ext uri="{83F60CEC-EEB4-4E23-B4B8-011C7850A248}">
-                <a16:creationId xmlns:a16="http://schemas.microsoft.com/office/drawing/2010/main" xmlns:vt="http://schemas.openxmlformats.org/officeDocument/2006/docPropsVTypes" xmlns:ns1="http://schemas.openxmlformats.org/officeDocument/2006/extended-properties" xmlns:cs="http://schemas.microsoft.com/office/drawing/2012/chartStyle" xmlns:c="http://schemas.openxmlformats.org/drawingml/2006/chart" xmlns="" id="{8BE56544-7E42-471A-A739-B74DA42BCE1D}"/>
-              </a:ext>
-            </a:extLst>
-          </p:cNvPr>
-          <p:cNvSpPr txBox="1"/>
-          <p:nvPr>
-            <p:custDataLst>
-              <p:tags r:id="rId1"/>
-            </p:custDataLst>
-          </p:nvPr>
-        </p:nvSpPr>
-        <p:spPr>
-          <a:xfrm>
-            <a:off x="6863858" y="4411837"/>
-            <a:ext cx="2157907" cy="600736"/>
-          </a:xfrm>
-          <a:solidFill>
-            <a:srgbClr val="FFCC52"/>
-          </a:solidFill>
-          <a:ln w="14288" cap="flat">
-            <a:solidFill>
-              <a:srgbClr val="FFFFFF"/>
-            </a:solidFill>
-            <a:prstDash val="dash"/>
-            <a:round/>
-          </a:ln>
-        </p:spPr>
-        <p:txBody>
-          <a:bodyPr vert="horz" lIns="95250" tIns="47625" rIns="95250" bIns="47625" rtlCol="0" anchor="ctr">
-            <a:spAutoFit/>
-          </a:bodyPr>
-          <a:lstStyle/>
-          <a:p>
-            <a:pPr algn="ctr">
-              <a:defRPr lang="en-US" sz="1400" dirty="0"/>
-            </a:pPr>
-            <a:r>
-              <a:rPr lang="en-US" dirty="0">
-                <a:solidFill>
-                  <a:schemeClr val="tx1"/>
-                </a:solidFill>
-              </a:rPr>
-              <a:t>Use Clickshare For </a:t>
-            </a:r>
-          </a:p>
-          <a:p>
-            <a:pPr algn="ctr">
-              <a:defRPr lang="en-US" sz="1400" dirty="0"/>
-            </a:pPr>
-            <a:r>
-              <a:rPr lang="en-US" dirty="0">
-                <a:solidFill>
-                  <a:schemeClr val="tx1"/>
-                </a:solidFill>
-              </a:rPr>
-              <a:t>Local Presentation</a:t>
-            </a:r>
+            <a:endParaRPr lang="en-US" sz="1600" dirty="0"/>
           </a:p>
         </p:txBody>
       </p:sp>
@@ -7675,7 +7754,7 @@
           <p:cNvPr id="5" name="Picture 4">
             <a:extLst>
               <a:ext uri="{22576158-08FA-497E-B03F-0E76AD23FAAA}">
-                <a16:creationId xmlns:a16="http://schemas.microsoft.com/office/drawing/2010/main" xmlns:vt="http://schemas.openxmlformats.org/officeDocument/2006/docPropsVTypes" xmlns:ns1="http://schemas.openxmlformats.org/officeDocument/2006/extended-properties" xmlns:cs="http://schemas.microsoft.com/office/drawing/2012/chartStyle" xmlns:c="http://schemas.openxmlformats.org/drawingml/2006/chart" xmlns="" id="{72092841-A313-430B-9140-5685DAE20492}"/>
+                <a16:creationId xmlns="" xmlns:c="http://schemas.openxmlformats.org/drawingml/2006/chart" xmlns:cs="http://schemas.microsoft.com/office/drawing/2012/chartStyle" xmlns:ns1="http://schemas.openxmlformats.org/officeDocument/2006/extended-properties" xmlns:vt="http://schemas.openxmlformats.org/officeDocument/2006/docPropsVTypes" xmlns:a16="http://schemas.microsoft.com/office/drawing/2010/main" id="{72092841-A313-430B-9140-5685DAE20492}"/>
               </a:ext>
             </a:extLst>
           </p:cNvPr>
@@ -7685,15 +7764,15 @@
           <p:nvPr/>
         </p:nvPicPr>
         <p:blipFill>
-          <a:blip r:embed="rId5"/>
+          <a:blip r:embed="rId2"/>
           <a:stretch>
             <a:fillRect/>
           </a:stretch>
         </p:blipFill>
         <p:spPr>
           <a:xfrm>
-            <a:off x="906799" y="3008614"/>
-            <a:ext cx="3211230" cy="2003955"/>
+            <a:off x="817012" y="3841123"/>
+            <a:ext cx="3509476" cy="2190075"/>
           </a:xfrm>
           <a:prstGeom prst="rect">
             <a:avLst/>
@@ -7703,52 +7782,104 @@
       </p:pic>
       <p:sp>
         <p:nvSpPr>
-          <p:cNvPr id="6" name="TextBox 5">
-            <a:hlinkClick r:id="rId6" action="ppaction://hlinksldjump"/>
-            <a:extLst>
-              <a:ext uri="{24B8D61B-F548-49D6-B09D-718D7BAE16DE}">
-                <a16:creationId xmlns:a16="http://schemas.microsoft.com/office/drawing/2010/main" xmlns:vt="http://schemas.openxmlformats.org/officeDocument/2006/docPropsVTypes" xmlns:ns1="http://schemas.openxmlformats.org/officeDocument/2006/extended-properties" xmlns:cs="http://schemas.microsoft.com/office/drawing/2012/chartStyle" xmlns:c="http://schemas.openxmlformats.org/drawingml/2006/chart" xmlns="" id="{44F5C822-F015-4472-AB8B-133E21AE09E7}"/>
-              </a:ext>
-            </a:extLst>
-          </p:cNvPr>
-          <p:cNvSpPr txBox="1"/>
-          <p:nvPr>
-            <p:custDataLst>
-              <p:tags r:id="rId2"/>
-            </p:custDataLst>
-          </p:nvPr>
+          <p:cNvPr id="9" name="Title Placeholder 1">
+            <a:extLst>
+              <a:ext uri="{FF2B5EF4-FFF2-40B4-BE49-F238E27FC236}">
+                <a16:creationId xmlns:a16="http://schemas.microsoft.com/office/drawing/2014/main" id="{AB5C41A6-7129-4B7C-BDA5-0122D7C16402}"/>
+              </a:ext>
+              <a:ext uri="{6D8CF5EF-82D2-4B32-9320-8E66AE299717}">
+                <a16:creationId xmlns="" xmlns:c="http://schemas.openxmlformats.org/drawingml/2006/chart" xmlns:cs="http://schemas.microsoft.com/office/drawing/2012/chartStyle" xmlns:ns1="http://schemas.openxmlformats.org/officeDocument/2006/extended-properties" xmlns:vt="http://schemas.openxmlformats.org/officeDocument/2006/docPropsVTypes" xmlns:a16="http://schemas.microsoft.com/office/drawing/2010/main" id="{52BD1AF5-CA7C-4238-AECA-7986BE36A598}"/>
+              </a:ext>
+            </a:extLst>
+          </p:cNvPr>
+          <p:cNvSpPr txBox="1">
+            <a:spLocks/>
+          </p:cNvSpPr>
+          <p:nvPr/>
         </p:nvSpPr>
         <p:spPr>
           <a:xfrm>
-            <a:off x="4576057" y="4418489"/>
-            <a:ext cx="2157907" cy="587432"/>
-          </a:xfrm>
-          <a:solidFill>
-            <a:srgbClr val="FFCC52"/>
-          </a:solidFill>
-          <a:ln w="14288" cap="flat">
-            <a:solidFill>
-              <a:srgbClr val="FFFFFF"/>
-            </a:solidFill>
-            <a:prstDash val="dash"/>
-            <a:round/>
-          </a:ln>
-        </p:spPr>
-        <p:txBody>
-          <a:bodyPr vert="horz" lIns="95250" tIns="47625" rIns="95250" bIns="47625" rtlCol="0" anchor="ctr">
-            <a:spAutoFit/>
+            <a:off x="1202321" y="152399"/>
+            <a:ext cx="3007989" cy="1250732"/>
+          </a:xfrm>
+          <a:prstGeom prst="rect">
+            <a:avLst/>
+          </a:prstGeom>
+          <a:noFill/>
+        </p:spPr>
+        <p:txBody>
+          <a:bodyPr vert="horz" lIns="91440" tIns="45720" rIns="91440" bIns="45720" rtlCol="0" anchor="t">
+            <a:noAutofit/>
           </a:bodyPr>
+          <a:lstStyle>
+            <a:lvl1pPr lvl="0" algn="l" rtl="0">
+              <a:lnSpc>
+                <a:spcPct val="100000"/>
+              </a:lnSpc>
+              <a:spcBef>
+                <a:spcPct val="0"/>
+              </a:spcBef>
+              <a:buNone/>
+              <a:defRPr lang="en-US" sz="1800" b="1" i="0" dirty="0">
+                <a:solidFill>
+                  <a:schemeClr val="tx2"/>
+                </a:solidFill>
+                <a:latin typeface="+mj-lt"/>
+              </a:defRPr>
+            </a:lvl1pPr>
+          </a:lstStyle>
+          <a:p>
+            <a:pPr algn="ctr"/>
+            <a:r>
+              <a:rPr lang="en-US" sz="2800" dirty="0"/>
+              <a:t>Wireless Video Conferencing</a:t>
+            </a:r>
+          </a:p>
+        </p:txBody>
+      </p:sp>
+      <p:sp>
+        <p:nvSpPr>
+          <p:cNvPr id="10" name="Rectangle: Rounded Corners 9">
+            <a:hlinkClick r:id="rId3" action="ppaction://hlinksldjump"/>
+            <a:extLst>
+              <a:ext uri="{FF2B5EF4-FFF2-40B4-BE49-F238E27FC236}">
+                <a16:creationId xmlns:a16="http://schemas.microsoft.com/office/drawing/2014/main" id="{1B2CEFD6-58D8-41F9-88CC-7E7BDE5838C7}"/>
+              </a:ext>
+            </a:extLst>
+          </p:cNvPr>
+          <p:cNvSpPr/>
+          <p:nvPr/>
+        </p:nvSpPr>
+        <p:spPr>
+          <a:xfrm>
+            <a:off x="440321" y="7924800"/>
+            <a:ext cx="1524000" cy="914400"/>
+          </a:xfrm>
+          <a:prstGeom prst="roundRect">
+            <a:avLst/>
+          </a:prstGeom>
+        </p:spPr>
+        <p:style>
+          <a:lnRef idx="0">
+            <a:scrgbClr r="0" g="0" b="0"/>
+          </a:lnRef>
+          <a:fillRef idx="1">
+            <a:schemeClr val="accent1"/>
+          </a:fillRef>
+          <a:effectRef idx="0">
+            <a:schemeClr val="accent1"/>
+          </a:effectRef>
+          <a:fontRef idx="none"/>
+        </p:style>
+        <p:txBody>
+          <a:bodyPr vert="horz" rtlCol="0" anchor="ctr"/>
           <a:lstStyle/>
           <a:p>
             <a:pPr algn="ctr">
               <a:defRPr lang="en-US" sz="1400" dirty="0"/>
             </a:pPr>
             <a:r>
-              <a:rPr lang="en-US" dirty="0">
-                <a:solidFill>
-                  <a:schemeClr val="tx1"/>
-                </a:solidFill>
-              </a:rPr>
+              <a:rPr lang="en-US" sz="1200" b="1" dirty="0"/>
               <a:t>Main</a:t>
             </a:r>
           </a:p>
@@ -7757,12 +7888,56 @@
               <a:defRPr lang="en-US" sz="1400" dirty="0"/>
             </a:pPr>
             <a:r>
-              <a:rPr lang="en-US" dirty="0">
-                <a:solidFill>
-                  <a:schemeClr val="tx1"/>
-                </a:solidFill>
-              </a:rPr>
+              <a:rPr lang="en-US" sz="1200" b="1" dirty="0"/>
               <a:t>Menu</a:t>
+            </a:r>
+          </a:p>
+        </p:txBody>
+      </p:sp>
+      <p:sp>
+        <p:nvSpPr>
+          <p:cNvPr id="11" name="Rectangle: Rounded Corners 10">
+            <a:hlinkClick r:id="rId4" action="ppaction://hlinksldjump"/>
+            <a:extLst>
+              <a:ext uri="{FF2B5EF4-FFF2-40B4-BE49-F238E27FC236}">
+                <a16:creationId xmlns:a16="http://schemas.microsoft.com/office/drawing/2014/main" id="{4795AB0F-EC54-4C48-A07C-37EED532441E}"/>
+              </a:ext>
+            </a:extLst>
+          </p:cNvPr>
+          <p:cNvSpPr/>
+          <p:nvPr/>
+        </p:nvSpPr>
+        <p:spPr>
+          <a:xfrm>
+            <a:off x="3333750" y="7924800"/>
+            <a:ext cx="1524000" cy="914400"/>
+          </a:xfrm>
+          <a:prstGeom prst="roundRect">
+            <a:avLst/>
+          </a:prstGeom>
+        </p:spPr>
+        <p:style>
+          <a:lnRef idx="0">
+            <a:scrgbClr r="0" g="0" b="0"/>
+          </a:lnRef>
+          <a:fillRef idx="1">
+            <a:schemeClr val="accent1"/>
+          </a:fillRef>
+          <a:effectRef idx="0">
+            <a:schemeClr val="accent1"/>
+          </a:effectRef>
+          <a:fontRef idx="none"/>
+        </p:style>
+        <p:txBody>
+          <a:bodyPr vert="horz" rtlCol="0" anchor="ctr"/>
+          <a:lstStyle/>
+          <a:p>
+            <a:pPr algn="ctr">
+              <a:defRPr lang="en-US" sz="1400" dirty="0"/>
+            </a:pPr>
+            <a:r>
+              <a:rPr lang="en-US" sz="1200" b="1" dirty="0"/>
+              <a:t>Clickshare for Local Presentation</a:t>
             </a:r>
           </a:p>
         </p:txBody>
@@ -7770,7 +7945,7 @@
     </p:spTree>
     <p:extLst>
       <p:ext uri="{7857B5A3-6425-4B71-AC34-8F2E4753EEA4}">
-        <p14:creationId xmlns:p14="http://schemas.microsoft.com/office/powerpoint/2010/main" xmlns:vt="http://schemas.openxmlformats.org/officeDocument/2006/docPropsVTypes" xmlns:ns1="http://schemas.openxmlformats.org/officeDocument/2006/extended-properties" xmlns:cs="http://schemas.microsoft.com/office/drawing/2012/chartStyle" xmlns:c="http://schemas.openxmlformats.org/drawingml/2006/chart" xmlns="" val="1648132718599"/>
+        <p14:creationId xmlns="" xmlns:c="http://schemas.openxmlformats.org/drawingml/2006/chart" xmlns:cs="http://schemas.microsoft.com/office/drawing/2012/chartStyle" xmlns:ns1="http://schemas.openxmlformats.org/officeDocument/2006/extended-properties" xmlns:vt="http://schemas.openxmlformats.org/officeDocument/2006/docPropsVTypes" xmlns:p14="http://schemas.microsoft.com/office/powerpoint/2010/main" val="1648132718599"/>
       </p:ext>
     </p:extLst>
   </p:cSld>
@@ -7799,43 +7974,10 @@
       </p:grpSpPr>
       <p:sp>
         <p:nvSpPr>
-          <p:cNvPr id="2" name="Title Placeholder 1">
-            <a:extLst>
-              <a:ext uri="{84ADF54B-451A-4511-956D-F97ADF0E8643}">
-                <a16:creationId xmlns:a16="http://schemas.microsoft.com/office/drawing/2010/main" xmlns:vt="http://schemas.openxmlformats.org/officeDocument/2006/docPropsVTypes" xmlns:ns1="http://schemas.openxmlformats.org/officeDocument/2006/extended-properties" xmlns:cs="http://schemas.microsoft.com/office/drawing/2012/chartStyle" xmlns:c="http://schemas.openxmlformats.org/drawingml/2006/chart" xmlns="" id="{FD6A7722-5E7F-4129-A700-C511B73F2790}"/>
-              </a:ext>
-            </a:extLst>
-          </p:cNvPr>
-          <p:cNvSpPr>
-            <a:spLocks noGrp="1"/>
-          </p:cNvSpPr>
-          <p:nvPr>
-            <p:ph type="title"/>
-          </p:nvPr>
-        </p:nvSpPr>
-        <p:spPr>
-          <a:xfrm>
-            <a:off x="404583" y="0"/>
-            <a:ext cx="7143750" cy="570571"/>
-          </a:xfrm>
-        </p:spPr>
-        <p:txBody>
-          <a:bodyPr rtlCol="0"/>
-          <a:lstStyle/>
-          <a:p>
-            <a:r>
-              <a:rPr lang="en-US" dirty="0"/>
-              <a:t>HDMI &amp; USB Cables</a:t>
-            </a:r>
-          </a:p>
-        </p:txBody>
-      </p:sp>
-      <p:sp>
-        <p:nvSpPr>
           <p:cNvPr id="3" name="Content Placeholder 9">
             <a:extLst>
               <a:ext uri="{CE9C5E18-4B55-449D-A2D5-942D00BC4BD0}">
-                <a16:creationId xmlns:a16="http://schemas.microsoft.com/office/drawing/2010/main" xmlns:vt="http://schemas.openxmlformats.org/officeDocument/2006/docPropsVTypes" xmlns:ns1="http://schemas.openxmlformats.org/officeDocument/2006/extended-properties" xmlns:cs="http://schemas.microsoft.com/office/drawing/2012/chartStyle" xmlns:c="http://schemas.openxmlformats.org/drawingml/2006/chart" xmlns="" id="{E90624CB-3D5F-4BA3-994E-58ABFADF1205}"/>
+                <a16:creationId xmlns="" xmlns:c="http://schemas.openxmlformats.org/drawingml/2006/chart" xmlns:cs="http://schemas.microsoft.com/office/drawing/2012/chartStyle" xmlns:ns1="http://schemas.openxmlformats.org/officeDocument/2006/extended-properties" xmlns:vt="http://schemas.openxmlformats.org/officeDocument/2006/docPropsVTypes" xmlns:a16="http://schemas.microsoft.com/office/drawing/2010/main" id="{E90624CB-3D5F-4BA3-994E-58ABFADF1205}"/>
               </a:ext>
             </a:extLst>
           </p:cNvPr>
@@ -7848,50 +7990,25 @@
         </p:nvSpPr>
         <p:spPr>
           <a:xfrm>
-            <a:off x="448770" y="571500"/>
-            <a:ext cx="8741369" cy="4656467"/>
-          </a:xfrm>
-        </p:spPr>
-        <p:txBody>
-          <a:bodyPr rtlCol="0"/>
+            <a:off x="113240" y="1567909"/>
+            <a:ext cx="4917020" cy="758219"/>
+          </a:xfrm>
+        </p:spPr>
+        <p:txBody>
+          <a:bodyPr rtlCol="0">
+            <a:normAutofit/>
+          </a:bodyPr>
           <a:lstStyle/>
           <a:p>
             <a:r>
-              <a:rPr lang="en-US" dirty="0"/>
+              <a:rPr lang="en-US" sz="1200" dirty="0"/>
               <a:t>1. Use the TV Remote to Turn on the TV</a:t>
             </a:r>
           </a:p>
           <a:p>
             <a:r>
-              <a:rPr lang="en-US" dirty="0"/>
+              <a:rPr lang="en-US" sz="1200" dirty="0"/>
               <a:t>2. Press the HDMI button and select HDMI 2</a:t>
-            </a:r>
-          </a:p>
-          <a:p>
-            <a:endParaRPr lang="en-US" dirty="0"/>
-          </a:p>
-          <a:p>
-            <a:pPr marL="0" indent="0">
-              <a:buNone/>
-            </a:pPr>
-            <a:endParaRPr lang="en-US" dirty="0"/>
-          </a:p>
-          <a:p>
-            <a:r>
-              <a:rPr lang="en-US" dirty="0"/>
-              <a:t>3. Plug the USB and HDMI cables into your laptop</a:t>
-            </a:r>
-          </a:p>
-          <a:p>
-            <a:r>
-              <a:rPr lang="en-US" dirty="0"/>
-              <a:t>4. Use this for Local presentation or Video Conferencing</a:t>
-            </a:r>
-          </a:p>
-          <a:p>
-            <a:r>
-              <a:rPr lang="en-US" dirty="0"/>
-              <a:t>5. For Video Conferencing, select BOSE SOUND BAR/VB1 as your Camera, audio, Mic settings</a:t>
             </a:r>
           </a:p>
         </p:txBody>
@@ -7901,7 +8018,7 @@
           <p:cNvPr id="4" name="Picture 3">
             <a:extLst>
               <a:ext uri="{4966A58F-B4F0-4444-9008-A1B9C2DA09CD}">
-                <a16:creationId xmlns:a16="http://schemas.microsoft.com/office/drawing/2010/main" xmlns:vt="http://schemas.openxmlformats.org/officeDocument/2006/docPropsVTypes" xmlns:ns1="http://schemas.openxmlformats.org/officeDocument/2006/extended-properties" xmlns:cs="http://schemas.microsoft.com/office/drawing/2012/chartStyle" xmlns:c="http://schemas.openxmlformats.org/drawingml/2006/chart" xmlns="" id="{72EF8391-DF0C-49DD-8819-529B851BA2E7}"/>
+                <a16:creationId xmlns="" xmlns:c="http://schemas.openxmlformats.org/drawingml/2006/chart" xmlns:cs="http://schemas.microsoft.com/office/drawing/2012/chartStyle" xmlns:ns1="http://schemas.openxmlformats.org/officeDocument/2006/extended-properties" xmlns:vt="http://schemas.openxmlformats.org/officeDocument/2006/docPropsVTypes" xmlns:a16="http://schemas.microsoft.com/office/drawing/2010/main" id="{72EF8391-DF0C-49DD-8819-529B851BA2E7}"/>
               </a:ext>
             </a:extLst>
           </p:cNvPr>
@@ -7911,15 +8028,15 @@
           <p:nvPr/>
         </p:nvPicPr>
         <p:blipFill>
-          <a:blip r:embed="rId3"/>
+          <a:blip r:embed="rId2"/>
           <a:stretch>
             <a:fillRect/>
           </a:stretch>
         </p:blipFill>
         <p:spPr>
           <a:xfrm>
-            <a:off x="5949734" y="180784"/>
-            <a:ext cx="540324" cy="2223525"/>
+            <a:off x="3346726" y="2558585"/>
+            <a:ext cx="800049" cy="3292341"/>
           </a:xfrm>
           <a:prstGeom prst="rect">
             <a:avLst/>
@@ -7932,7 +8049,7 @@
           <p:cNvPr id="5" name="Arrow: Right 4">
             <a:extLst>
               <a:ext uri="{2A728D37-4A46-4F7D-9C91-64451AC30710}">
-                <a16:creationId xmlns:a16="http://schemas.microsoft.com/office/drawing/2010/main" xmlns:vt="http://schemas.openxmlformats.org/officeDocument/2006/docPropsVTypes" xmlns:ns1="http://schemas.openxmlformats.org/officeDocument/2006/extended-properties" xmlns:cs="http://schemas.microsoft.com/office/drawing/2012/chartStyle" xmlns:c="http://schemas.openxmlformats.org/drawingml/2006/chart" xmlns="" id="{F4298D23-5412-4449-8AB0-7D80498AE4EF}"/>
+                <a16:creationId xmlns="" xmlns:c="http://schemas.openxmlformats.org/drawingml/2006/chart" xmlns:cs="http://schemas.microsoft.com/office/drawing/2012/chartStyle" xmlns:ns1="http://schemas.openxmlformats.org/officeDocument/2006/extended-properties" xmlns:vt="http://schemas.openxmlformats.org/officeDocument/2006/docPropsVTypes" xmlns:a16="http://schemas.microsoft.com/office/drawing/2010/main" id="{F4298D23-5412-4449-8AB0-7D80498AE4EF}"/>
               </a:ext>
             </a:extLst>
           </p:cNvPr>
@@ -7941,8 +8058,8 @@
         </p:nvSpPr>
         <p:spPr>
           <a:xfrm rot="12420000">
-            <a:off x="6409448" y="400050"/>
-            <a:ext cx="1025118" cy="316334"/>
+            <a:off x="4002920" y="2809695"/>
+            <a:ext cx="576629" cy="177938"/>
           </a:xfrm>
           <a:prstGeom prst="rightArrow">
             <a:avLst/>
@@ -7972,7 +8089,7 @@
           <a:lstStyle/>
           <a:p>
             <a:pPr algn="ctr"/>
-            <a:endParaRPr lang="en-US" dirty="0"/>
+            <a:endParaRPr lang="en-US" sz="1013" dirty="0"/>
           </a:p>
         </p:txBody>
       </p:sp>
@@ -7981,7 +8098,7 @@
           <p:cNvPr id="6" name="TextBox 5">
             <a:extLst>
               <a:ext uri="{93F8A307-40CA-412C-BD77-9961B91AB10F}">
-                <a16:creationId xmlns:a16="http://schemas.microsoft.com/office/drawing/2010/main" xmlns:vt="http://schemas.openxmlformats.org/officeDocument/2006/docPropsVTypes" xmlns:ns1="http://schemas.openxmlformats.org/officeDocument/2006/extended-properties" xmlns:cs="http://schemas.microsoft.com/office/drawing/2012/chartStyle" xmlns:c="http://schemas.openxmlformats.org/drawingml/2006/chart" xmlns="" id="{E46A73E8-8B3C-444A-B4F8-570F2C31B2A3}"/>
+                <a16:creationId xmlns="" xmlns:c="http://schemas.openxmlformats.org/drawingml/2006/chart" xmlns:cs="http://schemas.microsoft.com/office/drawing/2012/chartStyle" xmlns:ns1="http://schemas.openxmlformats.org/officeDocument/2006/extended-properties" xmlns:vt="http://schemas.openxmlformats.org/officeDocument/2006/docPropsVTypes" xmlns:a16="http://schemas.microsoft.com/office/drawing/2010/main" id="{E46A73E8-8B3C-444A-B4F8-570F2C31B2A3}"/>
               </a:ext>
             </a:extLst>
           </p:cNvPr>
@@ -7990,15 +8107,15 @@
         </p:nvSpPr>
         <p:spPr>
           <a:xfrm>
-            <a:off x="7372045" y="631478"/>
-            <a:ext cx="176288" cy="308552"/>
+            <a:off x="4538935" y="2953817"/>
+            <a:ext cx="99162" cy="175353"/>
           </a:xfrm>
           <a:prstGeom prst="rect">
             <a:avLst/>
           </a:prstGeom>
         </p:spPr>
         <p:txBody>
-          <a:bodyPr vert="horz" lIns="95250" tIns="47625" rIns="95250" bIns="47625" rtlCol="0" anchor="t">
+          <a:bodyPr vert="horz" lIns="53578" tIns="26789" rIns="53578" bIns="26789" rtlCol="0" anchor="t">
             <a:spAutoFit/>
           </a:bodyPr>
           <a:lstStyle/>
@@ -8007,7 +8124,7 @@
               <a:defRPr lang="en-US" sz="1400" dirty="0"/>
             </a:pPr>
             <a:r>
-              <a:rPr lang="en-US" dirty="0"/>
+              <a:rPr lang="en-US" sz="788" dirty="0"/>
               <a:t>1</a:t>
             </a:r>
           </a:p>
@@ -8018,7 +8135,7 @@
           <p:cNvPr id="7" name="TextBox 6">
             <a:extLst>
               <a:ext uri="{91F64AC3-22F4-4722-BDB1-C65BCFDFF4F1}">
-                <a16:creationId xmlns:a16="http://schemas.microsoft.com/office/drawing/2010/main" xmlns:vt="http://schemas.openxmlformats.org/officeDocument/2006/docPropsVTypes" xmlns:ns1="http://schemas.openxmlformats.org/officeDocument/2006/extended-properties" xmlns:cs="http://schemas.microsoft.com/office/drawing/2012/chartStyle" xmlns:c="http://schemas.openxmlformats.org/drawingml/2006/chart" xmlns="" id="{94DA56B5-786B-490E-87FD-50CA07DAF9C0}"/>
+                <a16:creationId xmlns="" xmlns:c="http://schemas.openxmlformats.org/drawingml/2006/chart" xmlns:cs="http://schemas.microsoft.com/office/drawing/2012/chartStyle" xmlns:ns1="http://schemas.openxmlformats.org/officeDocument/2006/extended-properties" xmlns:vt="http://schemas.openxmlformats.org/officeDocument/2006/docPropsVTypes" xmlns:a16="http://schemas.microsoft.com/office/drawing/2010/main" id="{94DA56B5-786B-490E-87FD-50CA07DAF9C0}"/>
               </a:ext>
             </a:extLst>
           </p:cNvPr>
@@ -8027,15 +8144,15 @@
         </p:nvSpPr>
         <p:spPr>
           <a:xfrm>
-            <a:off x="5277802" y="1147495"/>
-            <a:ext cx="306514" cy="308552"/>
+            <a:off x="2968764" y="3249126"/>
+            <a:ext cx="172414" cy="175353"/>
           </a:xfrm>
           <a:prstGeom prst="rect">
             <a:avLst/>
           </a:prstGeom>
         </p:spPr>
         <p:txBody>
-          <a:bodyPr vert="horz" lIns="95250" tIns="47625" rIns="95250" bIns="47625" rtlCol="0" anchor="t">
+          <a:bodyPr vert="horz" lIns="53578" tIns="26789" rIns="53578" bIns="26789" rtlCol="0" anchor="t">
             <a:spAutoFit/>
           </a:bodyPr>
           <a:lstStyle/>
@@ -8044,7 +8161,7 @@
               <a:defRPr lang="en-US" sz="1400" dirty="0"/>
             </a:pPr>
             <a:r>
-              <a:rPr lang="en-US" dirty="0"/>
+              <a:rPr lang="en-US" sz="788" dirty="0"/>
               <a:t>2</a:t>
             </a:r>
           </a:p>
@@ -8055,7 +8172,7 @@
           <p:cNvPr id="8" name="Arrow: Right 7">
             <a:extLst>
               <a:ext uri="{F51D45B4-0044-459B-BC1F-332E6C009506}">
-                <a16:creationId xmlns:a16="http://schemas.microsoft.com/office/drawing/2010/main" xmlns:vt="http://schemas.openxmlformats.org/officeDocument/2006/docPropsVTypes" xmlns:ns1="http://schemas.openxmlformats.org/officeDocument/2006/extended-properties" xmlns:cs="http://schemas.microsoft.com/office/drawing/2012/chartStyle" xmlns:c="http://schemas.openxmlformats.org/drawingml/2006/chart" xmlns="" id="{D4350C5E-4CB4-4AA5-AD48-CEFDE99B5526}"/>
+                <a16:creationId xmlns="" xmlns:c="http://schemas.openxmlformats.org/drawingml/2006/chart" xmlns:cs="http://schemas.microsoft.com/office/drawing/2012/chartStyle" xmlns:ns1="http://schemas.openxmlformats.org/officeDocument/2006/extended-properties" xmlns:vt="http://schemas.openxmlformats.org/officeDocument/2006/docPropsVTypes" xmlns:a16="http://schemas.microsoft.com/office/drawing/2010/main" id="{D4350C5E-4CB4-4AA5-AD48-CEFDE99B5526}"/>
               </a:ext>
             </a:extLst>
           </p:cNvPr>
@@ -8064,8 +8181,8 @@
         </p:nvSpPr>
         <p:spPr>
           <a:xfrm rot="18060000">
-            <a:off x="5236035" y="627592"/>
-            <a:ext cx="1025118" cy="316334"/>
+            <a:off x="2991411" y="2944959"/>
+            <a:ext cx="576629" cy="177938"/>
           </a:xfrm>
           <a:prstGeom prst="rightArrow">
             <a:avLst/>
@@ -8095,58 +8212,331 @@
           <a:lstStyle/>
           <a:p>
             <a:pPr algn="ctr"/>
-            <a:endParaRPr lang="en-US" dirty="0"/>
-          </a:p>
-        </p:txBody>
-      </p:sp>
-      <p:sp>
-        <p:nvSpPr>
-          <p:cNvPr id="9" name="TextBox 8">
-            <a:hlinkClick r:id="rId4" action="ppaction://hlinksldjump"/>
-            <a:extLst>
-              <a:ext uri="{CF42E067-7567-40FA-9480-4F3C278521C1}">
-                <a16:creationId xmlns:a16="http://schemas.microsoft.com/office/drawing/2010/main" xmlns:vt="http://schemas.openxmlformats.org/officeDocument/2006/docPropsVTypes" xmlns:ns1="http://schemas.openxmlformats.org/officeDocument/2006/extended-properties" xmlns:cs="http://schemas.microsoft.com/office/drawing/2012/chartStyle" xmlns:c="http://schemas.openxmlformats.org/drawingml/2006/chart" xmlns="" id="{A2E3DF83-38B8-47E9-A927-A3F3BCEC1E72}"/>
-              </a:ext>
-            </a:extLst>
-          </p:cNvPr>
-          <p:cNvSpPr txBox="1"/>
-          <p:nvPr>
-            <p:custDataLst>
-              <p:tags r:id="rId1"/>
-            </p:custDataLst>
-          </p:nvPr>
+            <a:endParaRPr lang="en-US" sz="1013" dirty="0"/>
+          </a:p>
+        </p:txBody>
+      </p:sp>
+      <p:sp>
+        <p:nvSpPr>
+          <p:cNvPr id="10" name="Title Placeholder 1">
+            <a:extLst>
+              <a:ext uri="{FF2B5EF4-FFF2-40B4-BE49-F238E27FC236}">
+                <a16:creationId xmlns:a16="http://schemas.microsoft.com/office/drawing/2014/main" id="{24F163A8-FD3E-4838-97BE-6D38396B567F}"/>
+              </a:ext>
+              <a:ext uri="{6D8CF5EF-82D2-4B32-9320-8E66AE299717}">
+                <a16:creationId xmlns="" xmlns:c="http://schemas.openxmlformats.org/drawingml/2006/chart" xmlns:cs="http://schemas.microsoft.com/office/drawing/2012/chartStyle" xmlns:ns1="http://schemas.openxmlformats.org/officeDocument/2006/extended-properties" xmlns:vt="http://schemas.openxmlformats.org/officeDocument/2006/docPropsVTypes" xmlns:a16="http://schemas.microsoft.com/office/drawing/2010/main" id="{52BD1AF5-CA7C-4238-AECA-7986BE36A598}"/>
+              </a:ext>
+            </a:extLst>
+          </p:cNvPr>
+          <p:cNvSpPr txBox="1">
+            <a:spLocks/>
+          </p:cNvSpPr>
+          <p:nvPr/>
         </p:nvSpPr>
         <p:spPr>
           <a:xfrm>
-            <a:off x="3740505" y="4334311"/>
-            <a:ext cx="2157907" cy="589705"/>
-          </a:xfrm>
-          <a:solidFill>
-            <a:srgbClr val="FFCC52"/>
-          </a:solidFill>
-          <a:ln w="14288" cap="flat">
-            <a:solidFill>
-              <a:srgbClr val="FFFFFF"/>
-            </a:solidFill>
-            <a:prstDash val="dash"/>
-            <a:round/>
-          </a:ln>
-        </p:spPr>
-        <p:txBody>
-          <a:bodyPr vert="horz" lIns="95250" tIns="47625" rIns="95250" bIns="47625" rtlCol="0" anchor="ctr">
-            <a:spAutoFit/>
+            <a:off x="1202321" y="152399"/>
+            <a:ext cx="3007989" cy="1250732"/>
+          </a:xfrm>
+          <a:prstGeom prst="rect">
+            <a:avLst/>
+          </a:prstGeom>
+          <a:noFill/>
+        </p:spPr>
+        <p:txBody>
+          <a:bodyPr vert="horz" lIns="91440" tIns="45720" rIns="91440" bIns="45720" rtlCol="0" anchor="t">
+            <a:noAutofit/>
           </a:bodyPr>
+          <a:lstStyle>
+            <a:lvl1pPr lvl="0" algn="l" rtl="0">
+              <a:lnSpc>
+                <a:spcPct val="100000"/>
+              </a:lnSpc>
+              <a:spcBef>
+                <a:spcPct val="0"/>
+              </a:spcBef>
+              <a:buNone/>
+              <a:defRPr lang="en-US" sz="1800" b="1" i="0" dirty="0">
+                <a:solidFill>
+                  <a:schemeClr val="tx2"/>
+                </a:solidFill>
+                <a:latin typeface="+mj-lt"/>
+              </a:defRPr>
+            </a:lvl1pPr>
+          </a:lstStyle>
+          <a:p>
+            <a:pPr algn="ctr"/>
+            <a:r>
+              <a:rPr lang="en-US" sz="2800" dirty="0"/>
+              <a:t>HDMI &amp; USB Cables</a:t>
+            </a:r>
+          </a:p>
+        </p:txBody>
+      </p:sp>
+      <p:sp>
+        <p:nvSpPr>
+          <p:cNvPr id="13" name="Content Placeholder 9">
+            <a:extLst>
+              <a:ext uri="{FF2B5EF4-FFF2-40B4-BE49-F238E27FC236}">
+                <a16:creationId xmlns:a16="http://schemas.microsoft.com/office/drawing/2014/main" id="{2AD12B1D-4597-433D-AA79-8704F46F2050}"/>
+              </a:ext>
+              <a:ext uri="{CE9C5E18-4B55-449D-A2D5-942D00BC4BD0}">
+                <a16:creationId xmlns="" xmlns:c="http://schemas.openxmlformats.org/drawingml/2006/chart" xmlns:cs="http://schemas.microsoft.com/office/drawing/2012/chartStyle" xmlns:ns1="http://schemas.openxmlformats.org/officeDocument/2006/extended-properties" xmlns:vt="http://schemas.openxmlformats.org/officeDocument/2006/docPropsVTypes" xmlns:a16="http://schemas.microsoft.com/office/drawing/2010/main" id="{E90624CB-3D5F-4BA3-994E-58ABFADF1205}"/>
+              </a:ext>
+            </a:extLst>
+          </p:cNvPr>
+          <p:cNvSpPr txBox="1">
+            <a:spLocks/>
+          </p:cNvSpPr>
+          <p:nvPr/>
+        </p:nvSpPr>
+        <p:spPr>
+          <a:xfrm>
+            <a:off x="226480" y="5803314"/>
+            <a:ext cx="4917020" cy="1309632"/>
+          </a:xfrm>
+          <a:prstGeom prst="rect">
+            <a:avLst/>
+          </a:prstGeom>
+        </p:spPr>
+        <p:txBody>
+          <a:bodyPr vert="horz" lIns="91440" tIns="93600" rIns="91440" bIns="45720" rtlCol="0">
+            <a:normAutofit lnSpcReduction="10000"/>
+          </a:bodyPr>
+          <a:lstStyle>
+            <a:lvl1pPr marL="192881" lvl="0" indent="-192881" algn="l" rtl="0">
+              <a:spcBef>
+                <a:spcPts val="675"/>
+              </a:spcBef>
+              <a:buClr>
+                <a:schemeClr val="tx1">
+                  <a:lumMod val="85000"/>
+                  <a:lumOff val="15000"/>
+                </a:schemeClr>
+              </a:buClr>
+              <a:buFont typeface="Source Sans Pro"/>
+              <a:buChar char="⇢"/>
+              <a:defRPr lang="en-US" sz="1013" b="0" i="0" dirty="0">
+                <a:solidFill>
+                  <a:schemeClr val="tx1">
+                    <a:lumMod val="85000"/>
+                    <a:lumOff val="15000"/>
+                  </a:schemeClr>
+                </a:solidFill>
+                <a:latin typeface="+mn-lt"/>
+              </a:defRPr>
+            </a:lvl1pPr>
+            <a:lvl2pPr marL="417909" lvl="1" indent="-160734" algn="l" rtl="0">
+              <a:spcBef>
+                <a:spcPct val="20000"/>
+              </a:spcBef>
+              <a:buClr>
+                <a:srgbClr val="88A797"/>
+              </a:buClr>
+              <a:buFont typeface="Arial"/>
+              <a:buChar char="-"/>
+              <a:defRPr lang="en-US" sz="900" b="0" i="0" dirty="0">
+                <a:solidFill>
+                  <a:schemeClr val="tx1">
+                    <a:lumMod val="50000"/>
+                    <a:lumOff val="50000"/>
+                  </a:schemeClr>
+                </a:solidFill>
+                <a:latin typeface="+mn-lt"/>
+              </a:defRPr>
+            </a:lvl2pPr>
+            <a:lvl3pPr marL="642938" lvl="2" indent="-128588" algn="l" rtl="0">
+              <a:spcBef>
+                <a:spcPct val="20000"/>
+              </a:spcBef>
+              <a:buClr>
+                <a:srgbClr val="88A797"/>
+              </a:buClr>
+              <a:buFont typeface="Arial"/>
+              <a:buChar char="•"/>
+              <a:defRPr lang="en-US" sz="788" b="0" i="0" dirty="0">
+                <a:solidFill>
+                  <a:schemeClr val="tx1">
+                    <a:lumMod val="50000"/>
+                    <a:lumOff val="50000"/>
+                  </a:schemeClr>
+                </a:solidFill>
+                <a:latin typeface="+mn-lt"/>
+              </a:defRPr>
+            </a:lvl3pPr>
+            <a:lvl4pPr marL="900113" lvl="3" indent="-128588" algn="l" rtl="0">
+              <a:spcBef>
+                <a:spcPct val="20000"/>
+              </a:spcBef>
+              <a:buClr>
+                <a:srgbClr val="88A797"/>
+              </a:buClr>
+              <a:buFont typeface="Arial"/>
+              <a:buChar char="-"/>
+              <a:defRPr lang="en-US" sz="675" b="0" i="0" dirty="0">
+                <a:solidFill>
+                  <a:schemeClr val="tx1">
+                    <a:lumMod val="50000"/>
+                    <a:lumOff val="50000"/>
+                  </a:schemeClr>
+                </a:solidFill>
+                <a:latin typeface="+mn-lt"/>
+              </a:defRPr>
+            </a:lvl4pPr>
+            <a:lvl5pPr marL="1157288" lvl="4" indent="-128588" algn="l" rtl="0">
+              <a:spcBef>
+                <a:spcPct val="20000"/>
+              </a:spcBef>
+              <a:buClr>
+                <a:srgbClr val="88A797"/>
+              </a:buClr>
+              <a:buFont typeface="Arial"/>
+              <a:buChar char="•"/>
+              <a:defRPr lang="en-US" sz="619" b="0" i="0" dirty="0">
+                <a:solidFill>
+                  <a:schemeClr val="tx1">
+                    <a:lumMod val="50000"/>
+                    <a:lumOff val="50000"/>
+                  </a:schemeClr>
+                </a:solidFill>
+                <a:latin typeface="+mn-lt"/>
+              </a:defRPr>
+            </a:lvl5pPr>
+            <a:lvl6pPr marL="1414463" lvl="5" indent="-128588" algn="l" rtl="0">
+              <a:spcBef>
+                <a:spcPct val="20000"/>
+              </a:spcBef>
+              <a:buFont typeface="Arial"/>
+              <a:buChar char="•"/>
+              <a:defRPr lang="en-US" sz="619" b="0" dirty="0">
+                <a:solidFill>
+                  <a:schemeClr val="tx1">
+                    <a:lumMod val="50000"/>
+                    <a:lumOff val="50000"/>
+                  </a:schemeClr>
+                </a:solidFill>
+                <a:latin typeface="+mn-lt"/>
+              </a:defRPr>
+            </a:lvl6pPr>
+            <a:lvl7pPr marL="1671638" lvl="6" indent="-128588" algn="l" rtl="0">
+              <a:spcBef>
+                <a:spcPct val="20000"/>
+              </a:spcBef>
+              <a:buFont typeface="Arial"/>
+              <a:buChar char="•"/>
+              <a:defRPr lang="en-US" sz="619" b="0" dirty="0">
+                <a:solidFill>
+                  <a:schemeClr val="tx1">
+                    <a:lumMod val="50000"/>
+                    <a:lumOff val="50000"/>
+                  </a:schemeClr>
+                </a:solidFill>
+                <a:latin typeface="+mn-lt"/>
+              </a:defRPr>
+            </a:lvl7pPr>
+            <a:lvl8pPr marL="1928813" lvl="7" indent="-128588" algn="l" rtl="0">
+              <a:spcBef>
+                <a:spcPct val="20000"/>
+              </a:spcBef>
+              <a:buFont typeface="Arial"/>
+              <a:buChar char="•"/>
+              <a:defRPr lang="en-US" sz="619" b="0" dirty="0">
+                <a:solidFill>
+                  <a:schemeClr val="tx1">
+                    <a:lumMod val="50000"/>
+                    <a:lumOff val="50000"/>
+                  </a:schemeClr>
+                </a:solidFill>
+                <a:latin typeface="+mn-lt"/>
+              </a:defRPr>
+            </a:lvl8pPr>
+            <a:lvl9pPr marL="2185988" lvl="8" indent="-128588" algn="l" rtl="0">
+              <a:spcBef>
+                <a:spcPct val="20000"/>
+              </a:spcBef>
+              <a:buFont typeface="Arial"/>
+              <a:buChar char="•"/>
+              <a:defRPr lang="en-US" sz="619" b="0" dirty="0">
+                <a:solidFill>
+                  <a:schemeClr val="tx1">
+                    <a:lumMod val="50000"/>
+                    <a:lumOff val="50000"/>
+                  </a:schemeClr>
+                </a:solidFill>
+                <a:latin typeface="+mn-lt"/>
+              </a:defRPr>
+            </a:lvl9pPr>
+          </a:lstStyle>
+          <a:p>
+            <a:pPr marL="0" indent="0">
+              <a:buFont typeface="Source Sans Pro"/>
+              <a:buNone/>
+            </a:pPr>
+            <a:endParaRPr lang="en-US" sz="1200" dirty="0"/>
+          </a:p>
+          <a:p>
+            <a:r>
+              <a:rPr lang="en-US" sz="1200" dirty="0"/>
+              <a:t>3. Plug the USB and HDMI cables into your laptop</a:t>
+            </a:r>
+          </a:p>
+          <a:p>
+            <a:r>
+              <a:rPr lang="en-US" sz="1200" dirty="0"/>
+              <a:t>4. Use this for Local presentation or Video Conferencing</a:t>
+            </a:r>
+          </a:p>
+          <a:p>
+            <a:r>
+              <a:rPr lang="en-US" sz="1200" dirty="0"/>
+              <a:t>5. For Video Conferencing, select BOSE SOUND BAR/VB1 as your Camera, audio, Mic settings</a:t>
+            </a:r>
+          </a:p>
+        </p:txBody>
+      </p:sp>
+      <p:sp>
+        <p:nvSpPr>
+          <p:cNvPr id="14" name="Rectangle: Rounded Corners 13">
+            <a:hlinkClick r:id="rId3" action="ppaction://hlinksldjump"/>
+            <a:extLst>
+              <a:ext uri="{FF2B5EF4-FFF2-40B4-BE49-F238E27FC236}">
+                <a16:creationId xmlns:a16="http://schemas.microsoft.com/office/drawing/2014/main" id="{601E6D01-036C-44E9-B0C2-36380C4A2C31}"/>
+              </a:ext>
+            </a:extLst>
+          </p:cNvPr>
+          <p:cNvSpPr/>
+          <p:nvPr/>
+        </p:nvSpPr>
+        <p:spPr>
+          <a:xfrm>
+            <a:off x="1943695" y="7902037"/>
+            <a:ext cx="1524000" cy="914400"/>
+          </a:xfrm>
+          <a:prstGeom prst="roundRect">
+            <a:avLst/>
+          </a:prstGeom>
+        </p:spPr>
+        <p:style>
+          <a:lnRef idx="0">
+            <a:scrgbClr r="0" g="0" b="0"/>
+          </a:lnRef>
+          <a:fillRef idx="1">
+            <a:schemeClr val="accent1"/>
+          </a:fillRef>
+          <a:effectRef idx="0">
+            <a:schemeClr val="accent1"/>
+          </a:effectRef>
+          <a:fontRef idx="none"/>
+        </p:style>
+        <p:txBody>
+          <a:bodyPr vert="horz" rtlCol="0" anchor="ctr"/>
           <a:lstStyle/>
           <a:p>
             <a:pPr algn="ctr">
               <a:defRPr lang="en-US" sz="1400" dirty="0"/>
             </a:pPr>
             <a:r>
-              <a:rPr lang="en-US" dirty="0">
-                <a:solidFill>
-                  <a:schemeClr val="tx1"/>
-                </a:solidFill>
-              </a:rPr>
+              <a:rPr lang="en-US" sz="1200" b="1" dirty="0"/>
               <a:t>Main</a:t>
             </a:r>
           </a:p>
@@ -8155,11 +8545,7 @@
               <a:defRPr lang="en-US" sz="1400" dirty="0"/>
             </a:pPr>
             <a:r>
-              <a:rPr lang="en-US" dirty="0">
-                <a:solidFill>
-                  <a:schemeClr val="tx1"/>
-                </a:solidFill>
-              </a:rPr>
+              <a:rPr lang="en-US" sz="1200" b="1" dirty="0"/>
               <a:t>Menu</a:t>
             </a:r>
           </a:p>
@@ -8168,7 +8554,7 @@
     </p:spTree>
     <p:extLst>
       <p:ext uri="{5517CDCB-5A1C-4E82-84C7-4B615431F365}">
-        <p14:creationId xmlns:p14="http://schemas.microsoft.com/office/powerpoint/2010/main" xmlns:vt="http://schemas.openxmlformats.org/officeDocument/2006/docPropsVTypes" xmlns:ns1="http://schemas.openxmlformats.org/officeDocument/2006/extended-properties" xmlns:cs="http://schemas.microsoft.com/office/drawing/2012/chartStyle" xmlns:c="http://schemas.openxmlformats.org/drawingml/2006/chart" xmlns="" val="1648132718604"/>
+        <p14:creationId xmlns="" xmlns:c="http://schemas.openxmlformats.org/drawingml/2006/chart" xmlns:cs="http://schemas.microsoft.com/office/drawing/2012/chartStyle" xmlns:ns1="http://schemas.openxmlformats.org/officeDocument/2006/extended-properties" xmlns:vt="http://schemas.openxmlformats.org/officeDocument/2006/docPropsVTypes" xmlns:p14="http://schemas.microsoft.com/office/powerpoint/2010/main" val="1648132718604"/>
       </p:ext>
     </p:extLst>
   </p:cSld>
@@ -8197,43 +8583,10 @@
       </p:grpSpPr>
       <p:sp>
         <p:nvSpPr>
-          <p:cNvPr id="2" name="Title Placeholder 1">
-            <a:extLst>
-              <a:ext uri="{295BEAA1-693B-4A0F-B1E5-8CCB0B3D74F3}">
-                <a16:creationId xmlns:a16="http://schemas.microsoft.com/office/drawing/2010/main" xmlns:vt="http://schemas.openxmlformats.org/officeDocument/2006/docPropsVTypes" xmlns:ns1="http://schemas.openxmlformats.org/officeDocument/2006/extended-properties" xmlns:cs="http://schemas.microsoft.com/office/drawing/2012/chartStyle" xmlns:c="http://schemas.openxmlformats.org/drawingml/2006/chart" xmlns="" id="{3CDFB4AB-0022-482E-8686-ABE1E8FCDBC6}"/>
-              </a:ext>
-            </a:extLst>
-          </p:cNvPr>
-          <p:cNvSpPr>
-            <a:spLocks noGrp="1"/>
-          </p:cNvSpPr>
-          <p:nvPr>
-            <p:ph type="title"/>
-          </p:nvPr>
-        </p:nvSpPr>
-        <p:spPr>
-          <a:xfrm>
-            <a:off x="404583" y="0"/>
-            <a:ext cx="7143750" cy="570571"/>
-          </a:xfrm>
-        </p:spPr>
-        <p:txBody>
-          <a:bodyPr rtlCol="0"/>
-          <a:lstStyle/>
-          <a:p>
-            <a:r>
-              <a:rPr lang="en-US" dirty="0"/>
-              <a:t>Powering Off System</a:t>
-            </a:r>
-          </a:p>
-        </p:txBody>
-      </p:sp>
-      <p:sp>
-        <p:nvSpPr>
           <p:cNvPr id="3" name="Content Placeholder 9">
             <a:extLst>
               <a:ext uri="{675A90D5-947E-41DE-9CC4-9DDE45AC2DD2}">
-                <a16:creationId xmlns:a16="http://schemas.microsoft.com/office/drawing/2010/main" xmlns:vt="http://schemas.openxmlformats.org/officeDocument/2006/docPropsVTypes" xmlns:ns1="http://schemas.openxmlformats.org/officeDocument/2006/extended-properties" xmlns:cs="http://schemas.microsoft.com/office/drawing/2012/chartStyle" xmlns:c="http://schemas.openxmlformats.org/drawingml/2006/chart" xmlns="" id="{C7147A70-B35B-45CA-A76A-23C4F7948A58}"/>
+                <a16:creationId xmlns="" xmlns:c="http://schemas.openxmlformats.org/drawingml/2006/chart" xmlns:cs="http://schemas.microsoft.com/office/drawing/2012/chartStyle" xmlns:ns1="http://schemas.openxmlformats.org/officeDocument/2006/extended-properties" xmlns:vt="http://schemas.openxmlformats.org/officeDocument/2006/docPropsVTypes" xmlns:a16="http://schemas.microsoft.com/office/drawing/2010/main" id="{C7147A70-B35B-45CA-A76A-23C4F7948A58}"/>
               </a:ext>
             </a:extLst>
           </p:cNvPr>
@@ -8246,39 +8599,41 @@
         </p:nvSpPr>
         <p:spPr>
           <a:xfrm>
-            <a:off x="281892" y="1047750"/>
-            <a:ext cx="8862108" cy="3898487"/>
-          </a:xfrm>
-        </p:spPr>
-        <p:txBody>
-          <a:bodyPr rtlCol="0"/>
+            <a:off x="213847" y="1143000"/>
+            <a:ext cx="4984936" cy="2192899"/>
+          </a:xfrm>
+        </p:spPr>
+        <p:txBody>
+          <a:bodyPr rtlCol="0">
+            <a:normAutofit/>
+          </a:bodyPr>
           <a:lstStyle/>
           <a:p>
             <a:r>
-              <a:rPr lang="en-US" dirty="0"/>
+              <a:rPr lang="en-US" sz="1400" dirty="0"/>
               <a:t>1. Use the TV Remote to Turn off the TV</a:t>
             </a:r>
           </a:p>
           <a:p>
             <a:r>
-              <a:rPr lang="en-US" dirty="0"/>
+              <a:rPr lang="en-US" sz="1400" dirty="0"/>
               <a:t>2. Unplug all cables and pucks</a:t>
             </a:r>
           </a:p>
           <a:p>
-            <a:endParaRPr lang="en-US" dirty="0"/>
+            <a:endParaRPr lang="en-US" sz="1400" dirty="0"/>
           </a:p>
           <a:p>
             <a:pPr marL="0" indent="0">
               <a:buNone/>
             </a:pPr>
-            <a:endParaRPr lang="en-US" dirty="0"/>
+            <a:endParaRPr lang="en-US" sz="1400" dirty="0"/>
           </a:p>
           <a:p>
             <a:pPr marL="0" indent="0">
               <a:buNone/>
             </a:pPr>
-            <a:endParaRPr lang="en-US" dirty="0"/>
+            <a:endParaRPr lang="en-US" sz="1400" dirty="0"/>
           </a:p>
         </p:txBody>
       </p:sp>
@@ -8287,7 +8642,7 @@
           <p:cNvPr id="4" name="Picture 3">
             <a:extLst>
               <a:ext uri="{40D4604A-0348-49DF-AD64-9463E8500959}">
-                <a16:creationId xmlns:a16="http://schemas.microsoft.com/office/drawing/2010/main" xmlns:vt="http://schemas.openxmlformats.org/officeDocument/2006/docPropsVTypes" xmlns:ns1="http://schemas.openxmlformats.org/officeDocument/2006/extended-properties" xmlns:cs="http://schemas.microsoft.com/office/drawing/2012/chartStyle" xmlns:c="http://schemas.openxmlformats.org/drawingml/2006/chart" xmlns="" id="{BA55C238-F601-45F9-AA80-614A5B4A1E15}"/>
+                <a16:creationId xmlns="" xmlns:c="http://schemas.openxmlformats.org/drawingml/2006/chart" xmlns:cs="http://schemas.microsoft.com/office/drawing/2012/chartStyle" xmlns:ns1="http://schemas.openxmlformats.org/officeDocument/2006/extended-properties" xmlns:vt="http://schemas.openxmlformats.org/officeDocument/2006/docPropsVTypes" xmlns:a16="http://schemas.microsoft.com/office/drawing/2010/main" id="{BA55C238-F601-45F9-AA80-614A5B4A1E15}"/>
               </a:ext>
             </a:extLst>
           </p:cNvPr>
@@ -8297,15 +8652,15 @@
           <p:nvPr/>
         </p:nvPicPr>
         <p:blipFill>
-          <a:blip r:embed="rId3"/>
+          <a:blip r:embed="rId2"/>
           <a:stretch>
             <a:fillRect/>
           </a:stretch>
         </p:blipFill>
         <p:spPr>
           <a:xfrm>
-            <a:off x="5949734" y="1048131"/>
-            <a:ext cx="540324" cy="2223525"/>
+            <a:off x="2706315" y="2106553"/>
+            <a:ext cx="1078908" cy="4439894"/>
           </a:xfrm>
           <a:prstGeom prst="rect">
             <a:avLst/>
@@ -8318,7 +8673,7 @@
           <p:cNvPr id="5" name="Arrow: Right 4">
             <a:extLst>
               <a:ext uri="{0A2DF8A5-B227-44C2-A82A-81B27C542E58}">
-                <a16:creationId xmlns:a16="http://schemas.microsoft.com/office/drawing/2010/main" xmlns:vt="http://schemas.openxmlformats.org/officeDocument/2006/docPropsVTypes" xmlns:ns1="http://schemas.openxmlformats.org/officeDocument/2006/extended-properties" xmlns:cs="http://schemas.microsoft.com/office/drawing/2012/chartStyle" xmlns:c="http://schemas.openxmlformats.org/drawingml/2006/chart" xmlns="" id="{4215B03A-7594-455A-A68B-86F9C2E43DEC}"/>
+                <a16:creationId xmlns="" xmlns:c="http://schemas.openxmlformats.org/drawingml/2006/chart" xmlns:cs="http://schemas.microsoft.com/office/drawing/2012/chartStyle" xmlns:ns1="http://schemas.openxmlformats.org/officeDocument/2006/extended-properties" xmlns:vt="http://schemas.openxmlformats.org/officeDocument/2006/docPropsVTypes" xmlns:a16="http://schemas.microsoft.com/office/drawing/2010/main" id="{4215B03A-7594-455A-A68B-86F9C2E43DEC}"/>
               </a:ext>
             </a:extLst>
           </p:cNvPr>
@@ -8327,8 +8682,8 @@
         </p:nvSpPr>
         <p:spPr>
           <a:xfrm rot="12420000">
-            <a:off x="6409448" y="1266825"/>
-            <a:ext cx="1025118" cy="316334"/>
+            <a:off x="3677685" y="2481536"/>
+            <a:ext cx="576629" cy="177938"/>
           </a:xfrm>
           <a:prstGeom prst="rightArrow">
             <a:avLst/>
@@ -8358,7 +8713,7 @@
           <a:lstStyle/>
           <a:p>
             <a:pPr algn="ctr"/>
-            <a:endParaRPr lang="en-US" dirty="0"/>
+            <a:endParaRPr lang="en-US" sz="1013" dirty="0"/>
           </a:p>
         </p:txBody>
       </p:sp>
@@ -8367,7 +8722,7 @@
           <p:cNvPr id="6" name="TextBox 5">
             <a:extLst>
               <a:ext uri="{72B34FC9-CE4F-40B1-98DB-6E44CE5C3587}">
-                <a16:creationId xmlns:a16="http://schemas.microsoft.com/office/drawing/2010/main" xmlns:vt="http://schemas.openxmlformats.org/officeDocument/2006/docPropsVTypes" xmlns:ns1="http://schemas.openxmlformats.org/officeDocument/2006/extended-properties" xmlns:cs="http://schemas.microsoft.com/office/drawing/2012/chartStyle" xmlns:c="http://schemas.openxmlformats.org/drawingml/2006/chart" xmlns="" id="{8BEDE094-5E24-408E-8059-9ED1FDFE9328}"/>
+                <a16:creationId xmlns="" xmlns:c="http://schemas.openxmlformats.org/drawingml/2006/chart" xmlns:cs="http://schemas.microsoft.com/office/drawing/2012/chartStyle" xmlns:ns1="http://schemas.openxmlformats.org/officeDocument/2006/extended-properties" xmlns:vt="http://schemas.openxmlformats.org/officeDocument/2006/docPropsVTypes" xmlns:a16="http://schemas.microsoft.com/office/drawing/2010/main" id="{8BEDE094-5E24-408E-8059-9ED1FDFE9328}"/>
               </a:ext>
             </a:extLst>
           </p:cNvPr>
@@ -8376,15 +8731,15 @@
         </p:nvSpPr>
         <p:spPr>
           <a:xfrm>
-            <a:off x="7372045" y="1498253"/>
-            <a:ext cx="176288" cy="308552"/>
+            <a:off x="4196112" y="2607644"/>
+            <a:ext cx="99162" cy="175353"/>
           </a:xfrm>
           <a:prstGeom prst="rect">
             <a:avLst/>
           </a:prstGeom>
         </p:spPr>
         <p:txBody>
-          <a:bodyPr vert="horz" lIns="95250" tIns="47625" rIns="95250" bIns="47625" rtlCol="0" anchor="t">
+          <a:bodyPr vert="horz" lIns="53578" tIns="26789" rIns="53578" bIns="26789" rtlCol="0" anchor="t">
             <a:spAutoFit/>
           </a:bodyPr>
           <a:lstStyle/>
@@ -8393,7 +8748,7 @@
               <a:defRPr lang="en-US" sz="1400" dirty="0"/>
             </a:pPr>
             <a:r>
-              <a:rPr lang="en-US" dirty="0"/>
+              <a:rPr lang="en-US" sz="788" dirty="0"/>
               <a:t>1</a:t>
             </a:r>
           </a:p>
@@ -8401,52 +8756,104 @@
       </p:sp>
       <p:sp>
         <p:nvSpPr>
-          <p:cNvPr id="7" name="TextBox 6">
-            <a:hlinkClick r:id="rId4" action="ppaction://hlinksldjump"/>
-            <a:extLst>
-              <a:ext uri="{27900117-F601-45B0-8A89-CFBA73027574}">
-                <a16:creationId xmlns:a16="http://schemas.microsoft.com/office/drawing/2010/main" xmlns:vt="http://schemas.openxmlformats.org/officeDocument/2006/docPropsVTypes" xmlns:ns1="http://schemas.openxmlformats.org/officeDocument/2006/extended-properties" xmlns:cs="http://schemas.microsoft.com/office/drawing/2012/chartStyle" xmlns:c="http://schemas.openxmlformats.org/drawingml/2006/chart" xmlns="" id="{0E18A802-102E-4E2D-AC2B-50430A01BAB3}"/>
-              </a:ext>
-            </a:extLst>
-          </p:cNvPr>
-          <p:cNvSpPr txBox="1"/>
-          <p:nvPr>
-            <p:custDataLst>
-              <p:tags r:id="rId1"/>
-            </p:custDataLst>
-          </p:nvPr>
+          <p:cNvPr id="8" name="Title Placeholder 1">
+            <a:extLst>
+              <a:ext uri="{FF2B5EF4-FFF2-40B4-BE49-F238E27FC236}">
+                <a16:creationId xmlns:a16="http://schemas.microsoft.com/office/drawing/2014/main" id="{4582F836-C127-488A-8E31-A8C38F760C45}"/>
+              </a:ext>
+              <a:ext uri="{6D8CF5EF-82D2-4B32-9320-8E66AE299717}">
+                <a16:creationId xmlns="" xmlns:c="http://schemas.openxmlformats.org/drawingml/2006/chart" xmlns:cs="http://schemas.microsoft.com/office/drawing/2012/chartStyle" xmlns:ns1="http://schemas.openxmlformats.org/officeDocument/2006/extended-properties" xmlns:vt="http://schemas.openxmlformats.org/officeDocument/2006/docPropsVTypes" xmlns:a16="http://schemas.microsoft.com/office/drawing/2010/main" id="{52BD1AF5-CA7C-4238-AECA-7986BE36A598}"/>
+              </a:ext>
+            </a:extLst>
+          </p:cNvPr>
+          <p:cNvSpPr txBox="1">
+            <a:spLocks/>
+          </p:cNvSpPr>
+          <p:nvPr/>
         </p:nvSpPr>
         <p:spPr>
           <a:xfrm>
-            <a:off x="3740505" y="4334311"/>
-            <a:ext cx="2157907" cy="589705"/>
-          </a:xfrm>
-          <a:solidFill>
-            <a:srgbClr val="FFCC52"/>
-          </a:solidFill>
-          <a:ln w="14288" cap="flat">
-            <a:solidFill>
-              <a:srgbClr val="FFFFFF"/>
-            </a:solidFill>
-            <a:prstDash val="dash"/>
-            <a:round/>
-          </a:ln>
-        </p:spPr>
-        <p:txBody>
-          <a:bodyPr vert="horz" lIns="95250" tIns="47625" rIns="95250" bIns="47625" rtlCol="0" anchor="ctr">
-            <a:spAutoFit/>
+            <a:off x="1202321" y="152399"/>
+            <a:ext cx="3007989" cy="1250732"/>
+          </a:xfrm>
+          <a:prstGeom prst="rect">
+            <a:avLst/>
+          </a:prstGeom>
+          <a:noFill/>
+        </p:spPr>
+        <p:txBody>
+          <a:bodyPr vert="horz" lIns="91440" tIns="45720" rIns="91440" bIns="45720" rtlCol="0" anchor="t">
+            <a:noAutofit/>
           </a:bodyPr>
+          <a:lstStyle>
+            <a:lvl1pPr lvl="0" algn="l" rtl="0">
+              <a:lnSpc>
+                <a:spcPct val="100000"/>
+              </a:lnSpc>
+              <a:spcBef>
+                <a:spcPct val="0"/>
+              </a:spcBef>
+              <a:buNone/>
+              <a:defRPr lang="en-US" sz="1800" b="1" i="0" dirty="0">
+                <a:solidFill>
+                  <a:schemeClr val="tx2"/>
+                </a:solidFill>
+                <a:latin typeface="+mj-lt"/>
+              </a:defRPr>
+            </a:lvl1pPr>
+          </a:lstStyle>
+          <a:p>
+            <a:pPr algn="ctr"/>
+            <a:r>
+              <a:rPr lang="en-US" sz="2800" dirty="0"/>
+              <a:t>Powering Off System</a:t>
+            </a:r>
+          </a:p>
+        </p:txBody>
+      </p:sp>
+      <p:sp>
+        <p:nvSpPr>
+          <p:cNvPr id="11" name="Rectangle: Rounded Corners 10">
+            <a:hlinkClick r:id="rId3" action="ppaction://hlinksldjump"/>
+            <a:extLst>
+              <a:ext uri="{FF2B5EF4-FFF2-40B4-BE49-F238E27FC236}">
+                <a16:creationId xmlns:a16="http://schemas.microsoft.com/office/drawing/2014/main" id="{58F4122D-E0E5-41DA-BD95-5C951D9A08CC}"/>
+              </a:ext>
+            </a:extLst>
+          </p:cNvPr>
+          <p:cNvSpPr/>
+          <p:nvPr/>
+        </p:nvSpPr>
+        <p:spPr>
+          <a:xfrm>
+            <a:off x="1943695" y="7902037"/>
+            <a:ext cx="1524000" cy="914400"/>
+          </a:xfrm>
+          <a:prstGeom prst="roundRect">
+            <a:avLst/>
+          </a:prstGeom>
+        </p:spPr>
+        <p:style>
+          <a:lnRef idx="0">
+            <a:scrgbClr r="0" g="0" b="0"/>
+          </a:lnRef>
+          <a:fillRef idx="1">
+            <a:schemeClr val="accent1"/>
+          </a:fillRef>
+          <a:effectRef idx="0">
+            <a:schemeClr val="accent1"/>
+          </a:effectRef>
+          <a:fontRef idx="none"/>
+        </p:style>
+        <p:txBody>
+          <a:bodyPr vert="horz" rtlCol="0" anchor="ctr"/>
           <a:lstStyle/>
           <a:p>
             <a:pPr algn="ctr">
               <a:defRPr lang="en-US" sz="1400" dirty="0"/>
             </a:pPr>
             <a:r>
-              <a:rPr lang="en-US" dirty="0">
-                <a:solidFill>
-                  <a:schemeClr val="tx1"/>
-                </a:solidFill>
-              </a:rPr>
+              <a:rPr lang="en-US" sz="1200" b="1" dirty="0"/>
               <a:t>Main</a:t>
             </a:r>
           </a:p>
@@ -8455,11 +8862,7 @@
               <a:defRPr lang="en-US" sz="1400" dirty="0"/>
             </a:pPr>
             <a:r>
-              <a:rPr lang="en-US" dirty="0">
-                <a:solidFill>
-                  <a:schemeClr val="tx1"/>
-                </a:solidFill>
-              </a:rPr>
+              <a:rPr lang="en-US" sz="1200" b="1" dirty="0"/>
               <a:t>Menu</a:t>
             </a:r>
           </a:p>
@@ -8468,7 +8871,7 @@
     </p:spTree>
     <p:extLst>
       <p:ext uri="{749523F5-F3D8-41AB-A8DC-E3DEAAFD727B}">
-        <p14:creationId xmlns:p14="http://schemas.microsoft.com/office/powerpoint/2010/main" xmlns:vt="http://schemas.openxmlformats.org/officeDocument/2006/docPropsVTypes" xmlns:ns1="http://schemas.openxmlformats.org/officeDocument/2006/extended-properties" xmlns:cs="http://schemas.microsoft.com/office/drawing/2012/chartStyle" xmlns:c="http://schemas.openxmlformats.org/drawingml/2006/chart" xmlns="" val="1648132718607"/>
+        <p14:creationId xmlns="" xmlns:c="http://schemas.openxmlformats.org/drawingml/2006/chart" xmlns:cs="http://schemas.microsoft.com/office/drawing/2012/chartStyle" xmlns:ns1="http://schemas.openxmlformats.org/officeDocument/2006/extended-properties" xmlns:vt="http://schemas.openxmlformats.org/officeDocument/2006/docPropsVTypes" xmlns:p14="http://schemas.microsoft.com/office/powerpoint/2010/main" val="1648132718607"/>
       </p:ext>
     </p:extLst>
   </p:cSld>
@@ -8481,24 +8884,6 @@
 <file path=ppt/tags/tag1.xml><?xml version="1.0" encoding="utf-8"?>
 <p:tagLst xmlns:a="http://schemas.openxmlformats.org/drawingml/2006/main" xmlns:r="http://schemas.openxmlformats.org/officeDocument/2006/relationships" xmlns:p="http://schemas.openxmlformats.org/presentationml/2006/main">
   <p:tag name="WEBFONT2" val="Source Sans Pro-demi_bold"/>
-</p:tagLst>
-</file>
-
-<file path=ppt/tags/tag10.xml><?xml version="1.0" encoding="utf-8"?>
-<p:tagLst xmlns:a="http://schemas.openxmlformats.org/drawingml/2006/main" xmlns:r="http://schemas.openxmlformats.org/officeDocument/2006/relationships" xmlns:p="http://schemas.openxmlformats.org/presentationml/2006/main">
-  <p:tag name="PRESETSHAPE" val="DOTTED_SIGN:"/>
-</p:tagLst>
-</file>
-
-<file path=ppt/tags/tag11.xml><?xml version="1.0" encoding="utf-8"?>
-<p:tagLst xmlns:a="http://schemas.openxmlformats.org/drawingml/2006/main" xmlns:r="http://schemas.openxmlformats.org/officeDocument/2006/relationships" xmlns:p="http://schemas.openxmlformats.org/presentationml/2006/main">
-  <p:tag name="PRESETSHAPE" val="DOTTED_SIGN:"/>
-</p:tagLst>
-</file>
-
-<file path=ppt/tags/tag12.xml><?xml version="1.0" encoding="utf-8"?>
-<p:tagLst xmlns:a="http://schemas.openxmlformats.org/drawingml/2006/main" xmlns:r="http://schemas.openxmlformats.org/officeDocument/2006/relationships" xmlns:p="http://schemas.openxmlformats.org/presentationml/2006/main">
-  <p:tag name="PRESETSHAPE" val="DOTTED_SIGN:"/>
 </p:tagLst>
 </file>
 
@@ -8518,36 +8903,6 @@
 <file path=ppt/tags/tag4.xml><?xml version="1.0" encoding="utf-8"?>
 <p:tagLst xmlns:a="http://schemas.openxmlformats.org/drawingml/2006/main" xmlns:r="http://schemas.openxmlformats.org/officeDocument/2006/relationships" xmlns:p="http://schemas.openxmlformats.org/presentationml/2006/main">
   <p:tag name="LAYOUT" val="fourPic"/>
-</p:tagLst>
-</file>
-
-<file path=ppt/tags/tag5.xml><?xml version="1.0" encoding="utf-8"?>
-<p:tagLst xmlns:a="http://schemas.openxmlformats.org/drawingml/2006/main" xmlns:r="http://schemas.openxmlformats.org/officeDocument/2006/relationships" xmlns:p="http://schemas.openxmlformats.org/presentationml/2006/main">
-  <p:tag name="PRESETSHAPE" val="DOTTED_SIGN:"/>
-</p:tagLst>
-</file>
-
-<file path=ppt/tags/tag6.xml><?xml version="1.0" encoding="utf-8"?>
-<p:tagLst xmlns:a="http://schemas.openxmlformats.org/drawingml/2006/main" xmlns:r="http://schemas.openxmlformats.org/officeDocument/2006/relationships" xmlns:p="http://schemas.openxmlformats.org/presentationml/2006/main">
-  <p:tag name="PRESETSHAPE" val="DOTTED_SIGN:"/>
-</p:tagLst>
-</file>
-
-<file path=ppt/tags/tag7.xml><?xml version="1.0" encoding="utf-8"?>
-<p:tagLst xmlns:a="http://schemas.openxmlformats.org/drawingml/2006/main" xmlns:r="http://schemas.openxmlformats.org/officeDocument/2006/relationships" xmlns:p="http://schemas.openxmlformats.org/presentationml/2006/main">
-  <p:tag name="PRESETSHAPE" val="DOTTED_SIGN:"/>
-</p:tagLst>
-</file>
-
-<file path=ppt/tags/tag8.xml><?xml version="1.0" encoding="utf-8"?>
-<p:tagLst xmlns:a="http://schemas.openxmlformats.org/drawingml/2006/main" xmlns:r="http://schemas.openxmlformats.org/officeDocument/2006/relationships" xmlns:p="http://schemas.openxmlformats.org/presentationml/2006/main">
-  <p:tag name="PRESETSHAPE" val="DOTTED_SIGN:"/>
-</p:tagLst>
-</file>
-
-<file path=ppt/tags/tag9.xml><?xml version="1.0" encoding="utf-8"?>
-<p:tagLst xmlns:a="http://schemas.openxmlformats.org/drawingml/2006/main" xmlns:r="http://schemas.openxmlformats.org/officeDocument/2006/relationships" xmlns:p="http://schemas.openxmlformats.org/presentationml/2006/main">
-  <p:tag name="PRESETSHAPE" val="DOTTED_SIGN:"/>
 </p:tagLst>
 </file>
 
